--- a/beHappy poster.pptx
+++ b/beHappy poster.pptx
@@ -7685,6 +7685,10 @@
           </p:nvPr>
         </p:nvSpPr>
         <p:spPr>
+          <a:xfrm>
+            <a:off x="5812455" y="3144120"/>
+            <a:ext cx="2484789" cy="787400"/>
+          </a:xfrm>
           <a:prstGeom prst="rect">
             <a:avLst/>
           </a:prstGeom>
@@ -7705,31 +7709,7 @@
             </a:pPr>
             <a:r>
               <a:rPr lang="pl-PL" dirty="0"/>
-              <a:t>TU</a:t>
-            </a:r>
-            <a:r>
-              <a:rPr lang="pl-PL" spc="-114" dirty="0"/>
-              <a:t> </a:t>
-            </a:r>
-            <a:r>
-              <a:rPr lang="pl-PL" spc="-10" dirty="0"/>
-              <a:t>WPISZ</a:t>
-            </a:r>
-            <a:r>
-              <a:rPr lang="pl-PL" spc="-160" dirty="0"/>
-              <a:t> </a:t>
-            </a:r>
-            <a:r>
-              <a:rPr lang="pl-PL" spc="-10" dirty="0"/>
-              <a:t>TYTUŁ</a:t>
-            </a:r>
-            <a:r>
-              <a:rPr lang="pl-PL" spc="-160" dirty="0"/>
-              <a:t> </a:t>
-            </a:r>
-            <a:r>
-              <a:rPr lang="pl-PL" spc="-10" dirty="0"/>
-              <a:t>PROJEKTU</a:t>
+              <a:t>beHappy</a:t>
             </a:r>
             <a:endParaRPr spc="-10" dirty="0"/>
           </a:p>
@@ -7794,7 +7774,7 @@
               </a:rPr>
               <a:t>pracy</a:t>
             </a:r>
-            <a:endParaRPr sz="1850">
+            <a:endParaRPr sz="1850" dirty="0">
               <a:latin typeface="IntelOneDisplay-Medium"/>
               <a:cs typeface="IntelOneDisplay-Medium"/>
             </a:endParaRPr>
@@ -7809,8 +7789,8 @@
         </p:nvSpPr>
         <p:spPr>
           <a:xfrm>
-            <a:off x="6204046" y="4478097"/>
-            <a:ext cx="1481455" cy="313055"/>
+            <a:off x="6273739" y="4451267"/>
+            <a:ext cx="1384204" cy="313055"/>
           </a:xfrm>
           <a:prstGeom prst="rect">
             <a:avLst/>
@@ -7860,7 +7840,7 @@
               </a:rPr>
               <a:t>szkoły</a:t>
             </a:r>
-            <a:endParaRPr sz="1850">
+            <a:endParaRPr sz="1850" dirty="0">
               <a:latin typeface="IntelOneDisplay-Medium"/>
               <a:cs typeface="IntelOneDisplay-Medium"/>
             </a:endParaRPr>
@@ -8120,7 +8100,7 @@
         <p:spPr>
           <a:xfrm>
             <a:off x="924769" y="5633687"/>
-            <a:ext cx="12082145" cy="191718"/>
+            <a:ext cx="12082145" cy="901015"/>
           </a:xfrm>
           <a:prstGeom prst="rect">
             <a:avLst/>
@@ -8141,13 +8121,2667 @@
               </a:spcBef>
             </a:pPr>
             <a:r>
+              <a:rPr lang="pl-PL" sz="1150" spc="-50" dirty="0">
+                <a:solidFill>
+                  <a:srgbClr val="1D1D1B"/>
+                </a:solidFill>
+                <a:latin typeface="IntelOne Display Regular"/>
+                <a:cs typeface="IntelOne Display Regular"/>
+              </a:rPr>
+              <a:t>To</a:t>
+            </a:r>
+            <a:r>
+              <a:rPr lang="pl-PL" sz="1150" spc="10" dirty="0">
+                <a:solidFill>
+                  <a:srgbClr val="1D1D1B"/>
+                </a:solidFill>
+                <a:latin typeface="IntelOne Display Regular"/>
+                <a:cs typeface="IntelOne Display Regular"/>
+              </a:rPr>
+              <a:t> </a:t>
+            </a:r>
+            <a:r>
               <a:rPr lang="pl-PL" sz="1150" dirty="0">
-                <a:latin typeface="IntelOne Display Regular"/>
-                <a:cs typeface="IntelOne Display Regular"/>
-              </a:rPr>
-              <a:t>800 znaków</a:t>
-            </a:r>
-            <a:endParaRPr sz="1150" dirty="0">
+                <a:solidFill>
+                  <a:srgbClr val="1D1D1B"/>
+                </a:solidFill>
+                <a:latin typeface="IntelOne Display Regular"/>
+                <a:cs typeface="IntelOne Display Regular"/>
+              </a:rPr>
+              <a:t>jest</a:t>
+            </a:r>
+            <a:r>
+              <a:rPr lang="pl-PL" sz="1150" spc="15" dirty="0">
+                <a:solidFill>
+                  <a:srgbClr val="1D1D1B"/>
+                </a:solidFill>
+                <a:latin typeface="IntelOne Display Regular"/>
+                <a:cs typeface="IntelOne Display Regular"/>
+              </a:rPr>
+              <a:t> </a:t>
+            </a:r>
+            <a:r>
+              <a:rPr lang="pl-PL" sz="1150" dirty="0">
+                <a:solidFill>
+                  <a:srgbClr val="1D1D1B"/>
+                </a:solidFill>
+                <a:latin typeface="IntelOne Display Regular"/>
+                <a:cs typeface="IntelOne Display Regular"/>
+              </a:rPr>
+              <a:t>miejsce</a:t>
+            </a:r>
+            <a:r>
+              <a:rPr lang="pl-PL" sz="1150" spc="15" dirty="0">
+                <a:solidFill>
+                  <a:srgbClr val="1D1D1B"/>
+                </a:solidFill>
+                <a:latin typeface="IntelOne Display Regular"/>
+                <a:cs typeface="IntelOne Display Regular"/>
+              </a:rPr>
+              <a:t> </a:t>
+            </a:r>
+            <a:r>
+              <a:rPr lang="pl-PL" sz="1150" dirty="0">
+                <a:solidFill>
+                  <a:srgbClr val="1D1D1B"/>
+                </a:solidFill>
+                <a:latin typeface="IntelOne Display Regular"/>
+                <a:cs typeface="IntelOne Display Regular"/>
+              </a:rPr>
+              <a:t>na</a:t>
+            </a:r>
+            <a:r>
+              <a:rPr lang="pl-PL" sz="1150" spc="15" dirty="0">
+                <a:solidFill>
+                  <a:srgbClr val="1D1D1B"/>
+                </a:solidFill>
+                <a:latin typeface="IntelOne Display Regular"/>
+                <a:cs typeface="IntelOne Display Regular"/>
+              </a:rPr>
+              <a:t> </a:t>
+            </a:r>
+            <a:r>
+              <a:rPr lang="pl-PL" sz="1150" dirty="0">
+                <a:solidFill>
+                  <a:srgbClr val="1D1D1B"/>
+                </a:solidFill>
+                <a:latin typeface="IntelOne Display Regular"/>
+                <a:cs typeface="IntelOne Display Regular"/>
+              </a:rPr>
+              <a:t>abstrakt</a:t>
+            </a:r>
+            <a:r>
+              <a:rPr lang="pl-PL" sz="1150" spc="5" dirty="0">
+                <a:solidFill>
+                  <a:srgbClr val="1D1D1B"/>
+                </a:solidFill>
+                <a:latin typeface="IntelOne Display Regular"/>
+                <a:cs typeface="IntelOne Display Regular"/>
+              </a:rPr>
+              <a:t> </a:t>
+            </a:r>
+            <a:r>
+              <a:rPr lang="pl-PL" sz="1150" spc="-10" dirty="0">
+                <a:solidFill>
+                  <a:srgbClr val="1D1D1B"/>
+                </a:solidFill>
+                <a:latin typeface="IntelOne Display Regular"/>
+                <a:cs typeface="IntelOne Display Regular"/>
+              </a:rPr>
+              <a:t>Twojego</a:t>
+            </a:r>
+            <a:r>
+              <a:rPr lang="pl-PL" sz="1150" spc="15" dirty="0">
+                <a:solidFill>
+                  <a:srgbClr val="1D1D1B"/>
+                </a:solidFill>
+                <a:latin typeface="IntelOne Display Regular"/>
+                <a:cs typeface="IntelOne Display Regular"/>
+              </a:rPr>
+              <a:t> </a:t>
+            </a:r>
+            <a:r>
+              <a:rPr lang="pl-PL" sz="1150" dirty="0">
+                <a:solidFill>
+                  <a:srgbClr val="1D1D1B"/>
+                </a:solidFill>
+                <a:latin typeface="IntelOne Display Regular"/>
+                <a:cs typeface="IntelOne Display Regular"/>
+              </a:rPr>
+              <a:t>projektu.</a:t>
+            </a:r>
+            <a:r>
+              <a:rPr lang="pl-PL" sz="1150" spc="15" dirty="0">
+                <a:solidFill>
+                  <a:srgbClr val="1D1D1B"/>
+                </a:solidFill>
+                <a:latin typeface="IntelOne Display Regular"/>
+                <a:cs typeface="IntelOne Display Regular"/>
+              </a:rPr>
+              <a:t> </a:t>
+            </a:r>
+            <a:r>
+              <a:rPr lang="pl-PL" sz="1150" dirty="0">
+                <a:solidFill>
+                  <a:srgbClr val="1D1D1B"/>
+                </a:solidFill>
+                <a:latin typeface="IntelOne Display Regular"/>
+                <a:cs typeface="IntelOne Display Regular"/>
+              </a:rPr>
+              <a:t>Ma</a:t>
+            </a:r>
+            <a:r>
+              <a:rPr lang="pl-PL" sz="1150" spc="15" dirty="0">
+                <a:solidFill>
+                  <a:srgbClr val="1D1D1B"/>
+                </a:solidFill>
+                <a:latin typeface="IntelOne Display Regular"/>
+                <a:cs typeface="IntelOne Display Regular"/>
+              </a:rPr>
+              <a:t> </a:t>
+            </a:r>
+            <a:r>
+              <a:rPr lang="pl-PL" sz="1150" dirty="0">
+                <a:solidFill>
+                  <a:srgbClr val="1D1D1B"/>
+                </a:solidFill>
+                <a:latin typeface="IntelOne Display Regular"/>
+                <a:cs typeface="IntelOne Display Regular"/>
+              </a:rPr>
+              <a:t>on</a:t>
+            </a:r>
+            <a:r>
+              <a:rPr lang="pl-PL" sz="1150" spc="15" dirty="0">
+                <a:solidFill>
+                  <a:srgbClr val="1D1D1B"/>
+                </a:solidFill>
+                <a:latin typeface="IntelOne Display Regular"/>
+                <a:cs typeface="IntelOne Display Regular"/>
+              </a:rPr>
+              <a:t> </a:t>
+            </a:r>
+            <a:r>
+              <a:rPr lang="pl-PL" sz="1150" dirty="0">
+                <a:solidFill>
+                  <a:srgbClr val="1D1D1B"/>
+                </a:solidFill>
+                <a:latin typeface="IntelOne Display Regular"/>
+                <a:cs typeface="IntelOne Display Regular"/>
+              </a:rPr>
+              <a:t>mieć</a:t>
+            </a:r>
+            <a:r>
+              <a:rPr lang="pl-PL" sz="1150" spc="15" dirty="0">
+                <a:solidFill>
+                  <a:srgbClr val="1D1D1B"/>
+                </a:solidFill>
+                <a:latin typeface="IntelOne Display Regular"/>
+                <a:cs typeface="IntelOne Display Regular"/>
+              </a:rPr>
+              <a:t> </a:t>
+            </a:r>
+            <a:r>
+              <a:rPr lang="pl-PL" sz="1150" dirty="0">
+                <a:solidFill>
+                  <a:srgbClr val="1D1D1B"/>
+                </a:solidFill>
+                <a:latin typeface="IntelOne Display Regular"/>
+                <a:cs typeface="IntelOne Display Regular"/>
+              </a:rPr>
+              <a:t>maksymalnie</a:t>
+            </a:r>
+            <a:r>
+              <a:rPr lang="pl-PL" sz="1150" spc="10" dirty="0">
+                <a:solidFill>
+                  <a:srgbClr val="1D1D1B"/>
+                </a:solidFill>
+                <a:latin typeface="IntelOne Display Regular"/>
+                <a:cs typeface="IntelOne Display Regular"/>
+              </a:rPr>
+              <a:t> </a:t>
+            </a:r>
+            <a:r>
+              <a:rPr lang="pl-PL" sz="1150" dirty="0">
+                <a:solidFill>
+                  <a:srgbClr val="1D1D1B"/>
+                </a:solidFill>
+                <a:latin typeface="IntelOne Display Regular"/>
+                <a:cs typeface="IntelOne Display Regular"/>
+              </a:rPr>
+              <a:t>800</a:t>
+            </a:r>
+            <a:r>
+              <a:rPr lang="pl-PL" sz="1150" spc="15" dirty="0">
+                <a:solidFill>
+                  <a:srgbClr val="1D1D1B"/>
+                </a:solidFill>
+                <a:latin typeface="IntelOne Display Regular"/>
+                <a:cs typeface="IntelOne Display Regular"/>
+              </a:rPr>
+              <a:t> </a:t>
+            </a:r>
+            <a:r>
+              <a:rPr lang="pl-PL" sz="1150" dirty="0">
+                <a:solidFill>
+                  <a:srgbClr val="1D1D1B"/>
+                </a:solidFill>
+                <a:latin typeface="IntelOne Display Regular"/>
+                <a:cs typeface="IntelOne Display Regular"/>
+              </a:rPr>
+              <a:t>znaków</a:t>
+            </a:r>
+            <a:r>
+              <a:rPr lang="pl-PL" sz="1150" spc="15" dirty="0">
+                <a:solidFill>
+                  <a:srgbClr val="1D1D1B"/>
+                </a:solidFill>
+                <a:latin typeface="IntelOne Display Regular"/>
+                <a:cs typeface="IntelOne Display Regular"/>
+              </a:rPr>
+              <a:t> </a:t>
+            </a:r>
+            <a:r>
+              <a:rPr lang="pl-PL" sz="1150" dirty="0">
+                <a:solidFill>
+                  <a:srgbClr val="1D1D1B"/>
+                </a:solidFill>
+                <a:latin typeface="IntelOne Display Regular"/>
+                <a:cs typeface="IntelOne Display Regular"/>
+              </a:rPr>
+              <a:t>ze</a:t>
+            </a:r>
+            <a:r>
+              <a:rPr lang="pl-PL" sz="1150" spc="15" dirty="0">
+                <a:solidFill>
+                  <a:srgbClr val="1D1D1B"/>
+                </a:solidFill>
+                <a:latin typeface="IntelOne Display Regular"/>
+                <a:cs typeface="IntelOne Display Regular"/>
+              </a:rPr>
+              <a:t> </a:t>
+            </a:r>
+            <a:r>
+              <a:rPr lang="pl-PL" sz="1150" dirty="0">
+                <a:solidFill>
+                  <a:srgbClr val="1D1D1B"/>
+                </a:solidFill>
+                <a:latin typeface="IntelOne Display Regular"/>
+                <a:cs typeface="IntelOne Display Regular"/>
+              </a:rPr>
+              <a:t>spacjami</a:t>
+            </a:r>
+            <a:r>
+              <a:rPr lang="pl-PL" sz="1150" spc="15" dirty="0">
+                <a:solidFill>
+                  <a:srgbClr val="1D1D1B"/>
+                </a:solidFill>
+                <a:latin typeface="IntelOne Display Regular"/>
+                <a:cs typeface="IntelOne Display Regular"/>
+              </a:rPr>
+              <a:t> </a:t>
+            </a:r>
+            <a:r>
+              <a:rPr lang="pl-PL" sz="1150" dirty="0">
+                <a:solidFill>
+                  <a:srgbClr val="1D1D1B"/>
+                </a:solidFill>
+                <a:latin typeface="IntelOne Display Regular"/>
+                <a:cs typeface="IntelOne Display Regular"/>
+              </a:rPr>
+              <a:t>–</a:t>
+            </a:r>
+            <a:r>
+              <a:rPr lang="pl-PL" sz="1150" spc="15" dirty="0">
+                <a:solidFill>
+                  <a:srgbClr val="1D1D1B"/>
+                </a:solidFill>
+                <a:latin typeface="IntelOne Display Regular"/>
+                <a:cs typeface="IntelOne Display Regular"/>
+              </a:rPr>
+              <a:t> </a:t>
+            </a:r>
+            <a:r>
+              <a:rPr lang="pl-PL" sz="1150" dirty="0">
+                <a:solidFill>
+                  <a:srgbClr val="1D1D1B"/>
+                </a:solidFill>
+                <a:latin typeface="IntelOne Display Regular"/>
+                <a:cs typeface="IntelOne Display Regular"/>
+              </a:rPr>
+              <a:t>inaczej</a:t>
+            </a:r>
+            <a:r>
+              <a:rPr lang="pl-PL" sz="1150" spc="15" dirty="0">
+                <a:solidFill>
+                  <a:srgbClr val="1D1D1B"/>
+                </a:solidFill>
+                <a:latin typeface="IntelOne Display Regular"/>
+                <a:cs typeface="IntelOne Display Regular"/>
+              </a:rPr>
+              <a:t> </a:t>
+            </a:r>
+            <a:r>
+              <a:rPr lang="pl-PL" sz="1150" dirty="0">
+                <a:solidFill>
+                  <a:srgbClr val="1D1D1B"/>
+                </a:solidFill>
+                <a:latin typeface="IntelOne Display Regular"/>
+                <a:cs typeface="IntelOne Display Regular"/>
+              </a:rPr>
+              <a:t>stanie</a:t>
+            </a:r>
+            <a:r>
+              <a:rPr lang="pl-PL" sz="1150" spc="15" dirty="0">
+                <a:solidFill>
+                  <a:srgbClr val="1D1D1B"/>
+                </a:solidFill>
+                <a:latin typeface="IntelOne Display Regular"/>
+                <a:cs typeface="IntelOne Display Regular"/>
+              </a:rPr>
+              <a:t> </a:t>
+            </a:r>
+            <a:r>
+              <a:rPr lang="pl-PL" sz="1150" dirty="0">
+                <a:solidFill>
+                  <a:srgbClr val="1D1D1B"/>
+                </a:solidFill>
+                <a:latin typeface="IntelOne Display Regular"/>
+                <a:cs typeface="IntelOne Display Regular"/>
+              </a:rPr>
+              <a:t>się</a:t>
+            </a:r>
+            <a:r>
+              <a:rPr lang="pl-PL" sz="1150" spc="15" dirty="0">
+                <a:solidFill>
+                  <a:srgbClr val="1D1D1B"/>
+                </a:solidFill>
+                <a:latin typeface="IntelOne Display Regular"/>
+                <a:cs typeface="IntelOne Display Regular"/>
+              </a:rPr>
+              <a:t> </a:t>
+            </a:r>
+            <a:r>
+              <a:rPr lang="pl-PL" sz="1150" dirty="0">
+                <a:solidFill>
+                  <a:srgbClr val="1D1D1B"/>
+                </a:solidFill>
+                <a:latin typeface="IntelOne Display Regular"/>
+                <a:cs typeface="IntelOne Display Regular"/>
+              </a:rPr>
+              <a:t>nieczytelny</a:t>
+            </a:r>
+            <a:r>
+              <a:rPr lang="pl-PL" sz="1150" spc="15" dirty="0">
+                <a:solidFill>
+                  <a:srgbClr val="1D1D1B"/>
+                </a:solidFill>
+                <a:latin typeface="IntelOne Display Regular"/>
+                <a:cs typeface="IntelOne Display Regular"/>
+              </a:rPr>
+              <a:t> </a:t>
+            </a:r>
+            <a:r>
+              <a:rPr lang="pl-PL" sz="1150" dirty="0">
+                <a:solidFill>
+                  <a:srgbClr val="1D1D1B"/>
+                </a:solidFill>
+                <a:latin typeface="IntelOne Display Regular"/>
+                <a:cs typeface="IntelOne Display Regular"/>
+              </a:rPr>
+              <a:t>dla</a:t>
+            </a:r>
+            <a:r>
+              <a:rPr lang="pl-PL" sz="1150" spc="15" dirty="0">
+                <a:solidFill>
+                  <a:srgbClr val="1D1D1B"/>
+                </a:solidFill>
+                <a:latin typeface="IntelOne Display Regular"/>
+                <a:cs typeface="IntelOne Display Regular"/>
+              </a:rPr>
+              <a:t> </a:t>
+            </a:r>
+            <a:r>
+              <a:rPr lang="pl-PL" sz="1150" dirty="0">
+                <a:solidFill>
+                  <a:srgbClr val="1D1D1B"/>
+                </a:solidFill>
+                <a:latin typeface="IntelOne Display Regular"/>
+                <a:cs typeface="IntelOne Display Regular"/>
+              </a:rPr>
+              <a:t>odbiorców </a:t>
+            </a:r>
+            <a:r>
+              <a:rPr lang="pl-PL" sz="1150" spc="-10" dirty="0">
+                <a:solidFill>
+                  <a:srgbClr val="1D1D1B"/>
+                </a:solidFill>
+                <a:latin typeface="IntelOne Display Regular"/>
+                <a:cs typeface="IntelOne Display Regular"/>
+              </a:rPr>
+              <a:t>Twojego</a:t>
+            </a:r>
+            <a:r>
+              <a:rPr lang="pl-PL" sz="1150" spc="15" dirty="0">
+                <a:solidFill>
+                  <a:srgbClr val="1D1D1B"/>
+                </a:solidFill>
+                <a:latin typeface="IntelOne Display Regular"/>
+                <a:cs typeface="IntelOne Display Regular"/>
+              </a:rPr>
+              <a:t> </a:t>
+            </a:r>
+            <a:r>
+              <a:rPr lang="pl-PL" sz="1150" dirty="0">
+                <a:solidFill>
+                  <a:srgbClr val="1D1D1B"/>
+                </a:solidFill>
+                <a:latin typeface="IntelOne Display Regular"/>
+                <a:cs typeface="IntelOne Display Regular"/>
+              </a:rPr>
+              <a:t>plakatu.</a:t>
+            </a:r>
+            <a:r>
+              <a:rPr lang="pl-PL" sz="1150" spc="15" dirty="0">
+                <a:solidFill>
+                  <a:srgbClr val="1D1D1B"/>
+                </a:solidFill>
+                <a:latin typeface="IntelOne Display Regular"/>
+                <a:cs typeface="IntelOne Display Regular"/>
+              </a:rPr>
+              <a:t> </a:t>
+            </a:r>
+            <a:r>
+              <a:rPr lang="pl-PL" sz="1150" dirty="0">
+                <a:solidFill>
+                  <a:srgbClr val="1D1D1B"/>
+                </a:solidFill>
+                <a:latin typeface="IntelOne Display Regular"/>
+                <a:cs typeface="IntelOne Display Regular"/>
+              </a:rPr>
+              <a:t>Opisz</a:t>
+            </a:r>
+            <a:r>
+              <a:rPr lang="pl-PL" sz="1150" spc="15" dirty="0">
+                <a:solidFill>
+                  <a:srgbClr val="1D1D1B"/>
+                </a:solidFill>
+                <a:latin typeface="IntelOne Display Regular"/>
+                <a:cs typeface="IntelOne Display Regular"/>
+              </a:rPr>
+              <a:t> </a:t>
+            </a:r>
+            <a:r>
+              <a:rPr lang="pl-PL" sz="1150" dirty="0">
+                <a:solidFill>
+                  <a:srgbClr val="1D1D1B"/>
+                </a:solidFill>
+                <a:latin typeface="IntelOne Display Regular"/>
+                <a:cs typeface="IntelOne Display Regular"/>
+              </a:rPr>
+              <a:t>tutaj</a:t>
+            </a:r>
+            <a:r>
+              <a:rPr lang="pl-PL" sz="1150" spc="15" dirty="0">
+                <a:solidFill>
+                  <a:srgbClr val="1D1D1B"/>
+                </a:solidFill>
+                <a:latin typeface="IntelOne Display Regular"/>
+                <a:cs typeface="IntelOne Display Regular"/>
+              </a:rPr>
+              <a:t> </a:t>
+            </a:r>
+            <a:r>
+              <a:rPr lang="pl-PL" sz="1150" dirty="0">
+                <a:solidFill>
+                  <a:srgbClr val="1D1D1B"/>
+                </a:solidFill>
+                <a:latin typeface="IntelOne Display Regular"/>
+                <a:cs typeface="IntelOne Display Regular"/>
+              </a:rPr>
+              <a:t>w</a:t>
+            </a:r>
+            <a:r>
+              <a:rPr lang="pl-PL" sz="1150" spc="15" dirty="0">
+                <a:solidFill>
+                  <a:srgbClr val="1D1D1B"/>
+                </a:solidFill>
+                <a:latin typeface="IntelOne Display Regular"/>
+                <a:cs typeface="IntelOne Display Regular"/>
+              </a:rPr>
+              <a:t> </a:t>
+            </a:r>
+            <a:r>
+              <a:rPr lang="pl-PL" sz="1150" dirty="0">
+                <a:solidFill>
+                  <a:srgbClr val="1D1D1B"/>
+                </a:solidFill>
+                <a:latin typeface="IntelOne Display Regular"/>
+                <a:cs typeface="IntelOne Display Regular"/>
+              </a:rPr>
+              <a:t>kilku</a:t>
+            </a:r>
+            <a:r>
+              <a:rPr lang="pl-PL" sz="1150" spc="15" dirty="0">
+                <a:solidFill>
+                  <a:srgbClr val="1D1D1B"/>
+                </a:solidFill>
+                <a:latin typeface="IntelOne Display Regular"/>
+                <a:cs typeface="IntelOne Display Regular"/>
+              </a:rPr>
+              <a:t> </a:t>
+            </a:r>
+            <a:r>
+              <a:rPr lang="pl-PL" sz="1150" spc="-10" dirty="0">
+                <a:solidFill>
+                  <a:srgbClr val="1D1D1B"/>
+                </a:solidFill>
+                <a:latin typeface="IntelOne Display Regular"/>
+                <a:cs typeface="IntelOne Display Regular"/>
+              </a:rPr>
+              <a:t>zdaniach</a:t>
+            </a:r>
+            <a:endParaRPr lang="pl-PL" sz="1150" dirty="0">
+              <a:latin typeface="IntelOne Display Regular"/>
+              <a:cs typeface="IntelOne Display Regular"/>
+            </a:endParaRPr>
+          </a:p>
+          <a:p>
+            <a:pPr marL="12700" marR="5080" algn="just">
+              <a:lnSpc>
+                <a:spcPct val="101400"/>
+              </a:lnSpc>
+            </a:pPr>
+            <a:r>
+              <a:rPr lang="pl-PL" sz="1150" dirty="0">
+                <a:solidFill>
+                  <a:srgbClr val="1D1D1B"/>
+                </a:solidFill>
+                <a:latin typeface="IntelOne Display Regular"/>
+                <a:cs typeface="IntelOne Display Regular"/>
+              </a:rPr>
+              <a:t>o</a:t>
+            </a:r>
+            <a:r>
+              <a:rPr lang="pl-PL" sz="1150" spc="10" dirty="0">
+                <a:solidFill>
+                  <a:srgbClr val="1D1D1B"/>
+                </a:solidFill>
+                <a:latin typeface="IntelOne Display Regular"/>
+                <a:cs typeface="IntelOne Display Regular"/>
+              </a:rPr>
+              <a:t> </a:t>
+            </a:r>
+            <a:r>
+              <a:rPr lang="pl-PL" sz="1150" dirty="0">
+                <a:solidFill>
+                  <a:srgbClr val="1D1D1B"/>
+                </a:solidFill>
+                <a:latin typeface="IntelOne Display Regular"/>
+                <a:cs typeface="IntelOne Display Regular"/>
+              </a:rPr>
+              <a:t>czym</a:t>
+            </a:r>
+            <a:r>
+              <a:rPr lang="pl-PL" sz="1150" spc="10" dirty="0">
+                <a:solidFill>
+                  <a:srgbClr val="1D1D1B"/>
+                </a:solidFill>
+                <a:latin typeface="IntelOne Display Regular"/>
+                <a:cs typeface="IntelOne Display Regular"/>
+              </a:rPr>
+              <a:t> </a:t>
+            </a:r>
+            <a:r>
+              <a:rPr lang="pl-PL" sz="1150" dirty="0">
+                <a:solidFill>
+                  <a:srgbClr val="1D1D1B"/>
+                </a:solidFill>
+                <a:latin typeface="IntelOne Display Regular"/>
+                <a:cs typeface="IntelOne Display Regular"/>
+              </a:rPr>
+              <a:t>jest </a:t>
+            </a:r>
+            <a:r>
+              <a:rPr lang="pl-PL" sz="1150" spc="-20" dirty="0">
+                <a:solidFill>
+                  <a:srgbClr val="1D1D1B"/>
+                </a:solidFill>
+                <a:latin typeface="IntelOne Display Regular"/>
+                <a:cs typeface="IntelOne Display Regular"/>
+              </a:rPr>
+              <a:t>Twój</a:t>
+            </a:r>
+            <a:r>
+              <a:rPr lang="pl-PL" sz="1150" spc="15" dirty="0">
+                <a:solidFill>
+                  <a:srgbClr val="1D1D1B"/>
+                </a:solidFill>
+                <a:latin typeface="IntelOne Display Regular"/>
+                <a:cs typeface="IntelOne Display Regular"/>
+              </a:rPr>
+              <a:t> </a:t>
+            </a:r>
+            <a:r>
+              <a:rPr lang="pl-PL" sz="1150" dirty="0">
+                <a:solidFill>
+                  <a:srgbClr val="1D1D1B"/>
+                </a:solidFill>
+                <a:latin typeface="IntelOne Display Regular"/>
+                <a:cs typeface="IntelOne Display Regular"/>
+              </a:rPr>
+              <a:t>projekt.</a:t>
+            </a:r>
+            <a:r>
+              <a:rPr lang="pl-PL" sz="1150" spc="10" dirty="0">
+                <a:solidFill>
+                  <a:srgbClr val="1D1D1B"/>
+                </a:solidFill>
+                <a:latin typeface="IntelOne Display Regular"/>
+                <a:cs typeface="IntelOne Display Regular"/>
+              </a:rPr>
+              <a:t> </a:t>
+            </a:r>
+            <a:r>
+              <a:rPr lang="pl-PL" sz="1150" dirty="0">
+                <a:solidFill>
+                  <a:srgbClr val="1D1D1B"/>
+                </a:solidFill>
+                <a:latin typeface="IntelOne Display Regular"/>
+                <a:cs typeface="IntelOne Display Regular"/>
+              </a:rPr>
+              <a:t>Postaraj</a:t>
+            </a:r>
+            <a:r>
+              <a:rPr lang="pl-PL" sz="1150" spc="10" dirty="0">
+                <a:solidFill>
+                  <a:srgbClr val="1D1D1B"/>
+                </a:solidFill>
+                <a:latin typeface="IntelOne Display Regular"/>
+                <a:cs typeface="IntelOne Display Regular"/>
+              </a:rPr>
+              <a:t> </a:t>
+            </a:r>
+            <a:r>
+              <a:rPr lang="pl-PL" sz="1150" dirty="0">
+                <a:solidFill>
+                  <a:srgbClr val="1D1D1B"/>
+                </a:solidFill>
+                <a:latin typeface="IntelOne Display Regular"/>
+                <a:cs typeface="IntelOne Display Regular"/>
+              </a:rPr>
+              <a:t>się</a:t>
+            </a:r>
+            <a:r>
+              <a:rPr lang="pl-PL" sz="1150" spc="10" dirty="0">
+                <a:solidFill>
+                  <a:srgbClr val="1D1D1B"/>
+                </a:solidFill>
+                <a:latin typeface="IntelOne Display Regular"/>
+                <a:cs typeface="IntelOne Display Regular"/>
+              </a:rPr>
+              <a:t> </a:t>
+            </a:r>
+            <a:r>
+              <a:rPr lang="pl-PL" sz="1150" dirty="0">
+                <a:solidFill>
+                  <a:srgbClr val="1D1D1B"/>
+                </a:solidFill>
+                <a:latin typeface="IntelOne Display Regular"/>
+                <a:cs typeface="IntelOne Display Regular"/>
+              </a:rPr>
+              <a:t>podać</a:t>
+            </a:r>
+            <a:r>
+              <a:rPr lang="pl-PL" sz="1150" spc="15" dirty="0">
+                <a:solidFill>
+                  <a:srgbClr val="1D1D1B"/>
+                </a:solidFill>
+                <a:latin typeface="IntelOne Display Regular"/>
+                <a:cs typeface="IntelOne Display Regular"/>
+              </a:rPr>
+              <a:t> </a:t>
+            </a:r>
+            <a:r>
+              <a:rPr lang="pl-PL" sz="1150" dirty="0">
+                <a:solidFill>
+                  <a:srgbClr val="1D1D1B"/>
+                </a:solidFill>
+                <a:latin typeface="IntelOne Display Regular"/>
+                <a:cs typeface="IntelOne Display Regular"/>
+              </a:rPr>
+              <a:t>tylko</a:t>
+            </a:r>
+            <a:r>
+              <a:rPr lang="pl-PL" sz="1150" spc="10" dirty="0">
+                <a:solidFill>
+                  <a:srgbClr val="1D1D1B"/>
+                </a:solidFill>
+                <a:latin typeface="IntelOne Display Regular"/>
+                <a:cs typeface="IntelOne Display Regular"/>
+              </a:rPr>
+              <a:t> </a:t>
+            </a:r>
+            <a:r>
+              <a:rPr lang="pl-PL" sz="1150" dirty="0">
+                <a:solidFill>
+                  <a:srgbClr val="1D1D1B"/>
+                </a:solidFill>
+                <a:latin typeface="IntelOne Display Regular"/>
+                <a:cs typeface="IntelOne Display Regular"/>
+              </a:rPr>
+              <a:t>najważniejsze</a:t>
+            </a:r>
+            <a:r>
+              <a:rPr lang="pl-PL" sz="1150" spc="10" dirty="0">
+                <a:solidFill>
+                  <a:srgbClr val="1D1D1B"/>
+                </a:solidFill>
+                <a:latin typeface="IntelOne Display Regular"/>
+                <a:cs typeface="IntelOne Display Regular"/>
+              </a:rPr>
+              <a:t> </a:t>
+            </a:r>
+            <a:r>
+              <a:rPr lang="pl-PL" sz="1150" dirty="0">
+                <a:solidFill>
+                  <a:srgbClr val="1D1D1B"/>
+                </a:solidFill>
+                <a:latin typeface="IntelOne Display Regular"/>
+                <a:cs typeface="IntelOne Display Regular"/>
+              </a:rPr>
+              <a:t>informacje</a:t>
+            </a:r>
+            <a:r>
+              <a:rPr lang="pl-PL" sz="1150" spc="15" dirty="0">
+                <a:solidFill>
+                  <a:srgbClr val="1D1D1B"/>
+                </a:solidFill>
+                <a:latin typeface="IntelOne Display Regular"/>
+                <a:cs typeface="IntelOne Display Regular"/>
+              </a:rPr>
+              <a:t> </a:t>
+            </a:r>
+            <a:r>
+              <a:rPr lang="pl-PL" sz="1150" dirty="0">
+                <a:solidFill>
+                  <a:srgbClr val="1D1D1B"/>
+                </a:solidFill>
+                <a:latin typeface="IntelOne Display Regular"/>
+                <a:cs typeface="IntelOne Display Regular"/>
+              </a:rPr>
+              <a:t>–</a:t>
+            </a:r>
+            <a:r>
+              <a:rPr lang="pl-PL" sz="1150" spc="10" dirty="0">
+                <a:solidFill>
+                  <a:srgbClr val="1D1D1B"/>
+                </a:solidFill>
+                <a:latin typeface="IntelOne Display Regular"/>
+                <a:cs typeface="IntelOne Display Regular"/>
+              </a:rPr>
+              <a:t> </a:t>
+            </a:r>
+            <a:r>
+              <a:rPr lang="pl-PL" sz="1150" dirty="0">
+                <a:solidFill>
+                  <a:srgbClr val="1D1D1B"/>
+                </a:solidFill>
+                <a:latin typeface="IntelOne Display Regular"/>
+                <a:cs typeface="IntelOne Display Regular"/>
+              </a:rPr>
+              <a:t>mają</a:t>
+            </a:r>
+            <a:r>
+              <a:rPr lang="pl-PL" sz="1150" spc="10" dirty="0">
+                <a:solidFill>
+                  <a:srgbClr val="1D1D1B"/>
+                </a:solidFill>
+                <a:latin typeface="IntelOne Display Regular"/>
+                <a:cs typeface="IntelOne Display Regular"/>
+              </a:rPr>
+              <a:t> </a:t>
+            </a:r>
+            <a:r>
+              <a:rPr lang="pl-PL" sz="1150" dirty="0">
+                <a:solidFill>
+                  <a:srgbClr val="1D1D1B"/>
+                </a:solidFill>
+                <a:latin typeface="IntelOne Display Regular"/>
+                <a:cs typeface="IntelOne Display Regular"/>
+              </a:rPr>
+              <a:t>one</a:t>
+            </a:r>
+            <a:r>
+              <a:rPr lang="pl-PL" sz="1150" spc="10" dirty="0">
+                <a:solidFill>
+                  <a:srgbClr val="1D1D1B"/>
+                </a:solidFill>
+                <a:latin typeface="IntelOne Display Regular"/>
+                <a:cs typeface="IntelOne Display Regular"/>
+              </a:rPr>
+              <a:t> </a:t>
+            </a:r>
+            <a:r>
+              <a:rPr lang="pl-PL" sz="1150" spc="-10" dirty="0">
+                <a:solidFill>
+                  <a:srgbClr val="1D1D1B"/>
+                </a:solidFill>
+                <a:latin typeface="IntelOne Display Regular"/>
+                <a:cs typeface="IntelOne Display Regular"/>
+              </a:rPr>
+              <a:t>być</a:t>
+            </a:r>
+            <a:r>
+              <a:rPr lang="pl-PL" sz="1150" spc="15" dirty="0">
+                <a:solidFill>
+                  <a:srgbClr val="1D1D1B"/>
+                </a:solidFill>
+                <a:latin typeface="IntelOne Display Regular"/>
+                <a:cs typeface="IntelOne Display Regular"/>
+              </a:rPr>
+              <a:t> </a:t>
+            </a:r>
+            <a:r>
+              <a:rPr lang="pl-PL" sz="1150" dirty="0">
+                <a:solidFill>
+                  <a:srgbClr val="1D1D1B"/>
+                </a:solidFill>
+                <a:latin typeface="IntelOne Display Regular"/>
+                <a:cs typeface="IntelOne Display Regular"/>
+              </a:rPr>
+              <a:t>tłem</a:t>
+            </a:r>
+            <a:r>
+              <a:rPr lang="pl-PL" sz="1150" spc="10" dirty="0">
+                <a:solidFill>
+                  <a:srgbClr val="1D1D1B"/>
+                </a:solidFill>
+                <a:latin typeface="IntelOne Display Regular"/>
+                <a:cs typeface="IntelOne Display Regular"/>
+              </a:rPr>
+              <a:t> </a:t>
+            </a:r>
+            <a:r>
+              <a:rPr lang="pl-PL" sz="1150" dirty="0">
+                <a:solidFill>
+                  <a:srgbClr val="1D1D1B"/>
+                </a:solidFill>
+                <a:latin typeface="IntelOne Display Regular"/>
+                <a:cs typeface="IntelOne Display Regular"/>
+              </a:rPr>
+              <a:t>dla </a:t>
+            </a:r>
+            <a:r>
+              <a:rPr lang="pl-PL" sz="1150" spc="-10" dirty="0">
+                <a:solidFill>
+                  <a:srgbClr val="1D1D1B"/>
+                </a:solidFill>
+                <a:latin typeface="IntelOne Display Regular"/>
+                <a:cs typeface="IntelOne Display Regular"/>
+              </a:rPr>
+              <a:t>Twojej</a:t>
+            </a:r>
+            <a:r>
+              <a:rPr lang="pl-PL" sz="1150" spc="10" dirty="0">
+                <a:solidFill>
+                  <a:srgbClr val="1D1D1B"/>
+                </a:solidFill>
+                <a:latin typeface="IntelOne Display Regular"/>
+                <a:cs typeface="IntelOne Display Regular"/>
+              </a:rPr>
+              <a:t> </a:t>
+            </a:r>
+            <a:r>
+              <a:rPr lang="pl-PL" sz="1150" dirty="0">
+                <a:solidFill>
+                  <a:srgbClr val="1D1D1B"/>
+                </a:solidFill>
+                <a:latin typeface="IntelOne Display Regular"/>
+                <a:cs typeface="IntelOne Display Regular"/>
+              </a:rPr>
+              <a:t>prezentacji,</a:t>
+            </a:r>
+            <a:r>
+              <a:rPr lang="pl-PL" sz="1150" spc="15" dirty="0">
+                <a:solidFill>
+                  <a:srgbClr val="1D1D1B"/>
+                </a:solidFill>
+                <a:latin typeface="IntelOne Display Regular"/>
+                <a:cs typeface="IntelOne Display Regular"/>
+              </a:rPr>
+              <a:t> </a:t>
+            </a:r>
+            <a:r>
+              <a:rPr lang="pl-PL" sz="1150" dirty="0">
+                <a:solidFill>
+                  <a:srgbClr val="1D1D1B"/>
+                </a:solidFill>
+                <a:latin typeface="IntelOne Display Regular"/>
+                <a:cs typeface="IntelOne Display Regular"/>
+              </a:rPr>
+              <a:t>a</a:t>
+            </a:r>
+            <a:r>
+              <a:rPr lang="pl-PL" sz="1150" spc="10" dirty="0">
+                <a:solidFill>
+                  <a:srgbClr val="1D1D1B"/>
+                </a:solidFill>
+                <a:latin typeface="IntelOne Display Regular"/>
+                <a:cs typeface="IntelOne Display Regular"/>
+              </a:rPr>
+              <a:t> </a:t>
+            </a:r>
+            <a:r>
+              <a:rPr lang="pl-PL" sz="1150" dirty="0">
+                <a:solidFill>
+                  <a:srgbClr val="1D1D1B"/>
+                </a:solidFill>
+                <a:latin typeface="IntelOne Display Regular"/>
+                <a:cs typeface="IntelOne Display Regular"/>
+              </a:rPr>
+              <a:t>nie</a:t>
+            </a:r>
+            <a:r>
+              <a:rPr lang="pl-PL" sz="1150" spc="10" dirty="0">
+                <a:solidFill>
+                  <a:srgbClr val="1D1D1B"/>
+                </a:solidFill>
+                <a:latin typeface="IntelOne Display Regular"/>
+                <a:cs typeface="IntelOne Display Regular"/>
+              </a:rPr>
+              <a:t> </a:t>
+            </a:r>
+            <a:r>
+              <a:rPr lang="pl-PL" sz="1150" dirty="0">
+                <a:solidFill>
+                  <a:srgbClr val="1D1D1B"/>
+                </a:solidFill>
+                <a:latin typeface="IntelOne Display Regular"/>
+                <a:cs typeface="IntelOne Display Regular"/>
+              </a:rPr>
+              <a:t>całą</a:t>
+            </a:r>
+            <a:r>
+              <a:rPr lang="pl-PL" sz="1150" spc="15" dirty="0">
+                <a:solidFill>
+                  <a:srgbClr val="1D1D1B"/>
+                </a:solidFill>
+                <a:latin typeface="IntelOne Display Regular"/>
+                <a:cs typeface="IntelOne Display Regular"/>
+              </a:rPr>
+              <a:t> </a:t>
+            </a:r>
+            <a:r>
+              <a:rPr lang="pl-PL" sz="1150" dirty="0">
+                <a:solidFill>
+                  <a:srgbClr val="1D1D1B"/>
+                </a:solidFill>
+                <a:latin typeface="IntelOne Display Regular"/>
+                <a:cs typeface="IntelOne Display Regular"/>
+              </a:rPr>
+              <a:t>prezentacją!</a:t>
+            </a:r>
+            <a:r>
+              <a:rPr lang="pl-PL" sz="1150" spc="10" dirty="0">
+                <a:solidFill>
+                  <a:srgbClr val="1D1D1B"/>
+                </a:solidFill>
+                <a:latin typeface="IntelOne Display Regular"/>
+                <a:cs typeface="IntelOne Display Regular"/>
+              </a:rPr>
+              <a:t> </a:t>
+            </a:r>
+            <a:r>
+              <a:rPr lang="pl-PL" sz="1150" dirty="0">
+                <a:solidFill>
+                  <a:srgbClr val="1D1D1B"/>
+                </a:solidFill>
+                <a:latin typeface="IntelOne Display Regular"/>
+                <a:cs typeface="IntelOne Display Regular"/>
+              </a:rPr>
+              <a:t>Pamiętaj,</a:t>
+            </a:r>
+            <a:r>
+              <a:rPr lang="pl-PL" sz="1150" spc="10" dirty="0">
+                <a:solidFill>
+                  <a:srgbClr val="1D1D1B"/>
+                </a:solidFill>
+                <a:latin typeface="IntelOne Display Regular"/>
+                <a:cs typeface="IntelOne Display Regular"/>
+              </a:rPr>
+              <a:t> </a:t>
+            </a:r>
+            <a:r>
+              <a:rPr lang="pl-PL" sz="1150" dirty="0">
+                <a:solidFill>
+                  <a:srgbClr val="1D1D1B"/>
+                </a:solidFill>
+                <a:latin typeface="IntelOne Display Regular"/>
+                <a:cs typeface="IntelOne Display Regular"/>
+              </a:rPr>
+              <a:t>800</a:t>
+            </a:r>
+            <a:r>
+              <a:rPr lang="pl-PL" sz="1150" spc="10" dirty="0">
+                <a:solidFill>
+                  <a:srgbClr val="1D1D1B"/>
+                </a:solidFill>
+                <a:latin typeface="IntelOne Display Regular"/>
+                <a:cs typeface="IntelOne Display Regular"/>
+              </a:rPr>
+              <a:t> </a:t>
+            </a:r>
+            <a:r>
+              <a:rPr lang="pl-PL" sz="1150" spc="-10" dirty="0">
+                <a:solidFill>
+                  <a:srgbClr val="1D1D1B"/>
+                </a:solidFill>
+                <a:latin typeface="IntelOne Display Regular"/>
+                <a:cs typeface="IntelOne Display Regular"/>
+              </a:rPr>
+              <a:t>znaków.</a:t>
+            </a:r>
+            <a:r>
+              <a:rPr lang="pl-PL" sz="1150" spc="5" dirty="0">
+                <a:solidFill>
+                  <a:srgbClr val="1D1D1B"/>
+                </a:solidFill>
+                <a:latin typeface="IntelOne Display Regular"/>
+                <a:cs typeface="IntelOne Display Regular"/>
+              </a:rPr>
+              <a:t> </a:t>
+            </a:r>
+            <a:r>
+              <a:rPr lang="pl-PL" sz="1150" spc="-50" dirty="0">
+                <a:solidFill>
+                  <a:srgbClr val="1D1D1B"/>
+                </a:solidFill>
+                <a:latin typeface="IntelOne Display Regular"/>
+                <a:cs typeface="IntelOne Display Regular"/>
+              </a:rPr>
+              <a:t>To</a:t>
+            </a:r>
+            <a:r>
+              <a:rPr lang="pl-PL" sz="1150" spc="10" dirty="0">
+                <a:solidFill>
+                  <a:srgbClr val="1D1D1B"/>
+                </a:solidFill>
+                <a:latin typeface="IntelOne Display Regular"/>
+                <a:cs typeface="IntelOne Display Regular"/>
+              </a:rPr>
+              <a:t> </a:t>
+            </a:r>
+            <a:r>
+              <a:rPr lang="pl-PL" sz="1150" dirty="0">
+                <a:solidFill>
+                  <a:srgbClr val="1D1D1B"/>
+                </a:solidFill>
+                <a:latin typeface="IntelOne Display Regular"/>
+                <a:cs typeface="IntelOne Display Regular"/>
+              </a:rPr>
+              <a:t>jest</a:t>
+            </a:r>
+            <a:r>
+              <a:rPr lang="pl-PL" sz="1150" spc="10" dirty="0">
+                <a:solidFill>
+                  <a:srgbClr val="1D1D1B"/>
+                </a:solidFill>
+                <a:latin typeface="IntelOne Display Regular"/>
+                <a:cs typeface="IntelOne Display Regular"/>
+              </a:rPr>
+              <a:t> </a:t>
+            </a:r>
+            <a:r>
+              <a:rPr lang="pl-PL" sz="1150" dirty="0">
+                <a:solidFill>
+                  <a:srgbClr val="1D1D1B"/>
+                </a:solidFill>
+                <a:latin typeface="IntelOne Display Regular"/>
+                <a:cs typeface="IntelOne Display Regular"/>
+              </a:rPr>
+              <a:t>właśnie</a:t>
+            </a:r>
+            <a:r>
+              <a:rPr lang="pl-PL" sz="1150" spc="10" dirty="0">
+                <a:solidFill>
+                  <a:srgbClr val="1D1D1B"/>
+                </a:solidFill>
+                <a:latin typeface="IntelOne Display Regular"/>
+                <a:cs typeface="IntelOne Display Regular"/>
+              </a:rPr>
+              <a:t> </a:t>
+            </a:r>
+            <a:r>
+              <a:rPr lang="pl-PL" sz="1150" dirty="0">
+                <a:solidFill>
+                  <a:srgbClr val="1D1D1B"/>
+                </a:solidFill>
+                <a:latin typeface="IntelOne Display Regular"/>
+                <a:cs typeface="IntelOne Display Regular"/>
+              </a:rPr>
+              <a:t>800</a:t>
+            </a:r>
+            <a:r>
+              <a:rPr lang="pl-PL" sz="1150" spc="15" dirty="0">
+                <a:solidFill>
+                  <a:srgbClr val="1D1D1B"/>
+                </a:solidFill>
+                <a:latin typeface="IntelOne Display Regular"/>
+                <a:cs typeface="IntelOne Display Regular"/>
+              </a:rPr>
+              <a:t> </a:t>
+            </a:r>
+            <a:r>
+              <a:rPr lang="pl-PL" sz="1150" spc="-10" dirty="0">
+                <a:solidFill>
+                  <a:srgbClr val="1D1D1B"/>
+                </a:solidFill>
+                <a:latin typeface="IntelOne Display Regular"/>
+                <a:cs typeface="IntelOne Display Regular"/>
+              </a:rPr>
+              <a:t>znaków. </a:t>
+            </a:r>
+            <a:r>
+              <a:rPr lang="pl-PL" sz="1150" spc="-50" dirty="0">
+                <a:solidFill>
+                  <a:srgbClr val="1D1D1B"/>
+                </a:solidFill>
+                <a:latin typeface="IntelOne Display Regular"/>
+                <a:cs typeface="IntelOne Display Regular"/>
+              </a:rPr>
+              <a:t>To</a:t>
+            </a:r>
+            <a:r>
+              <a:rPr lang="pl-PL" sz="1150" spc="10" dirty="0">
+                <a:solidFill>
+                  <a:srgbClr val="1D1D1B"/>
+                </a:solidFill>
+                <a:latin typeface="IntelOne Display Regular"/>
+                <a:cs typeface="IntelOne Display Regular"/>
+              </a:rPr>
+              <a:t> </a:t>
+            </a:r>
+            <a:r>
+              <a:rPr lang="pl-PL" sz="1150" dirty="0">
+                <a:solidFill>
+                  <a:srgbClr val="1D1D1B"/>
+                </a:solidFill>
+                <a:latin typeface="IntelOne Display Regular"/>
+                <a:cs typeface="IntelOne Display Regular"/>
+              </a:rPr>
+              <a:t>jest</a:t>
+            </a:r>
+            <a:r>
+              <a:rPr lang="pl-PL" sz="1150" spc="15" dirty="0">
+                <a:solidFill>
+                  <a:srgbClr val="1D1D1B"/>
+                </a:solidFill>
+                <a:latin typeface="IntelOne Display Regular"/>
+                <a:cs typeface="IntelOne Display Regular"/>
+              </a:rPr>
+              <a:t> </a:t>
+            </a:r>
+            <a:r>
+              <a:rPr lang="pl-PL" sz="1150" dirty="0">
+                <a:solidFill>
+                  <a:srgbClr val="1D1D1B"/>
+                </a:solidFill>
+                <a:latin typeface="IntelOne Display Regular"/>
+                <a:cs typeface="IntelOne Display Regular"/>
+              </a:rPr>
+              <a:t>właśnie</a:t>
+            </a:r>
+            <a:r>
+              <a:rPr lang="pl-PL" sz="1150" spc="15" dirty="0">
+                <a:solidFill>
+                  <a:srgbClr val="1D1D1B"/>
+                </a:solidFill>
+                <a:latin typeface="IntelOne Display Regular"/>
+                <a:cs typeface="IntelOne Display Regular"/>
+              </a:rPr>
+              <a:t> </a:t>
+            </a:r>
+            <a:r>
+              <a:rPr lang="pl-PL" sz="1150" dirty="0">
+                <a:solidFill>
+                  <a:srgbClr val="1D1D1B"/>
+                </a:solidFill>
+                <a:latin typeface="IntelOne Display Regular"/>
+                <a:cs typeface="IntelOne Display Regular"/>
+              </a:rPr>
+              <a:t>800</a:t>
+            </a:r>
+            <a:r>
+              <a:rPr lang="pl-PL" sz="1150" spc="15" dirty="0">
+                <a:solidFill>
+                  <a:srgbClr val="1D1D1B"/>
+                </a:solidFill>
+                <a:latin typeface="IntelOne Display Regular"/>
+                <a:cs typeface="IntelOne Display Regular"/>
+              </a:rPr>
+              <a:t> </a:t>
+            </a:r>
+            <a:r>
+              <a:rPr lang="pl-PL" sz="1150" spc="-10" dirty="0">
+                <a:solidFill>
+                  <a:srgbClr val="1D1D1B"/>
+                </a:solidFill>
+                <a:latin typeface="IntelOne Display Regular"/>
+                <a:cs typeface="IntelOne Display Regular"/>
+              </a:rPr>
+              <a:t>znaków.</a:t>
+            </a:r>
+            <a:r>
+              <a:rPr lang="pl-PL" sz="1150" spc="5" dirty="0">
+                <a:solidFill>
+                  <a:srgbClr val="1D1D1B"/>
+                </a:solidFill>
+                <a:latin typeface="IntelOne Display Regular"/>
+                <a:cs typeface="IntelOne Display Regular"/>
+              </a:rPr>
+              <a:t> </a:t>
+            </a:r>
+            <a:r>
+              <a:rPr lang="pl-PL" sz="1150" spc="-50" dirty="0">
+                <a:solidFill>
+                  <a:srgbClr val="1D1D1B"/>
+                </a:solidFill>
+                <a:latin typeface="IntelOne Display Regular"/>
+                <a:cs typeface="IntelOne Display Regular"/>
+              </a:rPr>
+              <a:t>To</a:t>
+            </a:r>
+            <a:r>
+              <a:rPr lang="pl-PL" sz="1150" spc="10" dirty="0">
+                <a:solidFill>
+                  <a:srgbClr val="1D1D1B"/>
+                </a:solidFill>
+                <a:latin typeface="IntelOne Display Regular"/>
+                <a:cs typeface="IntelOne Display Regular"/>
+              </a:rPr>
+              <a:t> </a:t>
+            </a:r>
+            <a:r>
+              <a:rPr lang="pl-PL" sz="1150" dirty="0">
+                <a:solidFill>
+                  <a:srgbClr val="1D1D1B"/>
+                </a:solidFill>
+                <a:latin typeface="IntelOne Display Regular"/>
+                <a:cs typeface="IntelOne Display Regular"/>
+              </a:rPr>
+              <a:t>jest</a:t>
+            </a:r>
+            <a:r>
+              <a:rPr lang="pl-PL" sz="1150" spc="15" dirty="0">
+                <a:solidFill>
+                  <a:srgbClr val="1D1D1B"/>
+                </a:solidFill>
+                <a:latin typeface="IntelOne Display Regular"/>
+                <a:cs typeface="IntelOne Display Regular"/>
+              </a:rPr>
+              <a:t> </a:t>
+            </a:r>
+            <a:r>
+              <a:rPr lang="pl-PL" sz="1150" dirty="0">
+                <a:solidFill>
+                  <a:srgbClr val="1D1D1B"/>
+                </a:solidFill>
+                <a:latin typeface="IntelOne Display Regular"/>
+                <a:cs typeface="IntelOne Display Regular"/>
+              </a:rPr>
+              <a:t>właśnie</a:t>
+            </a:r>
+            <a:r>
+              <a:rPr lang="pl-PL" sz="1150" spc="15" dirty="0">
+                <a:solidFill>
+                  <a:srgbClr val="1D1D1B"/>
+                </a:solidFill>
+                <a:latin typeface="IntelOne Display Regular"/>
+                <a:cs typeface="IntelOne Display Regular"/>
+              </a:rPr>
+              <a:t> </a:t>
+            </a:r>
+            <a:r>
+              <a:rPr lang="pl-PL" sz="1150" dirty="0">
+                <a:solidFill>
+                  <a:srgbClr val="1D1D1B"/>
+                </a:solidFill>
+                <a:latin typeface="IntelOne Display Regular"/>
+                <a:cs typeface="IntelOne Display Regular"/>
+              </a:rPr>
+              <a:t>800</a:t>
+            </a:r>
+            <a:r>
+              <a:rPr lang="pl-PL" sz="1150" spc="15" dirty="0">
+                <a:solidFill>
+                  <a:srgbClr val="1D1D1B"/>
+                </a:solidFill>
+                <a:latin typeface="IntelOne Display Regular"/>
+                <a:cs typeface="IntelOne Display Regular"/>
+              </a:rPr>
+              <a:t> </a:t>
+            </a:r>
+            <a:r>
+              <a:rPr lang="pl-PL" sz="1150" spc="-10" dirty="0">
+                <a:solidFill>
+                  <a:srgbClr val="1D1D1B"/>
+                </a:solidFill>
+                <a:latin typeface="IntelOne Display Regular"/>
+                <a:cs typeface="IntelOne Display Regular"/>
+              </a:rPr>
+              <a:t>znaków.</a:t>
+            </a:r>
+            <a:r>
+              <a:rPr lang="pl-PL" sz="1150" spc="5" dirty="0">
+                <a:solidFill>
+                  <a:srgbClr val="1D1D1B"/>
+                </a:solidFill>
+                <a:latin typeface="IntelOne Display Regular"/>
+                <a:cs typeface="IntelOne Display Regular"/>
+              </a:rPr>
+              <a:t> </a:t>
+            </a:r>
+            <a:r>
+              <a:rPr lang="pl-PL" sz="1150" spc="-50" dirty="0">
+                <a:solidFill>
+                  <a:srgbClr val="1D1D1B"/>
+                </a:solidFill>
+                <a:latin typeface="IntelOne Display Regular"/>
+                <a:cs typeface="IntelOne Display Regular"/>
+              </a:rPr>
+              <a:t>To</a:t>
+            </a:r>
+            <a:r>
+              <a:rPr lang="pl-PL" sz="1150" spc="10" dirty="0">
+                <a:solidFill>
+                  <a:srgbClr val="1D1D1B"/>
+                </a:solidFill>
+                <a:latin typeface="IntelOne Display Regular"/>
+                <a:cs typeface="IntelOne Display Regular"/>
+              </a:rPr>
+              <a:t> </a:t>
+            </a:r>
+            <a:r>
+              <a:rPr lang="pl-PL" sz="1150" dirty="0">
+                <a:solidFill>
+                  <a:srgbClr val="1D1D1B"/>
+                </a:solidFill>
+                <a:latin typeface="IntelOne Display Regular"/>
+                <a:cs typeface="IntelOne Display Regular"/>
+              </a:rPr>
+              <a:t>jest</a:t>
+            </a:r>
+            <a:r>
+              <a:rPr lang="pl-PL" sz="1150" spc="15" dirty="0">
+                <a:solidFill>
+                  <a:srgbClr val="1D1D1B"/>
+                </a:solidFill>
+                <a:latin typeface="IntelOne Display Regular"/>
+                <a:cs typeface="IntelOne Display Regular"/>
+              </a:rPr>
+              <a:t> </a:t>
+            </a:r>
+            <a:r>
+              <a:rPr lang="pl-PL" sz="1150" dirty="0">
+                <a:solidFill>
+                  <a:srgbClr val="1D1D1B"/>
+                </a:solidFill>
+                <a:latin typeface="IntelOne Display Regular"/>
+                <a:cs typeface="IntelOne Display Regular"/>
+              </a:rPr>
+              <a:t>właśnie</a:t>
+            </a:r>
+            <a:r>
+              <a:rPr lang="pl-PL" sz="1150" spc="15" dirty="0">
+                <a:solidFill>
+                  <a:srgbClr val="1D1D1B"/>
+                </a:solidFill>
+                <a:latin typeface="IntelOne Display Regular"/>
+                <a:cs typeface="IntelOne Display Regular"/>
+              </a:rPr>
+              <a:t> </a:t>
+            </a:r>
+            <a:r>
+              <a:rPr lang="pl-PL" sz="1150" dirty="0">
+                <a:solidFill>
+                  <a:srgbClr val="1D1D1B"/>
+                </a:solidFill>
+                <a:latin typeface="IntelOne Display Regular"/>
+                <a:cs typeface="IntelOne Display Regular"/>
+              </a:rPr>
+              <a:t>800</a:t>
+            </a:r>
+            <a:r>
+              <a:rPr lang="pl-PL" sz="1150" spc="15" dirty="0">
+                <a:solidFill>
+                  <a:srgbClr val="1D1D1B"/>
+                </a:solidFill>
+                <a:latin typeface="IntelOne Display Regular"/>
+                <a:cs typeface="IntelOne Display Regular"/>
+              </a:rPr>
+              <a:t> </a:t>
+            </a:r>
+            <a:r>
+              <a:rPr lang="pl-PL" sz="1150" spc="-10" dirty="0">
+                <a:solidFill>
+                  <a:srgbClr val="1D1D1B"/>
+                </a:solidFill>
+                <a:latin typeface="IntelOne Display Regular"/>
+                <a:cs typeface="IntelOne Display Regular"/>
+              </a:rPr>
+              <a:t>znaków.</a:t>
+            </a:r>
+            <a:r>
+              <a:rPr lang="pl-PL" sz="1150" spc="5" dirty="0">
+                <a:solidFill>
+                  <a:srgbClr val="1D1D1B"/>
+                </a:solidFill>
+                <a:latin typeface="IntelOne Display Regular"/>
+                <a:cs typeface="IntelOne Display Regular"/>
+              </a:rPr>
+              <a:t> </a:t>
+            </a:r>
+            <a:r>
+              <a:rPr lang="pl-PL" sz="1150" spc="-50" dirty="0">
+                <a:solidFill>
+                  <a:srgbClr val="1D1D1B"/>
+                </a:solidFill>
+                <a:latin typeface="IntelOne Display Regular"/>
+                <a:cs typeface="IntelOne Display Regular"/>
+              </a:rPr>
+              <a:t>To</a:t>
+            </a:r>
+            <a:r>
+              <a:rPr lang="pl-PL" sz="1150" spc="10" dirty="0">
+                <a:solidFill>
+                  <a:srgbClr val="1D1D1B"/>
+                </a:solidFill>
+                <a:latin typeface="IntelOne Display Regular"/>
+                <a:cs typeface="IntelOne Display Regular"/>
+              </a:rPr>
+              <a:t> </a:t>
+            </a:r>
+            <a:r>
+              <a:rPr lang="pl-PL" sz="1150" dirty="0">
+                <a:solidFill>
+                  <a:srgbClr val="1D1D1B"/>
+                </a:solidFill>
+                <a:latin typeface="IntelOne Display Regular"/>
+                <a:cs typeface="IntelOne Display Regular"/>
+              </a:rPr>
+              <a:t>jest</a:t>
+            </a:r>
+            <a:r>
+              <a:rPr lang="pl-PL" sz="1150" spc="15" dirty="0">
+                <a:solidFill>
+                  <a:srgbClr val="1D1D1B"/>
+                </a:solidFill>
+                <a:latin typeface="IntelOne Display Regular"/>
+                <a:cs typeface="IntelOne Display Regular"/>
+              </a:rPr>
+              <a:t> </a:t>
+            </a:r>
+            <a:r>
+              <a:rPr lang="pl-PL" sz="1150" dirty="0">
+                <a:solidFill>
+                  <a:srgbClr val="1D1D1B"/>
+                </a:solidFill>
+                <a:latin typeface="IntelOne Display Regular"/>
+                <a:cs typeface="IntelOne Display Regular"/>
+              </a:rPr>
+              <a:t>właśnie</a:t>
+            </a:r>
+            <a:r>
+              <a:rPr lang="pl-PL" sz="1150" spc="15" dirty="0">
+                <a:solidFill>
+                  <a:srgbClr val="1D1D1B"/>
+                </a:solidFill>
+                <a:latin typeface="IntelOne Display Regular"/>
+                <a:cs typeface="IntelOne Display Regular"/>
+              </a:rPr>
+              <a:t> </a:t>
+            </a:r>
+            <a:r>
+              <a:rPr lang="pl-PL" sz="1150" dirty="0">
+                <a:solidFill>
+                  <a:srgbClr val="1D1D1B"/>
+                </a:solidFill>
+                <a:latin typeface="IntelOne Display Regular"/>
+                <a:cs typeface="IntelOne Display Regular"/>
+              </a:rPr>
+              <a:t>800</a:t>
+            </a:r>
+            <a:r>
+              <a:rPr lang="pl-PL" sz="1150" spc="15" dirty="0">
+                <a:solidFill>
+                  <a:srgbClr val="1D1D1B"/>
+                </a:solidFill>
+                <a:latin typeface="IntelOne Display Regular"/>
+                <a:cs typeface="IntelOne Display Regular"/>
+              </a:rPr>
+              <a:t> </a:t>
+            </a:r>
+            <a:r>
+              <a:rPr lang="pl-PL" sz="1150" spc="-10" dirty="0">
+                <a:solidFill>
+                  <a:srgbClr val="1D1D1B"/>
+                </a:solidFill>
+                <a:latin typeface="IntelOne Display Regular"/>
+                <a:cs typeface="IntelOne Display Regular"/>
+              </a:rPr>
+              <a:t>znaków.</a:t>
+            </a:r>
+            <a:r>
+              <a:rPr lang="pl-PL" sz="1150" spc="5" dirty="0">
+                <a:solidFill>
+                  <a:srgbClr val="1D1D1B"/>
+                </a:solidFill>
+                <a:latin typeface="IntelOne Display Regular"/>
+                <a:cs typeface="IntelOne Display Regular"/>
+              </a:rPr>
+              <a:t> </a:t>
+            </a:r>
+            <a:r>
+              <a:rPr lang="pl-PL" sz="1150" spc="-50" dirty="0">
+                <a:solidFill>
+                  <a:srgbClr val="1D1D1B"/>
+                </a:solidFill>
+                <a:latin typeface="IntelOne Display Regular"/>
+                <a:cs typeface="IntelOne Display Regular"/>
+              </a:rPr>
+              <a:t>To</a:t>
+            </a:r>
+            <a:r>
+              <a:rPr lang="pl-PL" sz="1150" spc="10" dirty="0">
+                <a:solidFill>
+                  <a:srgbClr val="1D1D1B"/>
+                </a:solidFill>
+                <a:latin typeface="IntelOne Display Regular"/>
+                <a:cs typeface="IntelOne Display Regular"/>
+              </a:rPr>
+              <a:t> </a:t>
+            </a:r>
+            <a:r>
+              <a:rPr lang="pl-PL" sz="1150" dirty="0">
+                <a:solidFill>
+                  <a:srgbClr val="1D1D1B"/>
+                </a:solidFill>
+                <a:latin typeface="IntelOne Display Regular"/>
+                <a:cs typeface="IntelOne Display Regular"/>
+              </a:rPr>
+              <a:t>jest</a:t>
+            </a:r>
+            <a:r>
+              <a:rPr lang="pl-PL" sz="1150" spc="15" dirty="0">
+                <a:solidFill>
+                  <a:srgbClr val="1D1D1B"/>
+                </a:solidFill>
+                <a:latin typeface="IntelOne Display Regular"/>
+                <a:cs typeface="IntelOne Display Regular"/>
+              </a:rPr>
+              <a:t> </a:t>
+            </a:r>
+            <a:r>
+              <a:rPr lang="pl-PL" sz="1150" dirty="0">
+                <a:solidFill>
+                  <a:srgbClr val="1D1D1B"/>
+                </a:solidFill>
+                <a:latin typeface="IntelOne Display Regular"/>
+                <a:cs typeface="IntelOne Display Regular"/>
+              </a:rPr>
+              <a:t>właśnie</a:t>
+            </a:r>
+            <a:r>
+              <a:rPr lang="pl-PL" sz="1150" spc="15" dirty="0">
+                <a:solidFill>
+                  <a:srgbClr val="1D1D1B"/>
+                </a:solidFill>
+                <a:latin typeface="IntelOne Display Regular"/>
+                <a:cs typeface="IntelOne Display Regular"/>
+              </a:rPr>
+              <a:t> </a:t>
+            </a:r>
+            <a:r>
+              <a:rPr lang="pl-PL" sz="1150" dirty="0">
+                <a:solidFill>
+                  <a:srgbClr val="1D1D1B"/>
+                </a:solidFill>
+                <a:latin typeface="IntelOne Display Regular"/>
+                <a:cs typeface="IntelOne Display Regular"/>
+              </a:rPr>
+              <a:t>800</a:t>
+            </a:r>
+            <a:r>
+              <a:rPr lang="pl-PL" sz="1150" spc="15" dirty="0">
+                <a:solidFill>
+                  <a:srgbClr val="1D1D1B"/>
+                </a:solidFill>
+                <a:latin typeface="IntelOne Display Regular"/>
+                <a:cs typeface="IntelOne Display Regular"/>
+              </a:rPr>
+              <a:t> </a:t>
+            </a:r>
+            <a:r>
+              <a:rPr lang="pl-PL" sz="1150" spc="-10" dirty="0">
+                <a:solidFill>
+                  <a:srgbClr val="1D1D1B"/>
+                </a:solidFill>
+                <a:latin typeface="IntelOne Display Regular"/>
+                <a:cs typeface="IntelOne Display Regular"/>
+              </a:rPr>
+              <a:t>znaków.</a:t>
+            </a:r>
+            <a:r>
+              <a:rPr lang="pl-PL" sz="1150" spc="5" dirty="0">
+                <a:solidFill>
+                  <a:srgbClr val="1D1D1B"/>
+                </a:solidFill>
+                <a:latin typeface="IntelOne Display Regular"/>
+                <a:cs typeface="IntelOne Display Regular"/>
+              </a:rPr>
+              <a:t> </a:t>
+            </a:r>
+            <a:r>
+              <a:rPr lang="pl-PL" sz="1150" spc="-50" dirty="0">
+                <a:solidFill>
+                  <a:srgbClr val="1D1D1B"/>
+                </a:solidFill>
+                <a:latin typeface="IntelOne Display Regular"/>
+                <a:cs typeface="IntelOne Display Regular"/>
+              </a:rPr>
+              <a:t>To</a:t>
+            </a:r>
+            <a:r>
+              <a:rPr lang="pl-PL" sz="1150" spc="10" dirty="0">
+                <a:solidFill>
+                  <a:srgbClr val="1D1D1B"/>
+                </a:solidFill>
+                <a:latin typeface="IntelOne Display Regular"/>
+                <a:cs typeface="IntelOne Display Regular"/>
+              </a:rPr>
+              <a:t> </a:t>
+            </a:r>
+            <a:r>
+              <a:rPr lang="pl-PL" sz="1150" dirty="0">
+                <a:solidFill>
+                  <a:srgbClr val="1D1D1B"/>
+                </a:solidFill>
+                <a:latin typeface="IntelOne Display Regular"/>
+                <a:cs typeface="IntelOne Display Regular"/>
+              </a:rPr>
+              <a:t>jest</a:t>
+            </a:r>
+            <a:r>
+              <a:rPr lang="pl-PL" sz="1150" spc="15" dirty="0">
+                <a:solidFill>
+                  <a:srgbClr val="1D1D1B"/>
+                </a:solidFill>
+                <a:latin typeface="IntelOne Display Regular"/>
+                <a:cs typeface="IntelOne Display Regular"/>
+              </a:rPr>
+              <a:t> </a:t>
+            </a:r>
+            <a:r>
+              <a:rPr lang="pl-PL" sz="1150" dirty="0">
+                <a:solidFill>
+                  <a:srgbClr val="1D1D1B"/>
+                </a:solidFill>
+                <a:latin typeface="IntelOne Display Regular"/>
+                <a:cs typeface="IntelOne Display Regular"/>
+              </a:rPr>
+              <a:t>właśnie</a:t>
+            </a:r>
+            <a:r>
+              <a:rPr lang="pl-PL" sz="1150" spc="15" dirty="0">
+                <a:solidFill>
+                  <a:srgbClr val="1D1D1B"/>
+                </a:solidFill>
+                <a:latin typeface="IntelOne Display Regular"/>
+                <a:cs typeface="IntelOne Display Regular"/>
+              </a:rPr>
+              <a:t> </a:t>
+            </a:r>
+            <a:r>
+              <a:rPr lang="pl-PL" sz="1150" dirty="0">
+                <a:solidFill>
+                  <a:srgbClr val="1D1D1B"/>
+                </a:solidFill>
+                <a:latin typeface="IntelOne Display Regular"/>
+                <a:cs typeface="IntelOne Display Regular"/>
+              </a:rPr>
+              <a:t>800</a:t>
+            </a:r>
+            <a:r>
+              <a:rPr lang="pl-PL" sz="1150" spc="15" dirty="0">
+                <a:solidFill>
+                  <a:srgbClr val="1D1D1B"/>
+                </a:solidFill>
+                <a:latin typeface="IntelOne Display Regular"/>
+                <a:cs typeface="IntelOne Display Regular"/>
+              </a:rPr>
+              <a:t> </a:t>
+            </a:r>
+            <a:r>
+              <a:rPr lang="pl-PL" sz="1150" spc="-10" dirty="0">
+                <a:solidFill>
+                  <a:srgbClr val="1D1D1B"/>
+                </a:solidFill>
+                <a:latin typeface="IntelOne Display Regular"/>
+                <a:cs typeface="IntelOne Display Regular"/>
+              </a:rPr>
+              <a:t>znaków.</a:t>
+            </a:r>
+            <a:r>
+              <a:rPr lang="pl-PL" sz="1150" spc="5" dirty="0">
+                <a:solidFill>
+                  <a:srgbClr val="1D1D1B"/>
+                </a:solidFill>
+                <a:latin typeface="IntelOne Display Regular"/>
+                <a:cs typeface="IntelOne Display Regular"/>
+              </a:rPr>
+              <a:t> </a:t>
+            </a:r>
+            <a:r>
+              <a:rPr lang="pl-PL" sz="1150" spc="-50" dirty="0">
+                <a:solidFill>
+                  <a:srgbClr val="1D1D1B"/>
+                </a:solidFill>
+                <a:latin typeface="IntelOne Display Regular"/>
+                <a:cs typeface="IntelOne Display Regular"/>
+              </a:rPr>
+              <a:t>To</a:t>
+            </a:r>
+            <a:r>
+              <a:rPr lang="pl-PL" sz="1150" spc="10" dirty="0">
+                <a:solidFill>
+                  <a:srgbClr val="1D1D1B"/>
+                </a:solidFill>
+                <a:latin typeface="IntelOne Display Regular"/>
+                <a:cs typeface="IntelOne Display Regular"/>
+              </a:rPr>
+              <a:t> </a:t>
+            </a:r>
+            <a:r>
+              <a:rPr lang="pl-PL" sz="1150" dirty="0">
+                <a:solidFill>
+                  <a:srgbClr val="1D1D1B"/>
+                </a:solidFill>
+                <a:latin typeface="IntelOne Display Regular"/>
+                <a:cs typeface="IntelOne Display Regular"/>
+              </a:rPr>
+              <a:t>jest</a:t>
+            </a:r>
+            <a:r>
+              <a:rPr lang="pl-PL" sz="1150" spc="15" dirty="0">
+                <a:solidFill>
+                  <a:srgbClr val="1D1D1B"/>
+                </a:solidFill>
+                <a:latin typeface="IntelOne Display Regular"/>
+                <a:cs typeface="IntelOne Display Regular"/>
+              </a:rPr>
+              <a:t> </a:t>
+            </a:r>
+            <a:r>
+              <a:rPr lang="pl-PL" sz="1150" dirty="0">
+                <a:solidFill>
+                  <a:srgbClr val="1D1D1B"/>
+                </a:solidFill>
+                <a:latin typeface="IntelOne Display Regular"/>
+                <a:cs typeface="IntelOne Display Regular"/>
+              </a:rPr>
+              <a:t>właśnie</a:t>
+            </a:r>
+            <a:r>
+              <a:rPr lang="pl-PL" sz="1150" spc="15" dirty="0">
+                <a:solidFill>
+                  <a:srgbClr val="1D1D1B"/>
+                </a:solidFill>
+                <a:latin typeface="IntelOne Display Regular"/>
+                <a:cs typeface="IntelOne Display Regular"/>
+              </a:rPr>
+              <a:t> </a:t>
+            </a:r>
+            <a:r>
+              <a:rPr lang="pl-PL" sz="1150" spc="-25" dirty="0">
+                <a:solidFill>
+                  <a:srgbClr val="1D1D1B"/>
+                </a:solidFill>
+                <a:latin typeface="IntelOne Display Regular"/>
+                <a:cs typeface="IntelOne Display Regular"/>
+              </a:rPr>
+              <a:t>800</a:t>
+            </a:r>
+            <a:r>
+              <a:rPr lang="pl-PL" sz="1150" spc="-10" dirty="0">
+                <a:solidFill>
+                  <a:srgbClr val="1D1D1B"/>
+                </a:solidFill>
+                <a:latin typeface="IntelOne Display Regular"/>
+                <a:cs typeface="IntelOne Display Regular"/>
+              </a:rPr>
+              <a:t> znaków.</a:t>
+            </a:r>
+            <a:r>
+              <a:rPr lang="pl-PL" sz="1150" dirty="0">
+                <a:solidFill>
+                  <a:srgbClr val="1D1D1B"/>
+                </a:solidFill>
+                <a:latin typeface="IntelOne Display Regular"/>
+                <a:cs typeface="IntelOne Display Regular"/>
+              </a:rPr>
+              <a:t> </a:t>
+            </a:r>
+            <a:r>
+              <a:rPr lang="pl-PL" sz="1150" spc="-50" dirty="0">
+                <a:solidFill>
+                  <a:srgbClr val="1D1D1B"/>
+                </a:solidFill>
+                <a:latin typeface="IntelOne Display Regular"/>
+                <a:cs typeface="IntelOne Display Regular"/>
+              </a:rPr>
+              <a:t>To</a:t>
+            </a:r>
+            <a:r>
+              <a:rPr lang="pl-PL" sz="1150" spc="15" dirty="0">
+                <a:solidFill>
+                  <a:srgbClr val="1D1D1B"/>
+                </a:solidFill>
+                <a:latin typeface="IntelOne Display Regular"/>
+                <a:cs typeface="IntelOne Display Regular"/>
+              </a:rPr>
+              <a:t> </a:t>
+            </a:r>
+            <a:r>
+              <a:rPr lang="pl-PL" sz="1150" dirty="0">
+                <a:solidFill>
+                  <a:srgbClr val="1D1D1B"/>
+                </a:solidFill>
+                <a:latin typeface="IntelOne Display Regular"/>
+                <a:cs typeface="IntelOne Display Regular"/>
+              </a:rPr>
+              <a:t>jest</a:t>
+            </a:r>
+            <a:r>
+              <a:rPr lang="pl-PL" sz="1150" spc="15" dirty="0">
+                <a:solidFill>
+                  <a:srgbClr val="1D1D1B"/>
+                </a:solidFill>
+                <a:latin typeface="IntelOne Display Regular"/>
+                <a:cs typeface="IntelOne Display Regular"/>
+              </a:rPr>
+              <a:t> </a:t>
+            </a:r>
+            <a:r>
+              <a:rPr lang="pl-PL" sz="1150" dirty="0">
+                <a:solidFill>
+                  <a:srgbClr val="1D1D1B"/>
+                </a:solidFill>
+                <a:latin typeface="IntelOne Display Regular"/>
+                <a:cs typeface="IntelOne Display Regular"/>
+              </a:rPr>
+              <a:t>właśnie</a:t>
+            </a:r>
+            <a:r>
+              <a:rPr lang="pl-PL" sz="1150" spc="10" dirty="0">
+                <a:solidFill>
+                  <a:srgbClr val="1D1D1B"/>
+                </a:solidFill>
+                <a:latin typeface="IntelOne Display Regular"/>
+                <a:cs typeface="IntelOne Display Regular"/>
+              </a:rPr>
+              <a:t> </a:t>
+            </a:r>
+            <a:r>
+              <a:rPr lang="pl-PL" sz="1150" dirty="0">
+                <a:solidFill>
+                  <a:srgbClr val="1D1D1B"/>
+                </a:solidFill>
+                <a:latin typeface="IntelOne Display Regular"/>
+                <a:cs typeface="IntelOne Display Regular"/>
+              </a:rPr>
+              <a:t>800</a:t>
+            </a:r>
+            <a:r>
+              <a:rPr lang="pl-PL" sz="1150" spc="15" dirty="0">
+                <a:solidFill>
+                  <a:srgbClr val="1D1D1B"/>
+                </a:solidFill>
+                <a:latin typeface="IntelOne Display Regular"/>
+                <a:cs typeface="IntelOne Display Regular"/>
+              </a:rPr>
+              <a:t> </a:t>
+            </a:r>
+            <a:r>
+              <a:rPr lang="pl-PL" sz="1150" spc="-10" dirty="0">
+                <a:solidFill>
+                  <a:srgbClr val="1D1D1B"/>
+                </a:solidFill>
+                <a:latin typeface="IntelOne Display Regular"/>
+                <a:cs typeface="IntelOne Display Regular"/>
+              </a:rPr>
+              <a:t>znaków.</a:t>
+            </a:r>
+            <a:r>
+              <a:rPr lang="pl-PL" sz="1150" spc="5" dirty="0">
+                <a:solidFill>
+                  <a:srgbClr val="1D1D1B"/>
+                </a:solidFill>
+                <a:latin typeface="IntelOne Display Regular"/>
+                <a:cs typeface="IntelOne Display Regular"/>
+              </a:rPr>
+              <a:t> </a:t>
+            </a:r>
+            <a:r>
+              <a:rPr lang="pl-PL" sz="1150" spc="-50" dirty="0">
+                <a:solidFill>
+                  <a:srgbClr val="1D1D1B"/>
+                </a:solidFill>
+                <a:latin typeface="IntelOne Display Regular"/>
+                <a:cs typeface="IntelOne Display Regular"/>
+              </a:rPr>
+              <a:t>To</a:t>
+            </a:r>
+            <a:r>
+              <a:rPr lang="pl-PL" sz="1150" spc="15" dirty="0">
+                <a:solidFill>
+                  <a:srgbClr val="1D1D1B"/>
+                </a:solidFill>
+                <a:latin typeface="IntelOne Display Regular"/>
+                <a:cs typeface="IntelOne Display Regular"/>
+              </a:rPr>
+              <a:t> </a:t>
+            </a:r>
+            <a:r>
+              <a:rPr lang="pl-PL" sz="1150" dirty="0">
+                <a:solidFill>
+                  <a:srgbClr val="1D1D1B"/>
+                </a:solidFill>
+                <a:latin typeface="IntelOne Display Regular"/>
+                <a:cs typeface="IntelOne Display Regular"/>
+              </a:rPr>
+              <a:t>jest</a:t>
+            </a:r>
+            <a:r>
+              <a:rPr lang="pl-PL" sz="1150" spc="10" dirty="0">
+                <a:solidFill>
+                  <a:srgbClr val="1D1D1B"/>
+                </a:solidFill>
+                <a:latin typeface="IntelOne Display Regular"/>
+                <a:cs typeface="IntelOne Display Regular"/>
+              </a:rPr>
+              <a:t> </a:t>
+            </a:r>
+            <a:r>
+              <a:rPr lang="pl-PL" sz="1150" dirty="0">
+                <a:solidFill>
+                  <a:srgbClr val="1D1D1B"/>
+                </a:solidFill>
+                <a:latin typeface="IntelOne Display Regular"/>
+                <a:cs typeface="IntelOne Display Regular"/>
+              </a:rPr>
+              <a:t>właśnie</a:t>
+            </a:r>
+            <a:r>
+              <a:rPr lang="pl-PL" sz="1150" spc="15" dirty="0">
+                <a:solidFill>
+                  <a:srgbClr val="1D1D1B"/>
+                </a:solidFill>
+                <a:latin typeface="IntelOne Display Regular"/>
+                <a:cs typeface="IntelOne Display Regular"/>
+              </a:rPr>
+              <a:t> </a:t>
+            </a:r>
+            <a:r>
+              <a:rPr lang="pl-PL" sz="1150" dirty="0">
+                <a:solidFill>
+                  <a:srgbClr val="1D1D1B"/>
+                </a:solidFill>
+                <a:latin typeface="IntelOne Display Regular"/>
+                <a:cs typeface="IntelOne Display Regular"/>
+              </a:rPr>
+              <a:t>800</a:t>
+            </a:r>
+            <a:r>
+              <a:rPr lang="pl-PL" sz="1150" spc="15" dirty="0">
+                <a:solidFill>
+                  <a:srgbClr val="1D1D1B"/>
+                </a:solidFill>
+                <a:latin typeface="IntelOne Display Regular"/>
+                <a:cs typeface="IntelOne Display Regular"/>
+              </a:rPr>
+              <a:t> </a:t>
+            </a:r>
+            <a:r>
+              <a:rPr lang="pl-PL" sz="1150" spc="-10" dirty="0">
+                <a:solidFill>
+                  <a:srgbClr val="1D1D1B"/>
+                </a:solidFill>
+                <a:latin typeface="IntelOne Display Regular"/>
+                <a:cs typeface="IntelOne Display Regular"/>
+              </a:rPr>
+              <a:t>znaków.</a:t>
+            </a:r>
+            <a:r>
+              <a:rPr lang="pl-PL" sz="1150" dirty="0">
+                <a:solidFill>
+                  <a:srgbClr val="1D1D1B"/>
+                </a:solidFill>
+                <a:latin typeface="IntelOne Display Regular"/>
+                <a:cs typeface="IntelOne Display Regular"/>
+              </a:rPr>
+              <a:t> </a:t>
+            </a:r>
+            <a:r>
+              <a:rPr lang="pl-PL" sz="1150" spc="-50" dirty="0">
+                <a:solidFill>
+                  <a:srgbClr val="1D1D1B"/>
+                </a:solidFill>
+                <a:latin typeface="IntelOne Display Regular"/>
+                <a:cs typeface="IntelOne Display Regular"/>
+              </a:rPr>
+              <a:t>To</a:t>
+            </a:r>
+            <a:r>
+              <a:rPr lang="pl-PL" sz="1150" spc="15" dirty="0">
+                <a:solidFill>
+                  <a:srgbClr val="1D1D1B"/>
+                </a:solidFill>
+                <a:latin typeface="IntelOne Display Regular"/>
+                <a:cs typeface="IntelOne Display Regular"/>
+              </a:rPr>
+              <a:t> </a:t>
+            </a:r>
+            <a:r>
+              <a:rPr lang="pl-PL" sz="1150" dirty="0">
+                <a:solidFill>
+                  <a:srgbClr val="1D1D1B"/>
+                </a:solidFill>
+                <a:latin typeface="IntelOne Display Regular"/>
+                <a:cs typeface="IntelOne Display Regular"/>
+              </a:rPr>
+              <a:t>jest</a:t>
+            </a:r>
+            <a:r>
+              <a:rPr lang="pl-PL" sz="1150" spc="15" dirty="0">
+                <a:solidFill>
+                  <a:srgbClr val="1D1D1B"/>
+                </a:solidFill>
+                <a:latin typeface="IntelOne Display Regular"/>
+                <a:cs typeface="IntelOne Display Regular"/>
+              </a:rPr>
+              <a:t> </a:t>
+            </a:r>
+            <a:r>
+              <a:rPr lang="pl-PL" sz="1150" dirty="0">
+                <a:solidFill>
+                  <a:srgbClr val="1D1D1B"/>
+                </a:solidFill>
+                <a:latin typeface="IntelOne Display Regular"/>
+                <a:cs typeface="IntelOne Display Regular"/>
+              </a:rPr>
+              <a:t>właśnie</a:t>
+            </a:r>
+            <a:r>
+              <a:rPr lang="pl-PL" sz="1150" spc="15" dirty="0">
+                <a:solidFill>
+                  <a:srgbClr val="1D1D1B"/>
+                </a:solidFill>
+                <a:latin typeface="IntelOne Display Regular"/>
+                <a:cs typeface="IntelOne Display Regular"/>
+              </a:rPr>
+              <a:t> </a:t>
+            </a:r>
+            <a:r>
+              <a:rPr lang="pl-PL" sz="1150" dirty="0">
+                <a:solidFill>
+                  <a:srgbClr val="1D1D1B"/>
+                </a:solidFill>
+                <a:latin typeface="IntelOne Display Regular"/>
+                <a:cs typeface="IntelOne Display Regular"/>
+              </a:rPr>
+              <a:t>800</a:t>
+            </a:r>
+            <a:r>
+              <a:rPr lang="pl-PL" sz="1150" spc="10" dirty="0">
+                <a:solidFill>
+                  <a:srgbClr val="1D1D1B"/>
+                </a:solidFill>
+                <a:latin typeface="IntelOne Display Regular"/>
+                <a:cs typeface="IntelOne Display Regular"/>
+              </a:rPr>
+              <a:t> </a:t>
+            </a:r>
+            <a:r>
+              <a:rPr lang="pl-PL" sz="1150" spc="-10" dirty="0">
+                <a:solidFill>
+                  <a:srgbClr val="1D1D1B"/>
+                </a:solidFill>
+                <a:latin typeface="IntelOne Display Regular"/>
+                <a:cs typeface="IntelOne Display Regular"/>
+              </a:rPr>
+              <a:t>znaków.</a:t>
+            </a:r>
+            <a:r>
+              <a:rPr lang="pl-PL" sz="1150" spc="5" dirty="0">
+                <a:solidFill>
+                  <a:srgbClr val="1D1D1B"/>
+                </a:solidFill>
+                <a:latin typeface="IntelOne Display Regular"/>
+                <a:cs typeface="IntelOne Display Regular"/>
+              </a:rPr>
+              <a:t> </a:t>
+            </a:r>
+            <a:r>
+              <a:rPr lang="pl-PL" sz="1150" spc="-50" dirty="0">
+                <a:solidFill>
+                  <a:srgbClr val="1D1D1B"/>
+                </a:solidFill>
+                <a:latin typeface="IntelOne Display Regular"/>
+                <a:cs typeface="IntelOne Display Regular"/>
+              </a:rPr>
+              <a:t>To</a:t>
+            </a:r>
+            <a:r>
+              <a:rPr lang="pl-PL" sz="1150" spc="15" dirty="0">
+                <a:solidFill>
+                  <a:srgbClr val="1D1D1B"/>
+                </a:solidFill>
+                <a:latin typeface="IntelOne Display Regular"/>
+                <a:cs typeface="IntelOne Display Regular"/>
+              </a:rPr>
+              <a:t> </a:t>
+            </a:r>
+            <a:r>
+              <a:rPr lang="pl-PL" sz="1150" dirty="0">
+                <a:solidFill>
+                  <a:srgbClr val="1D1D1B"/>
+                </a:solidFill>
+                <a:latin typeface="IntelOne Display Regular"/>
+                <a:cs typeface="IntelOne Display Regular"/>
+              </a:rPr>
+              <a:t>jest</a:t>
+            </a:r>
+            <a:r>
+              <a:rPr lang="pl-PL" sz="1150" spc="15" dirty="0">
+                <a:solidFill>
+                  <a:srgbClr val="1D1D1B"/>
+                </a:solidFill>
+                <a:latin typeface="IntelOne Display Regular"/>
+                <a:cs typeface="IntelOne Display Regular"/>
+              </a:rPr>
+              <a:t> </a:t>
+            </a:r>
+            <a:r>
+              <a:rPr lang="pl-PL" sz="1150" dirty="0">
+                <a:solidFill>
+                  <a:srgbClr val="1D1D1B"/>
+                </a:solidFill>
+                <a:latin typeface="IntelOne Display Regular"/>
+                <a:cs typeface="IntelOne Display Regular"/>
+              </a:rPr>
+              <a:t>właśnie</a:t>
+            </a:r>
+            <a:r>
+              <a:rPr lang="pl-PL" sz="1150" spc="10" dirty="0">
+                <a:solidFill>
+                  <a:srgbClr val="1D1D1B"/>
+                </a:solidFill>
+                <a:latin typeface="IntelOne Display Regular"/>
+                <a:cs typeface="IntelOne Display Regular"/>
+              </a:rPr>
+              <a:t> </a:t>
+            </a:r>
+            <a:r>
+              <a:rPr lang="pl-PL" sz="1150" dirty="0">
+                <a:solidFill>
+                  <a:srgbClr val="1D1D1B"/>
+                </a:solidFill>
+                <a:latin typeface="IntelOne Display Regular"/>
+                <a:cs typeface="IntelOne Display Regular"/>
+              </a:rPr>
+              <a:t>800</a:t>
+            </a:r>
+            <a:r>
+              <a:rPr lang="pl-PL" sz="1150" spc="15" dirty="0">
+                <a:solidFill>
+                  <a:srgbClr val="1D1D1B"/>
+                </a:solidFill>
+                <a:latin typeface="IntelOne Display Regular"/>
+                <a:cs typeface="IntelOne Display Regular"/>
+              </a:rPr>
+              <a:t> </a:t>
+            </a:r>
+            <a:r>
+              <a:rPr lang="pl-PL" sz="1150" spc="-10" dirty="0">
+                <a:solidFill>
+                  <a:srgbClr val="1D1D1B"/>
+                </a:solidFill>
+                <a:latin typeface="IntelOne Display Regular"/>
+                <a:cs typeface="IntelOne Display Regular"/>
+              </a:rPr>
+              <a:t>znaków.</a:t>
+            </a:r>
+            <a:r>
+              <a:rPr lang="pl-PL" sz="1150" spc="5" dirty="0">
+                <a:solidFill>
+                  <a:srgbClr val="1D1D1B"/>
+                </a:solidFill>
+                <a:latin typeface="IntelOne Display Regular"/>
+                <a:cs typeface="IntelOne Display Regular"/>
+              </a:rPr>
+              <a:t> </a:t>
+            </a:r>
+            <a:r>
+              <a:rPr lang="pl-PL" sz="1150" spc="-50" dirty="0">
+                <a:solidFill>
+                  <a:srgbClr val="1D1D1B"/>
+                </a:solidFill>
+                <a:latin typeface="IntelOne Display Regular"/>
+                <a:cs typeface="IntelOne Display Regular"/>
+              </a:rPr>
+              <a:t>To</a:t>
+            </a:r>
+            <a:r>
+              <a:rPr lang="pl-PL" sz="1150" spc="10" dirty="0">
+                <a:solidFill>
+                  <a:srgbClr val="1D1D1B"/>
+                </a:solidFill>
+                <a:latin typeface="IntelOne Display Regular"/>
+                <a:cs typeface="IntelOne Display Regular"/>
+              </a:rPr>
+              <a:t> </a:t>
+            </a:r>
+            <a:r>
+              <a:rPr lang="pl-PL" sz="1150" dirty="0">
+                <a:solidFill>
+                  <a:srgbClr val="1D1D1B"/>
+                </a:solidFill>
+                <a:latin typeface="IntelOne Display Regular"/>
+                <a:cs typeface="IntelOne Display Regular"/>
+              </a:rPr>
+              <a:t>jest</a:t>
+            </a:r>
+            <a:r>
+              <a:rPr lang="pl-PL" sz="1150" spc="15" dirty="0">
+                <a:solidFill>
+                  <a:srgbClr val="1D1D1B"/>
+                </a:solidFill>
+                <a:latin typeface="IntelOne Display Regular"/>
+                <a:cs typeface="IntelOne Display Regular"/>
+              </a:rPr>
+              <a:t> </a:t>
+            </a:r>
+            <a:r>
+              <a:rPr lang="pl-PL" sz="1150" dirty="0">
+                <a:solidFill>
+                  <a:srgbClr val="1D1D1B"/>
+                </a:solidFill>
+                <a:latin typeface="IntelOne Display Regular"/>
+                <a:cs typeface="IntelOne Display Regular"/>
+              </a:rPr>
+              <a:t>właśnie</a:t>
+            </a:r>
+            <a:r>
+              <a:rPr lang="pl-PL" sz="1150" spc="15" dirty="0">
+                <a:solidFill>
+                  <a:srgbClr val="1D1D1B"/>
+                </a:solidFill>
+                <a:latin typeface="IntelOne Display Regular"/>
+                <a:cs typeface="IntelOne Display Regular"/>
+              </a:rPr>
+              <a:t> </a:t>
+            </a:r>
+            <a:r>
+              <a:rPr lang="pl-PL" sz="1150" dirty="0">
+                <a:solidFill>
+                  <a:srgbClr val="1D1D1B"/>
+                </a:solidFill>
+                <a:latin typeface="IntelOne Display Regular"/>
+                <a:cs typeface="IntelOne Display Regular"/>
+              </a:rPr>
+              <a:t>800</a:t>
+            </a:r>
+            <a:r>
+              <a:rPr lang="pl-PL" sz="1150" spc="15" dirty="0">
+                <a:solidFill>
+                  <a:srgbClr val="1D1D1B"/>
+                </a:solidFill>
+                <a:latin typeface="IntelOne Display Regular"/>
+                <a:cs typeface="IntelOne Display Regular"/>
+              </a:rPr>
+              <a:t> </a:t>
+            </a:r>
+            <a:r>
+              <a:rPr lang="pl-PL" sz="1150" spc="-10" dirty="0">
+                <a:solidFill>
+                  <a:srgbClr val="1D1D1B"/>
+                </a:solidFill>
+                <a:latin typeface="IntelOne Display Regular"/>
+                <a:cs typeface="IntelOne Display Regular"/>
+              </a:rPr>
+              <a:t>znaków.</a:t>
+            </a:r>
+            <a:r>
+              <a:rPr lang="pl-PL" sz="1150" dirty="0">
+                <a:solidFill>
+                  <a:srgbClr val="1D1D1B"/>
+                </a:solidFill>
+                <a:latin typeface="IntelOne Display Regular"/>
+                <a:cs typeface="IntelOne Display Regular"/>
+              </a:rPr>
+              <a:t> </a:t>
+            </a:r>
+            <a:r>
+              <a:rPr lang="pl-PL" sz="1150" spc="-50" dirty="0">
+                <a:solidFill>
+                  <a:srgbClr val="1D1D1B"/>
+                </a:solidFill>
+                <a:latin typeface="IntelOne Display Regular"/>
+                <a:cs typeface="IntelOne Display Regular"/>
+              </a:rPr>
+              <a:t>To</a:t>
+            </a:r>
+            <a:r>
+              <a:rPr lang="pl-PL" sz="1150" spc="15" dirty="0">
+                <a:solidFill>
+                  <a:srgbClr val="1D1D1B"/>
+                </a:solidFill>
+                <a:latin typeface="IntelOne Display Regular"/>
+                <a:cs typeface="IntelOne Display Regular"/>
+              </a:rPr>
+              <a:t> </a:t>
+            </a:r>
+            <a:r>
+              <a:rPr lang="pl-PL" sz="1150" dirty="0">
+                <a:solidFill>
+                  <a:srgbClr val="1D1D1B"/>
+                </a:solidFill>
+                <a:latin typeface="IntelOne Display Regular"/>
+                <a:cs typeface="IntelOne Display Regular"/>
+              </a:rPr>
+              <a:t>jest</a:t>
+            </a:r>
+            <a:r>
+              <a:rPr lang="pl-PL" sz="1150" spc="15" dirty="0">
+                <a:solidFill>
+                  <a:srgbClr val="1D1D1B"/>
+                </a:solidFill>
+                <a:latin typeface="IntelOne Display Regular"/>
+                <a:cs typeface="IntelOne Display Regular"/>
+              </a:rPr>
+              <a:t> </a:t>
+            </a:r>
+            <a:r>
+              <a:rPr lang="pl-PL" sz="1150" dirty="0">
+                <a:solidFill>
+                  <a:srgbClr val="1D1D1B"/>
+                </a:solidFill>
+                <a:latin typeface="IntelOne Display Regular"/>
+                <a:cs typeface="IntelOne Display Regular"/>
+              </a:rPr>
+              <a:t>właśnie</a:t>
+            </a:r>
+            <a:r>
+              <a:rPr lang="pl-PL" sz="1150" spc="15" dirty="0">
+                <a:solidFill>
+                  <a:srgbClr val="1D1D1B"/>
+                </a:solidFill>
+                <a:latin typeface="IntelOne Display Regular"/>
+                <a:cs typeface="IntelOne Display Regular"/>
+              </a:rPr>
+              <a:t> </a:t>
+            </a:r>
+            <a:r>
+              <a:rPr lang="pl-PL" sz="1150" dirty="0">
+                <a:solidFill>
+                  <a:srgbClr val="1D1D1B"/>
+                </a:solidFill>
+                <a:latin typeface="IntelOne Display Regular"/>
+                <a:cs typeface="IntelOne Display Regular"/>
+              </a:rPr>
+              <a:t>800</a:t>
+            </a:r>
+            <a:r>
+              <a:rPr lang="pl-PL" sz="1150" spc="10" dirty="0">
+                <a:solidFill>
+                  <a:srgbClr val="1D1D1B"/>
+                </a:solidFill>
+                <a:latin typeface="IntelOne Display Regular"/>
+                <a:cs typeface="IntelOne Display Regular"/>
+              </a:rPr>
+              <a:t> </a:t>
+            </a:r>
+            <a:r>
+              <a:rPr lang="pl-PL" sz="1150" spc="-10" dirty="0">
+                <a:solidFill>
+                  <a:srgbClr val="1D1D1B"/>
+                </a:solidFill>
+                <a:latin typeface="IntelOne Display Regular"/>
+                <a:cs typeface="IntelOne Display Regular"/>
+              </a:rPr>
+              <a:t>znaków.</a:t>
+            </a:r>
+            <a:r>
+              <a:rPr lang="pl-PL" sz="1150" spc="5" dirty="0">
+                <a:solidFill>
+                  <a:srgbClr val="1D1D1B"/>
+                </a:solidFill>
+                <a:latin typeface="IntelOne Display Regular"/>
+                <a:cs typeface="IntelOne Display Regular"/>
+              </a:rPr>
+              <a:t> </a:t>
+            </a:r>
+            <a:r>
+              <a:rPr lang="pl-PL" sz="1150" spc="-50" dirty="0">
+                <a:solidFill>
+                  <a:srgbClr val="1D1D1B"/>
+                </a:solidFill>
+                <a:latin typeface="IntelOne Display Regular"/>
+                <a:cs typeface="IntelOne Display Regular"/>
+              </a:rPr>
+              <a:t>To</a:t>
+            </a:r>
+            <a:r>
+              <a:rPr lang="pl-PL" sz="1150" spc="15" dirty="0">
+                <a:solidFill>
+                  <a:srgbClr val="1D1D1B"/>
+                </a:solidFill>
+                <a:latin typeface="IntelOne Display Regular"/>
+                <a:cs typeface="IntelOne Display Regular"/>
+              </a:rPr>
+              <a:t> </a:t>
+            </a:r>
+            <a:r>
+              <a:rPr lang="pl-PL" sz="1150" dirty="0">
+                <a:solidFill>
+                  <a:srgbClr val="1D1D1B"/>
+                </a:solidFill>
+                <a:latin typeface="IntelOne Display Regular"/>
+                <a:cs typeface="IntelOne Display Regular"/>
+              </a:rPr>
+              <a:t>jest</a:t>
+            </a:r>
+            <a:r>
+              <a:rPr lang="pl-PL" sz="1150" spc="10" dirty="0">
+                <a:solidFill>
+                  <a:srgbClr val="1D1D1B"/>
+                </a:solidFill>
+                <a:latin typeface="IntelOne Display Regular"/>
+                <a:cs typeface="IntelOne Display Regular"/>
+              </a:rPr>
+              <a:t> </a:t>
+            </a:r>
+            <a:r>
+              <a:rPr lang="pl-PL" sz="1150" spc="-20" dirty="0" err="1">
+                <a:solidFill>
+                  <a:srgbClr val="1D1D1B"/>
+                </a:solidFill>
+                <a:latin typeface="IntelOne Display Regular"/>
+                <a:cs typeface="IntelOne Display Regular"/>
+              </a:rPr>
+              <a:t>wła</a:t>
+            </a:r>
+            <a:r>
+              <a:rPr lang="pl-PL" sz="1150" spc="-20" dirty="0">
+                <a:solidFill>
+                  <a:srgbClr val="1D1D1B"/>
+                </a:solidFill>
+                <a:latin typeface="IntelOne Display Regular"/>
+                <a:cs typeface="IntelOne Display Regular"/>
+              </a:rPr>
+              <a:t>-</a:t>
+            </a:r>
+            <a:r>
+              <a:rPr lang="pl-PL" sz="1150" dirty="0">
+                <a:solidFill>
+                  <a:srgbClr val="1D1D1B"/>
+                </a:solidFill>
+                <a:latin typeface="IntelOne Display Regular"/>
+                <a:cs typeface="IntelOne Display Regular"/>
+              </a:rPr>
+              <a:t> śnie</a:t>
+            </a:r>
+            <a:r>
+              <a:rPr lang="pl-PL" sz="1150" spc="15" dirty="0">
+                <a:solidFill>
+                  <a:srgbClr val="1D1D1B"/>
+                </a:solidFill>
+                <a:latin typeface="IntelOne Display Regular"/>
+                <a:cs typeface="IntelOne Display Regular"/>
+              </a:rPr>
+              <a:t> </a:t>
+            </a:r>
+            <a:r>
+              <a:rPr lang="pl-PL" sz="1150" dirty="0">
+                <a:solidFill>
+                  <a:srgbClr val="1D1D1B"/>
+                </a:solidFill>
+                <a:latin typeface="IntelOne Display Regular"/>
+                <a:cs typeface="IntelOne Display Regular"/>
+              </a:rPr>
+              <a:t>800</a:t>
+            </a:r>
+            <a:r>
+              <a:rPr lang="pl-PL" sz="1150" spc="15" dirty="0">
+                <a:solidFill>
+                  <a:srgbClr val="1D1D1B"/>
+                </a:solidFill>
+                <a:latin typeface="IntelOne Display Regular"/>
+                <a:cs typeface="IntelOne Display Regular"/>
+              </a:rPr>
+              <a:t> </a:t>
+            </a:r>
+            <a:r>
+              <a:rPr lang="pl-PL" sz="1150" spc="-10" dirty="0">
+                <a:solidFill>
+                  <a:srgbClr val="1D1D1B"/>
+                </a:solidFill>
+                <a:latin typeface="IntelOne Display Regular"/>
+                <a:cs typeface="IntelOne Display Regular"/>
+              </a:rPr>
+              <a:t>znaków.</a:t>
+            </a:r>
+            <a:r>
+              <a:rPr lang="pl-PL" sz="1150" spc="5" dirty="0">
+                <a:solidFill>
+                  <a:srgbClr val="1D1D1B"/>
+                </a:solidFill>
+                <a:latin typeface="IntelOne Display Regular"/>
+                <a:cs typeface="IntelOne Display Regular"/>
+              </a:rPr>
+              <a:t> </a:t>
+            </a:r>
+            <a:r>
+              <a:rPr lang="pl-PL" sz="1150" spc="-50" dirty="0">
+                <a:solidFill>
+                  <a:srgbClr val="1D1D1B"/>
+                </a:solidFill>
+                <a:latin typeface="IntelOne Display Regular"/>
+                <a:cs typeface="IntelOne Display Regular"/>
+              </a:rPr>
+              <a:t>To</a:t>
+            </a:r>
+            <a:r>
+              <a:rPr lang="pl-PL" sz="1150" spc="15" dirty="0">
+                <a:solidFill>
+                  <a:srgbClr val="1D1D1B"/>
+                </a:solidFill>
+                <a:latin typeface="IntelOne Display Regular"/>
+                <a:cs typeface="IntelOne Display Regular"/>
+              </a:rPr>
+              <a:t> </a:t>
+            </a:r>
+            <a:r>
+              <a:rPr lang="pl-PL" sz="1150" dirty="0">
+                <a:solidFill>
+                  <a:srgbClr val="1D1D1B"/>
+                </a:solidFill>
+                <a:latin typeface="IntelOne Display Regular"/>
+                <a:cs typeface="IntelOne Display Regular"/>
+              </a:rPr>
+              <a:t>jest</a:t>
+            </a:r>
+            <a:r>
+              <a:rPr lang="pl-PL" sz="1150" spc="20" dirty="0">
+                <a:solidFill>
+                  <a:srgbClr val="1D1D1B"/>
+                </a:solidFill>
+                <a:latin typeface="IntelOne Display Regular"/>
+                <a:cs typeface="IntelOne Display Regular"/>
+              </a:rPr>
+              <a:t> </a:t>
+            </a:r>
+            <a:r>
+              <a:rPr lang="pl-PL" sz="1150" dirty="0">
+                <a:solidFill>
+                  <a:srgbClr val="1D1D1B"/>
+                </a:solidFill>
+                <a:latin typeface="IntelOne Display Regular"/>
+                <a:cs typeface="IntelOne Display Regular"/>
+              </a:rPr>
+              <a:t>właśnie</a:t>
+            </a:r>
+            <a:r>
+              <a:rPr lang="pl-PL" sz="1150" spc="15" dirty="0">
+                <a:solidFill>
+                  <a:srgbClr val="1D1D1B"/>
+                </a:solidFill>
+                <a:latin typeface="IntelOne Display Regular"/>
+                <a:cs typeface="IntelOne Display Regular"/>
+              </a:rPr>
+              <a:t> </a:t>
+            </a:r>
+            <a:r>
+              <a:rPr lang="pl-PL" sz="1150" dirty="0">
+                <a:solidFill>
+                  <a:srgbClr val="1D1D1B"/>
+                </a:solidFill>
+                <a:latin typeface="IntelOne Display Regular"/>
+                <a:cs typeface="IntelOne Display Regular"/>
+              </a:rPr>
+              <a:t>800</a:t>
+            </a:r>
+            <a:r>
+              <a:rPr lang="pl-PL" sz="1150" spc="15" dirty="0">
+                <a:solidFill>
+                  <a:srgbClr val="1D1D1B"/>
+                </a:solidFill>
+                <a:latin typeface="IntelOne Display Regular"/>
+                <a:cs typeface="IntelOne Display Regular"/>
+              </a:rPr>
+              <a:t> </a:t>
+            </a:r>
+            <a:r>
+              <a:rPr lang="pl-PL" sz="1150" spc="-10" dirty="0">
+                <a:solidFill>
+                  <a:srgbClr val="1D1D1B"/>
+                </a:solidFill>
+                <a:latin typeface="IntelOne Display Regular"/>
+                <a:cs typeface="IntelOne Display Regular"/>
+              </a:rPr>
+              <a:t>znaków…</a:t>
+            </a:r>
+            <a:endParaRPr lang="pl-PL" sz="1150" dirty="0">
               <a:latin typeface="IntelOne Display Regular"/>
               <a:cs typeface="IntelOne Display Regular"/>
             </a:endParaRPr>
@@ -8964,230 +11598,14 @@
       </p:grpSp>
       <p:sp>
         <p:nvSpPr>
-          <p:cNvPr id="17" name="object 17"/>
-          <p:cNvSpPr txBox="1"/>
-          <p:nvPr/>
-        </p:nvSpPr>
-        <p:spPr>
-          <a:xfrm>
-            <a:off x="2601927" y="12106647"/>
-            <a:ext cx="2287270" cy="381000"/>
-          </a:xfrm>
-          <a:prstGeom prst="rect">
-            <a:avLst/>
-          </a:prstGeom>
-        </p:spPr>
-        <p:txBody>
-          <a:bodyPr vert="horz" wrap="square" lIns="0" tIns="12065" rIns="0" bIns="0" rtlCol="0">
-            <a:spAutoFit/>
-          </a:bodyPr>
-          <a:lstStyle/>
-          <a:p>
-            <a:pPr marL="12700" marR="5080" indent="125730">
-              <a:lnSpc>
-                <a:spcPct val="101400"/>
-              </a:lnSpc>
-              <a:spcBef>
-                <a:spcPts val="95"/>
-              </a:spcBef>
-            </a:pPr>
-            <a:r>
-              <a:rPr sz="1150" dirty="0">
-                <a:solidFill>
-                  <a:srgbClr val="1D1D1B"/>
-                </a:solidFill>
-                <a:latin typeface="IntelOne Display Regular"/>
-                <a:cs typeface="IntelOne Display Regular"/>
-              </a:rPr>
-              <a:t>Tutaj</a:t>
-            </a:r>
-            <a:r>
-              <a:rPr sz="1150" spc="-40" dirty="0">
-                <a:solidFill>
-                  <a:srgbClr val="1D1D1B"/>
-                </a:solidFill>
-                <a:latin typeface="IntelOne Display Regular"/>
-                <a:cs typeface="IntelOne Display Regular"/>
-              </a:rPr>
-              <a:t> </a:t>
-            </a:r>
-            <a:r>
-              <a:rPr sz="1150" dirty="0">
-                <a:solidFill>
-                  <a:srgbClr val="1D1D1B"/>
-                </a:solidFill>
-                <a:latin typeface="IntelOne Display Regular"/>
-                <a:cs typeface="IntelOne Display Regular"/>
-              </a:rPr>
-              <a:t>wstaw</a:t>
-            </a:r>
-            <a:r>
-              <a:rPr sz="1150" spc="-45" dirty="0">
-                <a:solidFill>
-                  <a:srgbClr val="1D1D1B"/>
-                </a:solidFill>
-                <a:latin typeface="IntelOne Display Regular"/>
-                <a:cs typeface="IntelOne Display Regular"/>
-              </a:rPr>
-              <a:t> </a:t>
-            </a:r>
-            <a:r>
-              <a:rPr sz="1150" spc="-10" dirty="0">
-                <a:solidFill>
-                  <a:srgbClr val="1D1D1B"/>
-                </a:solidFill>
-                <a:latin typeface="IntelOne Display Regular"/>
-                <a:cs typeface="IntelOne Display Regular"/>
-              </a:rPr>
-              <a:t>Twoją</a:t>
-            </a:r>
-            <a:r>
-              <a:rPr sz="1150" spc="-40" dirty="0">
-                <a:solidFill>
-                  <a:srgbClr val="1D1D1B"/>
-                </a:solidFill>
-                <a:latin typeface="IntelOne Display Regular"/>
-                <a:cs typeface="IntelOne Display Regular"/>
-              </a:rPr>
-              <a:t> </a:t>
-            </a:r>
-            <a:r>
-              <a:rPr sz="1150" dirty="0">
-                <a:solidFill>
-                  <a:srgbClr val="1D1D1B"/>
-                </a:solidFill>
-                <a:latin typeface="IntelOne Display Regular"/>
-                <a:cs typeface="IntelOne Display Regular"/>
-              </a:rPr>
-              <a:t>graﬁkę</a:t>
-            </a:r>
-            <a:r>
-              <a:rPr sz="1150" spc="-35" dirty="0">
-                <a:solidFill>
-                  <a:srgbClr val="1D1D1B"/>
-                </a:solidFill>
-                <a:latin typeface="IntelOne Display Regular"/>
-                <a:cs typeface="IntelOne Display Regular"/>
-              </a:rPr>
-              <a:t> </a:t>
-            </a:r>
-            <a:r>
-              <a:rPr sz="1150" spc="-10" dirty="0">
-                <a:solidFill>
-                  <a:srgbClr val="1D1D1B"/>
-                </a:solidFill>
-                <a:latin typeface="IntelOne Display Regular"/>
-                <a:cs typeface="IntelOne Display Regular"/>
-              </a:rPr>
-              <a:t>(zdję- </a:t>
-            </a:r>
-            <a:r>
-              <a:rPr sz="1150" dirty="0">
-                <a:solidFill>
-                  <a:srgbClr val="1D1D1B"/>
-                </a:solidFill>
-                <a:latin typeface="IntelOne Display Regular"/>
-                <a:cs typeface="IntelOne Display Regular"/>
-              </a:rPr>
-              <a:t>cie,zrzut</a:t>
-            </a:r>
-            <a:r>
-              <a:rPr sz="1150" spc="20" dirty="0">
-                <a:solidFill>
-                  <a:srgbClr val="1D1D1B"/>
-                </a:solidFill>
-                <a:latin typeface="IntelOne Display Regular"/>
-                <a:cs typeface="IntelOne Display Regular"/>
-              </a:rPr>
-              <a:t> </a:t>
-            </a:r>
-            <a:r>
-              <a:rPr sz="1150" dirty="0">
-                <a:solidFill>
-                  <a:srgbClr val="1D1D1B"/>
-                </a:solidFill>
-                <a:latin typeface="IntelOne Display Regular"/>
-                <a:cs typeface="IntelOne Display Regular"/>
-              </a:rPr>
-              <a:t>ekranu,</a:t>
-            </a:r>
-            <a:r>
-              <a:rPr sz="1150" spc="25" dirty="0">
-                <a:solidFill>
-                  <a:srgbClr val="1D1D1B"/>
-                </a:solidFill>
-                <a:latin typeface="IntelOne Display Regular"/>
-                <a:cs typeface="IntelOne Display Regular"/>
-              </a:rPr>
-              <a:t> </a:t>
-            </a:r>
-            <a:r>
-              <a:rPr sz="1150" dirty="0">
-                <a:solidFill>
-                  <a:srgbClr val="1D1D1B"/>
-                </a:solidFill>
-                <a:latin typeface="IntelOne Display Regular"/>
-                <a:cs typeface="IntelOne Display Regular"/>
-              </a:rPr>
-              <a:t>wykres,</a:t>
-            </a:r>
-            <a:r>
-              <a:rPr sz="1150" spc="25" dirty="0">
-                <a:solidFill>
-                  <a:srgbClr val="1D1D1B"/>
-                </a:solidFill>
-                <a:latin typeface="IntelOne Display Regular"/>
-                <a:cs typeface="IntelOne Display Regular"/>
-              </a:rPr>
-              <a:t> </a:t>
-            </a:r>
-            <a:r>
-              <a:rPr sz="1150" dirty="0">
-                <a:solidFill>
-                  <a:srgbClr val="1D1D1B"/>
-                </a:solidFill>
-                <a:latin typeface="IntelOne Display Regular"/>
-                <a:cs typeface="IntelOne Display Regular"/>
-              </a:rPr>
-              <a:t>tabelę,</a:t>
-            </a:r>
-            <a:r>
-              <a:rPr sz="1150" spc="20" dirty="0">
-                <a:solidFill>
-                  <a:srgbClr val="1D1D1B"/>
-                </a:solidFill>
-                <a:latin typeface="IntelOne Display Regular"/>
-                <a:cs typeface="IntelOne Display Regular"/>
-              </a:rPr>
-              <a:t> </a:t>
-            </a:r>
-            <a:r>
-              <a:rPr sz="1150" spc="-10" dirty="0">
-                <a:solidFill>
-                  <a:srgbClr val="1D1D1B"/>
-                </a:solidFill>
-                <a:latin typeface="IntelOne Display Regular"/>
-                <a:cs typeface="IntelOne Display Regular"/>
-              </a:rPr>
-              <a:t>itd.)</a:t>
-            </a:r>
-            <a:endParaRPr sz="1150">
-              <a:latin typeface="IntelOne Display Regular"/>
-              <a:cs typeface="IntelOne Display Regular"/>
-            </a:endParaRPr>
-          </a:p>
-        </p:txBody>
-      </p:sp>
-      <p:sp>
-        <p:nvSpPr>
           <p:cNvPr id="18" name="object 18"/>
           <p:cNvSpPr txBox="1"/>
           <p:nvPr/>
         </p:nvSpPr>
         <p:spPr>
           <a:xfrm>
-            <a:off x="868560" y="9353513"/>
-            <a:ext cx="1311275" cy="203200"/>
+            <a:off x="1267890" y="9554387"/>
+            <a:ext cx="4953000" cy="260968"/>
           </a:xfrm>
           <a:prstGeom prst="rect">
             <a:avLst/>
@@ -9208,122 +11626,13 @@
               </a:spcBef>
             </a:pPr>
             <a:r>
-              <a:rPr sz="1150" spc="-20" dirty="0">
-                <a:solidFill>
-                  <a:srgbClr val="1D1D1B"/>
-                </a:solidFill>
-                <a:latin typeface="IntelOne Display Regular"/>
-                <a:cs typeface="IntelOne Display Regular"/>
-              </a:rPr>
-              <a:t>Tu</a:t>
-            </a:r>
-            <a:r>
-              <a:rPr sz="1150" spc="5" dirty="0">
-                <a:solidFill>
-                  <a:srgbClr val="1D1D1B"/>
-                </a:solidFill>
-                <a:latin typeface="IntelOne Display Regular"/>
-                <a:cs typeface="IntelOne Display Regular"/>
-              </a:rPr>
-              <a:t> </a:t>
-            </a:r>
-            <a:r>
-              <a:rPr sz="1150" dirty="0">
-                <a:solidFill>
-                  <a:srgbClr val="1D1D1B"/>
-                </a:solidFill>
-                <a:latin typeface="IntelOne Display Regular"/>
-                <a:cs typeface="IntelOne Display Regular"/>
-              </a:rPr>
-              <a:t>wpisz</a:t>
-            </a:r>
-            <a:r>
-              <a:rPr sz="1150" spc="10" dirty="0">
-                <a:solidFill>
-                  <a:srgbClr val="1D1D1B"/>
-                </a:solidFill>
-                <a:latin typeface="IntelOne Display Regular"/>
-                <a:cs typeface="IntelOne Display Regular"/>
-              </a:rPr>
-              <a:t> </a:t>
-            </a:r>
-            <a:r>
-              <a:rPr sz="1150" dirty="0">
-                <a:solidFill>
-                  <a:srgbClr val="1D1D1B"/>
-                </a:solidFill>
-                <a:latin typeface="IntelOne Display Regular"/>
-                <a:cs typeface="IntelOne Display Regular"/>
-              </a:rPr>
-              <a:t>tytuł</a:t>
-            </a:r>
-            <a:r>
-              <a:rPr sz="1150" spc="5" dirty="0">
-                <a:solidFill>
-                  <a:srgbClr val="1D1D1B"/>
-                </a:solidFill>
-                <a:latin typeface="IntelOne Display Regular"/>
-                <a:cs typeface="IntelOne Display Regular"/>
-              </a:rPr>
-              <a:t> </a:t>
-            </a:r>
-            <a:r>
-              <a:rPr sz="1150" spc="-10" dirty="0">
-                <a:solidFill>
-                  <a:srgbClr val="1D1D1B"/>
-                </a:solidFill>
-                <a:latin typeface="IntelOne Display Regular"/>
-                <a:cs typeface="IntelOne Display Regular"/>
-              </a:rPr>
-              <a:t>graﬁki</a:t>
-            </a:r>
-            <a:endParaRPr sz="1150">
-              <a:latin typeface="IntelOne Display Regular"/>
-              <a:cs typeface="IntelOne Display Regular"/>
-            </a:endParaRPr>
-          </a:p>
-        </p:txBody>
-      </p:sp>
-      <p:sp>
-        <p:nvSpPr>
-          <p:cNvPr id="19" name="object 19"/>
-          <p:cNvSpPr txBox="1"/>
-          <p:nvPr/>
-        </p:nvSpPr>
-        <p:spPr>
-          <a:xfrm>
-            <a:off x="868560" y="15053282"/>
-            <a:ext cx="466725" cy="203200"/>
-          </a:xfrm>
-          <a:prstGeom prst="rect">
-            <a:avLst/>
-          </a:prstGeom>
-        </p:spPr>
-        <p:txBody>
-          <a:bodyPr vert="horz" wrap="square" lIns="0" tIns="14604" rIns="0" bIns="0" rtlCol="0">
-            <a:spAutoFit/>
-          </a:bodyPr>
-          <a:lstStyle/>
-          <a:p>
-            <a:pPr marL="12700">
-              <a:lnSpc>
-                <a:spcPct val="100000"/>
-              </a:lnSpc>
-              <a:spcBef>
-                <a:spcPts val="114"/>
-              </a:spcBef>
-            </a:pPr>
-            <a:r>
-              <a:rPr sz="1150" spc="-10" dirty="0">
-                <a:solidFill>
-                  <a:srgbClr val="1D1D1B"/>
-                </a:solidFill>
-                <a:latin typeface="IntelOne Display Regular"/>
-                <a:cs typeface="IntelOne Display Regular"/>
-              </a:rPr>
-              <a:t>Źródło</a:t>
-            </a:r>
-            <a:endParaRPr sz="1150">
+              <a:rPr lang="pl-PL" sz="1600" dirty="0">
+                <a:latin typeface="IntelOne Display Regular"/>
+                <a:cs typeface="IntelOne Display Regular"/>
+              </a:rPr>
+              <a:t>Porównanie dokładności testowanych konfiguracji warstw</a:t>
+            </a:r>
+            <a:endParaRPr sz="1600" dirty="0">
               <a:latin typeface="IntelOne Display Regular"/>
               <a:cs typeface="IntelOne Display Regular"/>
             </a:endParaRPr>
@@ -9711,374 +12020,6 @@
           </p:txBody>
         </p:sp>
       </p:grpSp>
-      <p:sp>
-        <p:nvSpPr>
-          <p:cNvPr id="23" name="object 23"/>
-          <p:cNvSpPr txBox="1"/>
-          <p:nvPr/>
-        </p:nvSpPr>
-        <p:spPr>
-          <a:xfrm>
-            <a:off x="9407114" y="9148440"/>
-            <a:ext cx="2287270" cy="381000"/>
-          </a:xfrm>
-          <a:prstGeom prst="rect">
-            <a:avLst/>
-          </a:prstGeom>
-        </p:spPr>
-        <p:txBody>
-          <a:bodyPr vert="horz" wrap="square" lIns="0" tIns="12065" rIns="0" bIns="0" rtlCol="0">
-            <a:spAutoFit/>
-          </a:bodyPr>
-          <a:lstStyle/>
-          <a:p>
-            <a:pPr marL="12700" marR="5080" indent="125730">
-              <a:lnSpc>
-                <a:spcPct val="101400"/>
-              </a:lnSpc>
-              <a:spcBef>
-                <a:spcPts val="95"/>
-              </a:spcBef>
-            </a:pPr>
-            <a:r>
-              <a:rPr sz="1150" dirty="0">
-                <a:solidFill>
-                  <a:srgbClr val="1D1D1B"/>
-                </a:solidFill>
-                <a:latin typeface="IntelOne Display Regular"/>
-                <a:cs typeface="IntelOne Display Regular"/>
-              </a:rPr>
-              <a:t>Tutaj</a:t>
-            </a:r>
-            <a:r>
-              <a:rPr sz="1150" spc="-40" dirty="0">
-                <a:solidFill>
-                  <a:srgbClr val="1D1D1B"/>
-                </a:solidFill>
-                <a:latin typeface="IntelOne Display Regular"/>
-                <a:cs typeface="IntelOne Display Regular"/>
-              </a:rPr>
-              <a:t> </a:t>
-            </a:r>
-            <a:r>
-              <a:rPr sz="1150" dirty="0">
-                <a:solidFill>
-                  <a:srgbClr val="1D1D1B"/>
-                </a:solidFill>
-                <a:latin typeface="IntelOne Display Regular"/>
-                <a:cs typeface="IntelOne Display Regular"/>
-              </a:rPr>
-              <a:t>wstaw</a:t>
-            </a:r>
-            <a:r>
-              <a:rPr sz="1150" spc="-45" dirty="0">
-                <a:solidFill>
-                  <a:srgbClr val="1D1D1B"/>
-                </a:solidFill>
-                <a:latin typeface="IntelOne Display Regular"/>
-                <a:cs typeface="IntelOne Display Regular"/>
-              </a:rPr>
-              <a:t> </a:t>
-            </a:r>
-            <a:r>
-              <a:rPr sz="1150" spc="-10" dirty="0">
-                <a:solidFill>
-                  <a:srgbClr val="1D1D1B"/>
-                </a:solidFill>
-                <a:latin typeface="IntelOne Display Regular"/>
-                <a:cs typeface="IntelOne Display Regular"/>
-              </a:rPr>
-              <a:t>Twoją</a:t>
-            </a:r>
-            <a:r>
-              <a:rPr sz="1150" spc="-40" dirty="0">
-                <a:solidFill>
-                  <a:srgbClr val="1D1D1B"/>
-                </a:solidFill>
-                <a:latin typeface="IntelOne Display Regular"/>
-                <a:cs typeface="IntelOne Display Regular"/>
-              </a:rPr>
-              <a:t> </a:t>
-            </a:r>
-            <a:r>
-              <a:rPr sz="1150" dirty="0">
-                <a:solidFill>
-                  <a:srgbClr val="1D1D1B"/>
-                </a:solidFill>
-                <a:latin typeface="IntelOne Display Regular"/>
-                <a:cs typeface="IntelOne Display Regular"/>
-              </a:rPr>
-              <a:t>graﬁkę</a:t>
-            </a:r>
-            <a:r>
-              <a:rPr sz="1150" spc="-35" dirty="0">
-                <a:solidFill>
-                  <a:srgbClr val="1D1D1B"/>
-                </a:solidFill>
-                <a:latin typeface="IntelOne Display Regular"/>
-                <a:cs typeface="IntelOne Display Regular"/>
-              </a:rPr>
-              <a:t> </a:t>
-            </a:r>
-            <a:r>
-              <a:rPr sz="1150" spc="-10" dirty="0">
-                <a:solidFill>
-                  <a:srgbClr val="1D1D1B"/>
-                </a:solidFill>
-                <a:latin typeface="IntelOne Display Regular"/>
-                <a:cs typeface="IntelOne Display Regular"/>
-              </a:rPr>
-              <a:t>(zdję- </a:t>
-            </a:r>
-            <a:r>
-              <a:rPr sz="1150" dirty="0">
-                <a:solidFill>
-                  <a:srgbClr val="1D1D1B"/>
-                </a:solidFill>
-                <a:latin typeface="IntelOne Display Regular"/>
-                <a:cs typeface="IntelOne Display Regular"/>
-              </a:rPr>
-              <a:t>cie,zrzut</a:t>
-            </a:r>
-            <a:r>
-              <a:rPr sz="1150" spc="20" dirty="0">
-                <a:solidFill>
-                  <a:srgbClr val="1D1D1B"/>
-                </a:solidFill>
-                <a:latin typeface="IntelOne Display Regular"/>
-                <a:cs typeface="IntelOne Display Regular"/>
-              </a:rPr>
-              <a:t> </a:t>
-            </a:r>
-            <a:r>
-              <a:rPr sz="1150" dirty="0">
-                <a:solidFill>
-                  <a:srgbClr val="1D1D1B"/>
-                </a:solidFill>
-                <a:latin typeface="IntelOne Display Regular"/>
-                <a:cs typeface="IntelOne Display Regular"/>
-              </a:rPr>
-              <a:t>ekranu,</a:t>
-            </a:r>
-            <a:r>
-              <a:rPr sz="1150" spc="25" dirty="0">
-                <a:solidFill>
-                  <a:srgbClr val="1D1D1B"/>
-                </a:solidFill>
-                <a:latin typeface="IntelOne Display Regular"/>
-                <a:cs typeface="IntelOne Display Regular"/>
-              </a:rPr>
-              <a:t> </a:t>
-            </a:r>
-            <a:r>
-              <a:rPr sz="1150" dirty="0">
-                <a:solidFill>
-                  <a:srgbClr val="1D1D1B"/>
-                </a:solidFill>
-                <a:latin typeface="IntelOne Display Regular"/>
-                <a:cs typeface="IntelOne Display Regular"/>
-              </a:rPr>
-              <a:t>wykres,</a:t>
-            </a:r>
-            <a:r>
-              <a:rPr sz="1150" spc="25" dirty="0">
-                <a:solidFill>
-                  <a:srgbClr val="1D1D1B"/>
-                </a:solidFill>
-                <a:latin typeface="IntelOne Display Regular"/>
-                <a:cs typeface="IntelOne Display Regular"/>
-              </a:rPr>
-              <a:t> </a:t>
-            </a:r>
-            <a:r>
-              <a:rPr sz="1150" dirty="0">
-                <a:solidFill>
-                  <a:srgbClr val="1D1D1B"/>
-                </a:solidFill>
-                <a:latin typeface="IntelOne Display Regular"/>
-                <a:cs typeface="IntelOne Display Regular"/>
-              </a:rPr>
-              <a:t>tabelę,</a:t>
-            </a:r>
-            <a:r>
-              <a:rPr sz="1150" spc="20" dirty="0">
-                <a:solidFill>
-                  <a:srgbClr val="1D1D1B"/>
-                </a:solidFill>
-                <a:latin typeface="IntelOne Display Regular"/>
-                <a:cs typeface="IntelOne Display Regular"/>
-              </a:rPr>
-              <a:t> </a:t>
-            </a:r>
-            <a:r>
-              <a:rPr sz="1150" spc="-10" dirty="0">
-                <a:solidFill>
-                  <a:srgbClr val="1D1D1B"/>
-                </a:solidFill>
-                <a:latin typeface="IntelOne Display Regular"/>
-                <a:cs typeface="IntelOne Display Regular"/>
-              </a:rPr>
-              <a:t>itd.)</a:t>
-            </a:r>
-            <a:endParaRPr sz="1150">
-              <a:latin typeface="IntelOne Display Regular"/>
-              <a:cs typeface="IntelOne Display Regular"/>
-            </a:endParaRPr>
-          </a:p>
-        </p:txBody>
-      </p:sp>
-      <p:sp>
-        <p:nvSpPr>
-          <p:cNvPr id="24" name="object 24"/>
-          <p:cNvSpPr txBox="1"/>
-          <p:nvPr/>
-        </p:nvSpPr>
-        <p:spPr>
-          <a:xfrm>
-            <a:off x="7673748" y="7657727"/>
-            <a:ext cx="1311275" cy="203200"/>
-          </a:xfrm>
-          <a:prstGeom prst="rect">
-            <a:avLst/>
-          </a:prstGeom>
-        </p:spPr>
-        <p:txBody>
-          <a:bodyPr vert="horz" wrap="square" lIns="0" tIns="14604" rIns="0" bIns="0" rtlCol="0">
-            <a:spAutoFit/>
-          </a:bodyPr>
-          <a:lstStyle/>
-          <a:p>
-            <a:pPr marL="12700">
-              <a:lnSpc>
-                <a:spcPct val="100000"/>
-              </a:lnSpc>
-              <a:spcBef>
-                <a:spcPts val="114"/>
-              </a:spcBef>
-            </a:pPr>
-            <a:r>
-              <a:rPr sz="1150" spc="-20" dirty="0">
-                <a:solidFill>
-                  <a:srgbClr val="1D1D1B"/>
-                </a:solidFill>
-                <a:latin typeface="IntelOne Display Regular"/>
-                <a:cs typeface="IntelOne Display Regular"/>
-              </a:rPr>
-              <a:t>Tu</a:t>
-            </a:r>
-            <a:r>
-              <a:rPr sz="1150" spc="5" dirty="0">
-                <a:solidFill>
-                  <a:srgbClr val="1D1D1B"/>
-                </a:solidFill>
-                <a:latin typeface="IntelOne Display Regular"/>
-                <a:cs typeface="IntelOne Display Regular"/>
-              </a:rPr>
-              <a:t> </a:t>
-            </a:r>
-            <a:r>
-              <a:rPr sz="1150" dirty="0">
-                <a:solidFill>
-                  <a:srgbClr val="1D1D1B"/>
-                </a:solidFill>
-                <a:latin typeface="IntelOne Display Regular"/>
-                <a:cs typeface="IntelOne Display Regular"/>
-              </a:rPr>
-              <a:t>wpisz</a:t>
-            </a:r>
-            <a:r>
-              <a:rPr sz="1150" spc="10" dirty="0">
-                <a:solidFill>
-                  <a:srgbClr val="1D1D1B"/>
-                </a:solidFill>
-                <a:latin typeface="IntelOne Display Regular"/>
-                <a:cs typeface="IntelOne Display Regular"/>
-              </a:rPr>
-              <a:t> </a:t>
-            </a:r>
-            <a:r>
-              <a:rPr sz="1150" dirty="0">
-                <a:solidFill>
-                  <a:srgbClr val="1D1D1B"/>
-                </a:solidFill>
-                <a:latin typeface="IntelOne Display Regular"/>
-                <a:cs typeface="IntelOne Display Regular"/>
-              </a:rPr>
-              <a:t>tytuł</a:t>
-            </a:r>
-            <a:r>
-              <a:rPr sz="1150" spc="5" dirty="0">
-                <a:solidFill>
-                  <a:srgbClr val="1D1D1B"/>
-                </a:solidFill>
-                <a:latin typeface="IntelOne Display Regular"/>
-                <a:cs typeface="IntelOne Display Regular"/>
-              </a:rPr>
-              <a:t> </a:t>
-            </a:r>
-            <a:r>
-              <a:rPr sz="1150" spc="-10" dirty="0">
-                <a:solidFill>
-                  <a:srgbClr val="1D1D1B"/>
-                </a:solidFill>
-                <a:latin typeface="IntelOne Display Regular"/>
-                <a:cs typeface="IntelOne Display Regular"/>
-              </a:rPr>
-              <a:t>graﬁki</a:t>
-            </a:r>
-            <a:endParaRPr sz="1150">
-              <a:latin typeface="IntelOne Display Regular"/>
-              <a:cs typeface="IntelOne Display Regular"/>
-            </a:endParaRPr>
-          </a:p>
-        </p:txBody>
-      </p:sp>
-      <p:sp>
-        <p:nvSpPr>
-          <p:cNvPr id="25" name="object 25"/>
-          <p:cNvSpPr txBox="1"/>
-          <p:nvPr/>
-        </p:nvSpPr>
-        <p:spPr>
-          <a:xfrm>
-            <a:off x="7673748" y="10822587"/>
-            <a:ext cx="466725" cy="203200"/>
-          </a:xfrm>
-          <a:prstGeom prst="rect">
-            <a:avLst/>
-          </a:prstGeom>
-        </p:spPr>
-        <p:txBody>
-          <a:bodyPr vert="horz" wrap="square" lIns="0" tIns="14604" rIns="0" bIns="0" rtlCol="0">
-            <a:spAutoFit/>
-          </a:bodyPr>
-          <a:lstStyle/>
-          <a:p>
-            <a:pPr marL="12700">
-              <a:lnSpc>
-                <a:spcPct val="100000"/>
-              </a:lnSpc>
-              <a:spcBef>
-                <a:spcPts val="114"/>
-              </a:spcBef>
-            </a:pPr>
-            <a:r>
-              <a:rPr sz="1150" spc="-10" dirty="0">
-                <a:solidFill>
-                  <a:srgbClr val="1D1D1B"/>
-                </a:solidFill>
-                <a:latin typeface="IntelOne Display Regular"/>
-                <a:cs typeface="IntelOne Display Regular"/>
-              </a:rPr>
-              <a:t>Źródło</a:t>
-            </a:r>
-            <a:endParaRPr sz="1150">
-              <a:latin typeface="IntelOne Display Regular"/>
-              <a:cs typeface="IntelOne Display Regular"/>
-            </a:endParaRPr>
-          </a:p>
-        </p:txBody>
-      </p:sp>
       <p:grpSp>
         <p:nvGrpSpPr>
           <p:cNvPr id="26" name="object 26"/>
@@ -10788,7 +12729,7 @@
                 <a:ea typeface="Calibri" panose="020F0502020204030204" pitchFamily="34" charset="0"/>
                 <a:cs typeface="Arial" panose="020B0604020202020204" pitchFamily="34" charset="0"/>
               </a:rPr>
-              <a:t>TFIDF to algorytm obliczający wagi słów w oparciu o liczbę ich wystąpień, im więcej </a:t>
+              <a:t>TFIDF to algorytm obliczający wagi słów w oparciu o liczbę ich wystąpień w skali dokumentu oraz konkretnego komentarza, im więcej </a:t>
             </a:r>
             <a:r>
               <a:rPr lang="pl-PL" sz="1100" dirty="0" err="1">
@@ -11270,7 +13211,7 @@
         <p:spPr>
           <a:xfrm>
             <a:off x="864348" y="16430459"/>
-            <a:ext cx="5760085" cy="3046095"/>
+            <a:ext cx="5760085" cy="2328523"/>
           </a:xfrm>
           <a:prstGeom prst="rect">
             <a:avLst/>
@@ -11282,5055 +13223,278 @@
           </a:bodyPr>
           <a:lstStyle/>
           <a:p>
-            <a:pPr marL="12700" marR="5080">
+            <a:pPr>
               <a:lnSpc>
-                <a:spcPct val="101400"/>
+                <a:spcPct val="107000"/>
               </a:lnSpc>
-              <a:spcBef>
-                <a:spcPts val="95"/>
-              </a:spcBef>
+              <a:spcAft>
+                <a:spcPts val="800"/>
+              </a:spcAft>
             </a:pPr>
             <a:r>
-              <a:rPr sz="1150" spc="-50" dirty="0">
-                <a:solidFill>
-                  <a:srgbClr val="1D1D1B"/>
-                </a:solidFill>
-                <a:latin typeface="IntelOne Display Regular"/>
-                <a:cs typeface="IntelOne Display Regular"/>
-              </a:rPr>
-              <a:t>To</a:t>
-            </a:r>
-            <a:r>
-              <a:rPr sz="1150" spc="10" dirty="0">
-                <a:solidFill>
-                  <a:srgbClr val="1D1D1B"/>
-                </a:solidFill>
-                <a:latin typeface="IntelOne Display Regular"/>
-                <a:cs typeface="IntelOne Display Regular"/>
-              </a:rPr>
-              <a:t> </a:t>
-            </a:r>
-            <a:r>
-              <a:rPr sz="1150" dirty="0">
-                <a:solidFill>
-                  <a:srgbClr val="1D1D1B"/>
-                </a:solidFill>
-                <a:latin typeface="IntelOne Display Regular"/>
-                <a:cs typeface="IntelOne Display Regular"/>
-              </a:rPr>
-              <a:t>jest</a:t>
-            </a:r>
-            <a:r>
-              <a:rPr sz="1150" spc="10" dirty="0">
-                <a:solidFill>
-                  <a:srgbClr val="1D1D1B"/>
-                </a:solidFill>
-                <a:latin typeface="IntelOne Display Regular"/>
-                <a:cs typeface="IntelOne Display Regular"/>
-              </a:rPr>
-              <a:t> </a:t>
-            </a:r>
-            <a:r>
-              <a:rPr sz="1150" dirty="0">
-                <a:solidFill>
-                  <a:srgbClr val="1D1D1B"/>
-                </a:solidFill>
-                <a:latin typeface="IntelOne Display Regular"/>
-                <a:cs typeface="IntelOne Display Regular"/>
-              </a:rPr>
-              <a:t>miejsce</a:t>
-            </a:r>
-            <a:r>
-              <a:rPr sz="1150" spc="15" dirty="0">
-                <a:solidFill>
-                  <a:srgbClr val="1D1D1B"/>
-                </a:solidFill>
-                <a:latin typeface="IntelOne Display Regular"/>
-                <a:cs typeface="IntelOne Display Regular"/>
-              </a:rPr>
-              <a:t> </a:t>
-            </a:r>
-            <a:r>
-              <a:rPr sz="1150" dirty="0">
-                <a:solidFill>
-                  <a:srgbClr val="1D1D1B"/>
-                </a:solidFill>
-                <a:latin typeface="IntelOne Display Regular"/>
-                <a:cs typeface="IntelOne Display Regular"/>
-              </a:rPr>
-              <a:t>na</a:t>
-            </a:r>
-            <a:r>
-              <a:rPr sz="1150" spc="10" dirty="0">
-                <a:solidFill>
-                  <a:srgbClr val="1D1D1B"/>
-                </a:solidFill>
-                <a:latin typeface="IntelOne Display Regular"/>
-                <a:cs typeface="IntelOne Display Regular"/>
-              </a:rPr>
-              <a:t> </a:t>
-            </a:r>
-            <a:r>
-              <a:rPr sz="1150" dirty="0">
-                <a:solidFill>
-                  <a:srgbClr val="1D1D1B"/>
-                </a:solidFill>
-                <a:latin typeface="IntelOne Display Regular"/>
-                <a:cs typeface="IntelOne Display Regular"/>
-              </a:rPr>
-              <a:t>opisanie</a:t>
-            </a:r>
-            <a:r>
-              <a:rPr sz="1150" spc="15" dirty="0">
-                <a:solidFill>
-                  <a:srgbClr val="1D1D1B"/>
-                </a:solidFill>
-                <a:latin typeface="IntelOne Display Regular"/>
-                <a:cs typeface="IntelOne Display Regular"/>
-              </a:rPr>
-              <a:t> </a:t>
-            </a:r>
-            <a:r>
-              <a:rPr sz="1150" dirty="0">
-                <a:solidFill>
-                  <a:srgbClr val="1D1D1B"/>
-                </a:solidFill>
-                <a:latin typeface="IntelOne Display Regular"/>
-                <a:cs typeface="IntelOne Display Regular"/>
-              </a:rPr>
-              <a:t>jak</a:t>
-            </a:r>
-            <a:r>
-              <a:rPr sz="1150" spc="10" dirty="0">
-                <a:solidFill>
-                  <a:srgbClr val="1D1D1B"/>
-                </a:solidFill>
-                <a:latin typeface="IntelOne Display Regular"/>
-                <a:cs typeface="IntelOne Display Regular"/>
-              </a:rPr>
-              <a:t> </a:t>
-            </a:r>
-            <a:r>
-              <a:rPr sz="1150" dirty="0">
-                <a:solidFill>
-                  <a:srgbClr val="1D1D1B"/>
-                </a:solidFill>
-                <a:latin typeface="IntelOne Display Regular"/>
-                <a:cs typeface="IntelOne Display Regular"/>
-              </a:rPr>
-              <a:t>przebiegał</a:t>
-            </a:r>
-            <a:r>
-              <a:rPr sz="1150" spc="5" dirty="0">
-                <a:solidFill>
-                  <a:srgbClr val="1D1D1B"/>
-                </a:solidFill>
-                <a:latin typeface="IntelOne Display Regular"/>
-                <a:cs typeface="IntelOne Display Regular"/>
-              </a:rPr>
-              <a:t> </a:t>
-            </a:r>
-            <a:r>
-              <a:rPr sz="1150" spc="-20" dirty="0">
-                <a:solidFill>
-                  <a:srgbClr val="1D1D1B"/>
-                </a:solidFill>
-                <a:latin typeface="IntelOne Display Regular"/>
-                <a:cs typeface="IntelOne Display Regular"/>
-              </a:rPr>
-              <a:t>Twój</a:t>
-            </a:r>
-            <a:r>
-              <a:rPr sz="1150" spc="10" dirty="0">
-                <a:solidFill>
-                  <a:srgbClr val="1D1D1B"/>
-                </a:solidFill>
-                <a:latin typeface="IntelOne Display Regular"/>
-                <a:cs typeface="IntelOne Display Regular"/>
-              </a:rPr>
-              <a:t> </a:t>
-            </a:r>
-            <a:r>
-              <a:rPr sz="1150" dirty="0">
-                <a:solidFill>
-                  <a:srgbClr val="1D1D1B"/>
-                </a:solidFill>
-                <a:latin typeface="IntelOne Display Regular"/>
-                <a:cs typeface="IntelOne Display Regular"/>
-              </a:rPr>
-              <a:t>projekt.</a:t>
-            </a:r>
-            <a:r>
-              <a:rPr sz="1150" spc="15" dirty="0">
-                <a:solidFill>
-                  <a:srgbClr val="1D1D1B"/>
-                </a:solidFill>
-                <a:latin typeface="IntelOne Display Regular"/>
-                <a:cs typeface="IntelOne Display Regular"/>
-              </a:rPr>
-              <a:t> </a:t>
-            </a:r>
-            <a:r>
-              <a:rPr sz="1150" dirty="0">
-                <a:solidFill>
-                  <a:srgbClr val="1D1D1B"/>
-                </a:solidFill>
-                <a:latin typeface="IntelOne Display Regular"/>
-                <a:cs typeface="IntelOne Display Regular"/>
-              </a:rPr>
-              <a:t>Możesz</a:t>
-            </a:r>
-            <a:r>
-              <a:rPr sz="1150" spc="10" dirty="0">
-                <a:solidFill>
-                  <a:srgbClr val="1D1D1B"/>
-                </a:solidFill>
-                <a:latin typeface="IntelOne Display Regular"/>
-                <a:cs typeface="IntelOne Display Regular"/>
-              </a:rPr>
-              <a:t> </a:t>
-            </a:r>
-            <a:r>
-              <a:rPr sz="1150" dirty="0">
-                <a:solidFill>
-                  <a:srgbClr val="1D1D1B"/>
-                </a:solidFill>
-                <a:latin typeface="IntelOne Display Regular"/>
-                <a:cs typeface="IntelOne Display Regular"/>
-              </a:rPr>
-              <a:t>to</a:t>
-            </a:r>
-            <a:r>
-              <a:rPr sz="1150" spc="15" dirty="0">
-                <a:solidFill>
-                  <a:srgbClr val="1D1D1B"/>
-                </a:solidFill>
-                <a:latin typeface="IntelOne Display Regular"/>
-                <a:cs typeface="IntelOne Display Regular"/>
-              </a:rPr>
-              <a:t> </a:t>
-            </a:r>
-            <a:r>
-              <a:rPr sz="1150" dirty="0">
-                <a:solidFill>
-                  <a:srgbClr val="1D1D1B"/>
-                </a:solidFill>
-                <a:latin typeface="IntelOne Display Regular"/>
-                <a:cs typeface="IntelOne Display Regular"/>
-              </a:rPr>
-              <a:t>zrobić</a:t>
-            </a:r>
-            <a:r>
-              <a:rPr sz="1150" spc="10" dirty="0">
-                <a:solidFill>
-                  <a:srgbClr val="1D1D1B"/>
-                </a:solidFill>
-                <a:latin typeface="IntelOne Display Regular"/>
-                <a:cs typeface="IntelOne Display Regular"/>
-              </a:rPr>
-              <a:t> </a:t>
-            </a:r>
-            <a:r>
-              <a:rPr sz="1150" dirty="0">
-                <a:solidFill>
-                  <a:srgbClr val="1D1D1B"/>
-                </a:solidFill>
-                <a:latin typeface="IntelOne Display Regular"/>
-                <a:cs typeface="IntelOne Display Regular"/>
-              </a:rPr>
-              <a:t>tekstem</a:t>
-            </a:r>
-            <a:r>
-              <a:rPr sz="1150" spc="15" dirty="0">
-                <a:solidFill>
-                  <a:srgbClr val="1D1D1B"/>
-                </a:solidFill>
-                <a:latin typeface="IntelOne Display Regular"/>
-                <a:cs typeface="IntelOne Display Regular"/>
-              </a:rPr>
-              <a:t> </a:t>
-            </a:r>
-            <a:r>
-              <a:rPr sz="1150" spc="-10" dirty="0">
-                <a:solidFill>
-                  <a:srgbClr val="1D1D1B"/>
-                </a:solidFill>
-                <a:latin typeface="IntelOne Display Regular"/>
-                <a:cs typeface="IntelOne Display Regular"/>
-              </a:rPr>
-              <a:t>ciągłym, </a:t>
-            </a:r>
-            <a:r>
-              <a:rPr sz="1150" dirty="0">
-                <a:solidFill>
-                  <a:srgbClr val="1D1D1B"/>
-                </a:solidFill>
-                <a:latin typeface="IntelOne Display Regular"/>
-                <a:cs typeface="IntelOne Display Regular"/>
-              </a:rPr>
-              <a:t>ale</a:t>
-            </a:r>
-            <a:r>
-              <a:rPr sz="1150" spc="-5" dirty="0">
-                <a:solidFill>
-                  <a:srgbClr val="1D1D1B"/>
-                </a:solidFill>
-                <a:latin typeface="IntelOne Display Regular"/>
-                <a:cs typeface="IntelOne Display Regular"/>
-              </a:rPr>
-              <a:t> </a:t>
-            </a:r>
-            <a:r>
-              <a:rPr sz="1150" dirty="0">
-                <a:solidFill>
-                  <a:srgbClr val="1D1D1B"/>
-                </a:solidFill>
-                <a:latin typeface="IntelOne Display Regular"/>
-                <a:cs typeface="IntelOne Display Regular"/>
-              </a:rPr>
-              <a:t>jeśli wolisz, możesz wypunktować kolejne etapy</a:t>
-            </a:r>
-            <a:r>
-              <a:rPr sz="1150" spc="-10" dirty="0">
-                <a:solidFill>
-                  <a:srgbClr val="1D1D1B"/>
-                </a:solidFill>
-                <a:latin typeface="IntelOne Display Regular"/>
-                <a:cs typeface="IntelOne Display Regular"/>
-              </a:rPr>
-              <a:t> Twojego</a:t>
-            </a:r>
-            <a:r>
-              <a:rPr sz="1150" dirty="0">
-                <a:solidFill>
-                  <a:srgbClr val="1D1D1B"/>
-                </a:solidFill>
-                <a:latin typeface="IntelOne Display Regular"/>
-                <a:cs typeface="IntelOne Display Regular"/>
-              </a:rPr>
-              <a:t> projektu.</a:t>
-            </a:r>
-            <a:r>
-              <a:rPr sz="1150" spc="-10" dirty="0">
-                <a:solidFill>
-                  <a:srgbClr val="1D1D1B"/>
-                </a:solidFill>
-                <a:latin typeface="IntelOne Display Regular"/>
-                <a:cs typeface="IntelOne Display Regular"/>
-              </a:rPr>
-              <a:t> </a:t>
-            </a:r>
-            <a:r>
-              <a:rPr sz="1150" dirty="0">
-                <a:solidFill>
-                  <a:srgbClr val="1D1D1B"/>
-                </a:solidFill>
-                <a:latin typeface="IntelOne Display Regular"/>
-                <a:cs typeface="IntelOne Display Regular"/>
-              </a:rPr>
-              <a:t>Jakich uzyłeś/aś </a:t>
-            </a:r>
-            <a:r>
-              <a:rPr sz="1150" spc="-25" dirty="0">
-                <a:solidFill>
-                  <a:srgbClr val="1D1D1B"/>
-                </a:solidFill>
-                <a:latin typeface="IntelOne Display Regular"/>
-                <a:cs typeface="IntelOne Display Regular"/>
-              </a:rPr>
-              <a:t>al-</a:t>
-            </a:r>
-            <a:r>
-              <a:rPr sz="1150" dirty="0">
-                <a:solidFill>
-                  <a:srgbClr val="1D1D1B"/>
-                </a:solidFill>
-                <a:latin typeface="IntelOne Display Regular"/>
-                <a:cs typeface="IntelOne Display Regular"/>
-              </a:rPr>
-              <a:t> gorytmów,</a:t>
-            </a:r>
-            <a:r>
-              <a:rPr sz="1150" spc="10" dirty="0">
-                <a:solidFill>
-                  <a:srgbClr val="1D1D1B"/>
-                </a:solidFill>
-                <a:latin typeface="IntelOne Display Regular"/>
-                <a:cs typeface="IntelOne Display Regular"/>
-              </a:rPr>
-              <a:t> </a:t>
-            </a:r>
-            <a:r>
-              <a:rPr sz="1150" dirty="0">
-                <a:solidFill>
-                  <a:srgbClr val="1D1D1B"/>
-                </a:solidFill>
-                <a:latin typeface="IntelOne Display Regular"/>
-                <a:cs typeface="IntelOne Display Regular"/>
-              </a:rPr>
-              <a:t>skąd</a:t>
-            </a:r>
-            <a:r>
-              <a:rPr sz="1150" spc="15" dirty="0">
-                <a:solidFill>
-                  <a:srgbClr val="1D1D1B"/>
-                </a:solidFill>
-                <a:latin typeface="IntelOne Display Regular"/>
-                <a:cs typeface="IntelOne Display Regular"/>
-              </a:rPr>
-              <a:t> </a:t>
-            </a:r>
-            <a:r>
-              <a:rPr sz="1150" spc="-10" dirty="0">
-                <a:solidFill>
-                  <a:srgbClr val="1D1D1B"/>
-                </a:solidFill>
-                <a:latin typeface="IntelOne Display Regular"/>
-                <a:cs typeface="IntelOne Display Regular"/>
-              </a:rPr>
-              <a:t>brałeś/aś</a:t>
-            </a:r>
-            <a:r>
-              <a:rPr sz="1150" spc="15" dirty="0">
-                <a:solidFill>
-                  <a:srgbClr val="1D1D1B"/>
-                </a:solidFill>
-                <a:latin typeface="IntelOne Display Regular"/>
-                <a:cs typeface="IntelOne Display Regular"/>
-              </a:rPr>
-              <a:t> </a:t>
-            </a:r>
-            <a:r>
-              <a:rPr sz="1150" dirty="0">
-                <a:solidFill>
-                  <a:srgbClr val="1D1D1B"/>
-                </a:solidFill>
-                <a:latin typeface="IntelOne Display Regular"/>
-                <a:cs typeface="IntelOne Display Regular"/>
-              </a:rPr>
-              <a:t>dane</a:t>
-            </a:r>
-            <a:r>
-              <a:rPr sz="1150" spc="15" dirty="0">
-                <a:solidFill>
-                  <a:srgbClr val="1D1D1B"/>
-                </a:solidFill>
-                <a:latin typeface="IntelOne Display Regular"/>
-                <a:cs typeface="IntelOne Display Regular"/>
-              </a:rPr>
-              <a:t> </a:t>
-            </a:r>
-            <a:r>
-              <a:rPr sz="1150" dirty="0">
-                <a:solidFill>
-                  <a:srgbClr val="1D1D1B"/>
-                </a:solidFill>
-                <a:latin typeface="IntelOne Display Regular"/>
-                <a:cs typeface="IntelOne Display Regular"/>
-              </a:rPr>
-              <a:t>itp.</a:t>
-            </a:r>
-            <a:r>
-              <a:rPr sz="1150" spc="10" dirty="0">
-                <a:solidFill>
-                  <a:srgbClr val="1D1D1B"/>
-                </a:solidFill>
-                <a:latin typeface="IntelOne Display Regular"/>
-                <a:cs typeface="IntelOne Display Regular"/>
-              </a:rPr>
-              <a:t> </a:t>
-            </a:r>
-            <a:r>
-              <a:rPr sz="1150" dirty="0">
-                <a:solidFill>
-                  <a:srgbClr val="1D1D1B"/>
-                </a:solidFill>
-                <a:latin typeface="IntelOne Display Regular"/>
-                <a:cs typeface="IntelOne Display Regular"/>
-              </a:rPr>
-              <a:t>Maksymalnie</a:t>
-            </a:r>
-            <a:r>
-              <a:rPr sz="1150" spc="15" dirty="0">
-                <a:solidFill>
-                  <a:srgbClr val="1D1D1B"/>
-                </a:solidFill>
-                <a:latin typeface="IntelOne Display Regular"/>
-                <a:cs typeface="IntelOne Display Regular"/>
-              </a:rPr>
-              <a:t> </a:t>
-            </a:r>
-            <a:r>
-              <a:rPr sz="1150" dirty="0">
-                <a:solidFill>
-                  <a:srgbClr val="1D1D1B"/>
-                </a:solidFill>
-                <a:latin typeface="IntelOne Display Regular"/>
-                <a:cs typeface="IntelOne Display Regular"/>
-              </a:rPr>
-              <a:t>1500</a:t>
-            </a:r>
-            <a:r>
-              <a:rPr sz="1150" spc="15" dirty="0">
-                <a:solidFill>
-                  <a:srgbClr val="1D1D1B"/>
-                </a:solidFill>
-                <a:latin typeface="IntelOne Display Regular"/>
-                <a:cs typeface="IntelOne Display Regular"/>
-              </a:rPr>
-              <a:t> </a:t>
-            </a:r>
-            <a:r>
-              <a:rPr sz="1150" dirty="0">
-                <a:solidFill>
-                  <a:srgbClr val="1D1D1B"/>
-                </a:solidFill>
-                <a:latin typeface="IntelOne Display Regular"/>
-                <a:cs typeface="IntelOne Display Regular"/>
-              </a:rPr>
-              <a:t>znaków</a:t>
-            </a:r>
-            <a:r>
-              <a:rPr sz="1150" spc="15" dirty="0">
-                <a:solidFill>
-                  <a:srgbClr val="1D1D1B"/>
-                </a:solidFill>
-                <a:latin typeface="IntelOne Display Regular"/>
-                <a:cs typeface="IntelOne Display Regular"/>
-              </a:rPr>
-              <a:t> </a:t>
-            </a:r>
-            <a:r>
-              <a:rPr sz="1150" dirty="0">
-                <a:solidFill>
-                  <a:srgbClr val="1D1D1B"/>
-                </a:solidFill>
-                <a:latin typeface="IntelOne Display Regular"/>
-                <a:cs typeface="IntelOne Display Regular"/>
-              </a:rPr>
-              <a:t>ze</a:t>
-            </a:r>
-            <a:r>
-              <a:rPr sz="1150" spc="10" dirty="0">
-                <a:solidFill>
-                  <a:srgbClr val="1D1D1B"/>
-                </a:solidFill>
-                <a:latin typeface="IntelOne Display Regular"/>
-                <a:cs typeface="IntelOne Display Regular"/>
-              </a:rPr>
-              <a:t> </a:t>
-            </a:r>
-            <a:r>
-              <a:rPr sz="1150" dirty="0">
-                <a:solidFill>
-                  <a:srgbClr val="1D1D1B"/>
-                </a:solidFill>
-                <a:latin typeface="IntelOne Display Regular"/>
-                <a:cs typeface="IntelOne Display Regular"/>
-              </a:rPr>
-              <a:t>spacjami.</a:t>
-            </a:r>
-            <a:r>
-              <a:rPr sz="1150" spc="15" dirty="0">
-                <a:solidFill>
-                  <a:srgbClr val="1D1D1B"/>
-                </a:solidFill>
-                <a:latin typeface="IntelOne Display Regular"/>
-                <a:cs typeface="IntelOne Display Regular"/>
-              </a:rPr>
-              <a:t> </a:t>
-            </a:r>
-            <a:r>
-              <a:rPr sz="1150" spc="-10" dirty="0">
-                <a:solidFill>
-                  <a:srgbClr val="1D1D1B"/>
-                </a:solidFill>
-                <a:latin typeface="IntelOne Display Regular"/>
-                <a:cs typeface="IntelOne Display Regular"/>
-              </a:rPr>
-              <a:t>Pamiętaj</a:t>
-            </a:r>
-            <a:r>
-              <a:rPr sz="1150" spc="500" dirty="0">
-                <a:solidFill>
-                  <a:srgbClr val="1D1D1B"/>
-                </a:solidFill>
-                <a:latin typeface="IntelOne Display Regular"/>
-                <a:cs typeface="IntelOne Display Regular"/>
-              </a:rPr>
-              <a:t> </a:t>
-            </a:r>
-            <a:r>
-              <a:rPr sz="1150" dirty="0">
-                <a:solidFill>
-                  <a:srgbClr val="1D1D1B"/>
-                </a:solidFill>
-                <a:latin typeface="IntelOne Display Regular"/>
-                <a:cs typeface="IntelOne Display Regular"/>
-              </a:rPr>
-              <a:t>jednak, że</a:t>
-            </a:r>
-            <a:r>
-              <a:rPr sz="1150" spc="5" dirty="0">
-                <a:solidFill>
-                  <a:srgbClr val="1D1D1B"/>
-                </a:solidFill>
-                <a:latin typeface="IntelOne Display Regular"/>
-                <a:cs typeface="IntelOne Display Regular"/>
-              </a:rPr>
-              <a:t> </a:t>
-            </a:r>
-            <a:r>
-              <a:rPr sz="1150" dirty="0">
-                <a:solidFill>
-                  <a:srgbClr val="1D1D1B"/>
-                </a:solidFill>
-                <a:latin typeface="IntelOne Display Regular"/>
-                <a:cs typeface="IntelOne Display Regular"/>
-              </a:rPr>
-              <a:t>możesz użyć</a:t>
-            </a:r>
-            <a:r>
-              <a:rPr sz="1150" spc="5" dirty="0">
-                <a:solidFill>
-                  <a:srgbClr val="1D1D1B"/>
-                </a:solidFill>
-                <a:latin typeface="IntelOne Display Regular"/>
-                <a:cs typeface="IntelOne Display Regular"/>
-              </a:rPr>
-              <a:t> </a:t>
-            </a:r>
-            <a:r>
-              <a:rPr sz="1150" dirty="0">
-                <a:solidFill>
-                  <a:srgbClr val="1D1D1B"/>
-                </a:solidFill>
-                <a:latin typeface="IntelOne Display Regular"/>
-                <a:cs typeface="IntelOne Display Regular"/>
-              </a:rPr>
-              <a:t>mniej znaków!</a:t>
-            </a:r>
-            <a:r>
-              <a:rPr sz="1150" spc="5" dirty="0">
-                <a:solidFill>
-                  <a:srgbClr val="1D1D1B"/>
-                </a:solidFill>
-                <a:latin typeface="IntelOne Display Regular"/>
-                <a:cs typeface="IntelOne Display Regular"/>
-              </a:rPr>
-              <a:t> </a:t>
-            </a:r>
-            <a:r>
-              <a:rPr sz="1150" dirty="0">
-                <a:solidFill>
-                  <a:srgbClr val="1D1D1B"/>
-                </a:solidFill>
-                <a:latin typeface="IntelOne Display Regular"/>
-                <a:cs typeface="IntelOne Display Regular"/>
-              </a:rPr>
-              <a:t>1500 znaków</a:t>
-            </a:r>
-            <a:r>
-              <a:rPr sz="1150" spc="5" dirty="0">
-                <a:solidFill>
-                  <a:srgbClr val="1D1D1B"/>
-                </a:solidFill>
-                <a:latin typeface="IntelOne Display Regular"/>
-                <a:cs typeface="IntelOne Display Regular"/>
-              </a:rPr>
-              <a:t> </a:t>
-            </a:r>
-            <a:r>
-              <a:rPr sz="1150" dirty="0">
-                <a:solidFill>
-                  <a:srgbClr val="1D1D1B"/>
-                </a:solidFill>
-                <a:latin typeface="IntelOne Display Regular"/>
-                <a:cs typeface="IntelOne Display Regular"/>
-              </a:rPr>
-              <a:t>to jest</a:t>
-            </a:r>
-            <a:r>
-              <a:rPr sz="1150" spc="5" dirty="0">
-                <a:solidFill>
-                  <a:srgbClr val="1D1D1B"/>
-                </a:solidFill>
-                <a:latin typeface="IntelOne Display Regular"/>
-                <a:cs typeface="IntelOne Display Regular"/>
-              </a:rPr>
-              <a:t> </a:t>
-            </a:r>
-            <a:r>
-              <a:rPr sz="1150" dirty="0">
-                <a:solidFill>
-                  <a:srgbClr val="1D1D1B"/>
-                </a:solidFill>
-                <a:latin typeface="IntelOne Display Regular"/>
-                <a:cs typeface="IntelOne Display Regular"/>
-              </a:rPr>
-              <a:t>właśnie tyle.</a:t>
-            </a:r>
-            <a:r>
-              <a:rPr sz="1150" spc="220" dirty="0">
-                <a:solidFill>
-                  <a:srgbClr val="1D1D1B"/>
-                </a:solidFill>
-                <a:latin typeface="IntelOne Display Regular"/>
-                <a:cs typeface="IntelOne Display Regular"/>
-              </a:rPr>
-              <a:t> </a:t>
-            </a:r>
-            <a:r>
-              <a:rPr sz="1150" dirty="0">
-                <a:solidFill>
-                  <a:srgbClr val="1D1D1B"/>
-                </a:solidFill>
-                <a:latin typeface="IntelOne Display Regular"/>
-                <a:cs typeface="IntelOne Display Regular"/>
-              </a:rPr>
-              <a:t>1500</a:t>
-            </a:r>
-            <a:r>
-              <a:rPr sz="1150" spc="5" dirty="0">
-                <a:solidFill>
-                  <a:srgbClr val="1D1D1B"/>
-                </a:solidFill>
-                <a:latin typeface="IntelOne Display Regular"/>
-                <a:cs typeface="IntelOne Display Regular"/>
-              </a:rPr>
-              <a:t> </a:t>
-            </a:r>
-            <a:r>
-              <a:rPr sz="1150" dirty="0">
-                <a:solidFill>
-                  <a:srgbClr val="1D1D1B"/>
-                </a:solidFill>
-                <a:latin typeface="IntelOne Display Regular"/>
-                <a:cs typeface="IntelOne Display Regular"/>
-              </a:rPr>
-              <a:t>znaków to</a:t>
-            </a:r>
-            <a:r>
-              <a:rPr sz="1150" spc="5" dirty="0">
-                <a:solidFill>
-                  <a:srgbClr val="1D1D1B"/>
-                </a:solidFill>
-                <a:latin typeface="IntelOne Display Regular"/>
-                <a:cs typeface="IntelOne Display Regular"/>
-              </a:rPr>
-              <a:t> </a:t>
-            </a:r>
-            <a:r>
-              <a:rPr sz="1150" spc="-20" dirty="0">
-                <a:solidFill>
-                  <a:srgbClr val="1D1D1B"/>
-                </a:solidFill>
-                <a:latin typeface="IntelOne Display Regular"/>
-                <a:cs typeface="IntelOne Display Regular"/>
-              </a:rPr>
-              <a:t>jest</a:t>
-            </a:r>
-            <a:r>
-              <a:rPr sz="1150" dirty="0">
-                <a:solidFill>
-                  <a:srgbClr val="1D1D1B"/>
-                </a:solidFill>
-                <a:latin typeface="IntelOne Display Regular"/>
-                <a:cs typeface="IntelOne Display Regular"/>
-              </a:rPr>
-              <a:t> właśnie</a:t>
-            </a:r>
-            <a:r>
-              <a:rPr sz="1150" spc="10" dirty="0">
-                <a:solidFill>
-                  <a:srgbClr val="1D1D1B"/>
-                </a:solidFill>
-                <a:latin typeface="IntelOne Display Regular"/>
-                <a:cs typeface="IntelOne Display Regular"/>
-              </a:rPr>
-              <a:t> </a:t>
-            </a:r>
-            <a:r>
-              <a:rPr sz="1150" dirty="0">
-                <a:solidFill>
-                  <a:srgbClr val="1D1D1B"/>
-                </a:solidFill>
-                <a:latin typeface="IntelOne Display Regular"/>
-                <a:cs typeface="IntelOne Display Regular"/>
-              </a:rPr>
-              <a:t>tyle.</a:t>
-            </a:r>
-            <a:r>
-              <a:rPr sz="1150" spc="10" dirty="0">
-                <a:solidFill>
-                  <a:srgbClr val="1D1D1B"/>
-                </a:solidFill>
-                <a:latin typeface="IntelOne Display Regular"/>
-                <a:cs typeface="IntelOne Display Regular"/>
-              </a:rPr>
-              <a:t> </a:t>
-            </a:r>
-            <a:r>
-              <a:rPr sz="1150" dirty="0">
-                <a:solidFill>
-                  <a:srgbClr val="1D1D1B"/>
-                </a:solidFill>
-                <a:latin typeface="IntelOne Display Regular"/>
-                <a:cs typeface="IntelOne Display Regular"/>
-              </a:rPr>
-              <a:t>1500</a:t>
-            </a:r>
-            <a:r>
-              <a:rPr sz="1150" spc="10" dirty="0">
-                <a:solidFill>
-                  <a:srgbClr val="1D1D1B"/>
-                </a:solidFill>
-                <a:latin typeface="IntelOne Display Regular"/>
-                <a:cs typeface="IntelOne Display Regular"/>
-              </a:rPr>
-              <a:t> </a:t>
-            </a:r>
-            <a:r>
-              <a:rPr sz="1150" dirty="0">
-                <a:solidFill>
-                  <a:srgbClr val="1D1D1B"/>
-                </a:solidFill>
-                <a:latin typeface="IntelOne Display Regular"/>
-                <a:cs typeface="IntelOne Display Regular"/>
-              </a:rPr>
-              <a:t>znaków</a:t>
-            </a:r>
-            <a:r>
-              <a:rPr sz="1150" spc="10" dirty="0">
-                <a:solidFill>
-                  <a:srgbClr val="1D1D1B"/>
-                </a:solidFill>
-                <a:latin typeface="IntelOne Display Regular"/>
-                <a:cs typeface="IntelOne Display Regular"/>
-              </a:rPr>
-              <a:t> </a:t>
-            </a:r>
-            <a:r>
-              <a:rPr sz="1150" dirty="0">
-                <a:solidFill>
-                  <a:srgbClr val="1D1D1B"/>
-                </a:solidFill>
-                <a:latin typeface="IntelOne Display Regular"/>
-                <a:cs typeface="IntelOne Display Regular"/>
-              </a:rPr>
-              <a:t>to</a:t>
-            </a:r>
-            <a:r>
-              <a:rPr sz="1150" spc="10" dirty="0">
-                <a:solidFill>
-                  <a:srgbClr val="1D1D1B"/>
-                </a:solidFill>
-                <a:latin typeface="IntelOne Display Regular"/>
-                <a:cs typeface="IntelOne Display Regular"/>
-              </a:rPr>
-              <a:t> </a:t>
-            </a:r>
-            <a:r>
-              <a:rPr sz="1150" dirty="0">
-                <a:solidFill>
-                  <a:srgbClr val="1D1D1B"/>
-                </a:solidFill>
-                <a:latin typeface="IntelOne Display Regular"/>
-                <a:cs typeface="IntelOne Display Regular"/>
-              </a:rPr>
-              <a:t>jest</a:t>
-            </a:r>
-            <a:r>
-              <a:rPr sz="1150" spc="10" dirty="0">
-                <a:solidFill>
-                  <a:srgbClr val="1D1D1B"/>
-                </a:solidFill>
-                <a:latin typeface="IntelOne Display Regular"/>
-                <a:cs typeface="IntelOne Display Regular"/>
-              </a:rPr>
-              <a:t> </a:t>
-            </a:r>
-            <a:r>
-              <a:rPr sz="1150" dirty="0">
-                <a:solidFill>
-                  <a:srgbClr val="1D1D1B"/>
-                </a:solidFill>
-                <a:latin typeface="IntelOne Display Regular"/>
-                <a:cs typeface="IntelOne Display Regular"/>
-              </a:rPr>
-              <a:t>właśnie</a:t>
-            </a:r>
-            <a:r>
-              <a:rPr sz="1150" spc="10" dirty="0">
-                <a:solidFill>
-                  <a:srgbClr val="1D1D1B"/>
-                </a:solidFill>
-                <a:latin typeface="IntelOne Display Regular"/>
-                <a:cs typeface="IntelOne Display Regular"/>
-              </a:rPr>
-              <a:t> </a:t>
-            </a:r>
-            <a:r>
-              <a:rPr sz="1150" dirty="0">
-                <a:solidFill>
-                  <a:srgbClr val="1D1D1B"/>
-                </a:solidFill>
-                <a:latin typeface="IntelOne Display Regular"/>
-                <a:cs typeface="IntelOne Display Regular"/>
-              </a:rPr>
-              <a:t>tyle.</a:t>
-            </a:r>
-            <a:r>
-              <a:rPr sz="1150" spc="10" dirty="0">
-                <a:solidFill>
-                  <a:srgbClr val="1D1D1B"/>
-                </a:solidFill>
-                <a:latin typeface="IntelOne Display Regular"/>
-                <a:cs typeface="IntelOne Display Regular"/>
-              </a:rPr>
-              <a:t> </a:t>
-            </a:r>
-            <a:r>
-              <a:rPr sz="1150" dirty="0">
-                <a:solidFill>
-                  <a:srgbClr val="1D1D1B"/>
-                </a:solidFill>
-                <a:latin typeface="IntelOne Display Regular"/>
-                <a:cs typeface="IntelOne Display Regular"/>
-              </a:rPr>
-              <a:t>1500</a:t>
-            </a:r>
-            <a:r>
-              <a:rPr sz="1150" spc="10" dirty="0">
-                <a:solidFill>
-                  <a:srgbClr val="1D1D1B"/>
-                </a:solidFill>
-                <a:latin typeface="IntelOne Display Regular"/>
-                <a:cs typeface="IntelOne Display Regular"/>
-              </a:rPr>
-              <a:t> </a:t>
-            </a:r>
-            <a:r>
-              <a:rPr sz="1150" dirty="0">
-                <a:solidFill>
-                  <a:srgbClr val="1D1D1B"/>
-                </a:solidFill>
-                <a:latin typeface="IntelOne Display Regular"/>
-                <a:cs typeface="IntelOne Display Regular"/>
-              </a:rPr>
-              <a:t>znaków</a:t>
-            </a:r>
-            <a:r>
-              <a:rPr sz="1150" spc="10" dirty="0">
-                <a:solidFill>
-                  <a:srgbClr val="1D1D1B"/>
-                </a:solidFill>
-                <a:latin typeface="IntelOne Display Regular"/>
-                <a:cs typeface="IntelOne Display Regular"/>
-              </a:rPr>
-              <a:t> </a:t>
-            </a:r>
-            <a:r>
-              <a:rPr sz="1150" dirty="0">
-                <a:solidFill>
-                  <a:srgbClr val="1D1D1B"/>
-                </a:solidFill>
-                <a:latin typeface="IntelOne Display Regular"/>
-                <a:cs typeface="IntelOne Display Regular"/>
-              </a:rPr>
-              <a:t>to</a:t>
-            </a:r>
-            <a:r>
-              <a:rPr sz="1150" spc="10" dirty="0">
-                <a:solidFill>
-                  <a:srgbClr val="1D1D1B"/>
-                </a:solidFill>
-                <a:latin typeface="IntelOne Display Regular"/>
-                <a:cs typeface="IntelOne Display Regular"/>
-              </a:rPr>
-              <a:t> </a:t>
-            </a:r>
-            <a:r>
-              <a:rPr sz="1150" dirty="0">
-                <a:solidFill>
-                  <a:srgbClr val="1D1D1B"/>
-                </a:solidFill>
-                <a:latin typeface="IntelOne Display Regular"/>
-                <a:cs typeface="IntelOne Display Regular"/>
-              </a:rPr>
-              <a:t>jest</a:t>
-            </a:r>
-            <a:r>
-              <a:rPr sz="1150" spc="10" dirty="0">
-                <a:solidFill>
-                  <a:srgbClr val="1D1D1B"/>
-                </a:solidFill>
-                <a:latin typeface="IntelOne Display Regular"/>
-                <a:cs typeface="IntelOne Display Regular"/>
-              </a:rPr>
-              <a:t> </a:t>
-            </a:r>
-            <a:r>
-              <a:rPr sz="1150" dirty="0">
-                <a:solidFill>
-                  <a:srgbClr val="1D1D1B"/>
-                </a:solidFill>
-                <a:latin typeface="IntelOne Display Regular"/>
-                <a:cs typeface="IntelOne Display Regular"/>
-              </a:rPr>
-              <a:t>właśnie</a:t>
-            </a:r>
-            <a:r>
-              <a:rPr sz="1150" spc="10" dirty="0">
-                <a:solidFill>
-                  <a:srgbClr val="1D1D1B"/>
-                </a:solidFill>
-                <a:latin typeface="IntelOne Display Regular"/>
-                <a:cs typeface="IntelOne Display Regular"/>
-              </a:rPr>
-              <a:t> </a:t>
-            </a:r>
-            <a:r>
-              <a:rPr sz="1150" dirty="0">
-                <a:solidFill>
-                  <a:srgbClr val="1D1D1B"/>
-                </a:solidFill>
-                <a:latin typeface="IntelOne Display Regular"/>
-                <a:cs typeface="IntelOne Display Regular"/>
-              </a:rPr>
-              <a:t>tyle.</a:t>
-            </a:r>
-            <a:r>
-              <a:rPr sz="1150" spc="10" dirty="0">
-                <a:solidFill>
-                  <a:srgbClr val="1D1D1B"/>
-                </a:solidFill>
-                <a:latin typeface="IntelOne Display Regular"/>
-                <a:cs typeface="IntelOne Display Regular"/>
-              </a:rPr>
-              <a:t> </a:t>
-            </a:r>
-            <a:r>
-              <a:rPr sz="1150" spc="-20" dirty="0">
-                <a:solidFill>
-                  <a:srgbClr val="1D1D1B"/>
-                </a:solidFill>
-                <a:latin typeface="IntelOne Display Regular"/>
-                <a:cs typeface="IntelOne Display Regular"/>
-              </a:rPr>
-              <a:t>1500</a:t>
-            </a:r>
-            <a:r>
-              <a:rPr sz="1150" spc="500" dirty="0">
-                <a:solidFill>
-                  <a:srgbClr val="1D1D1B"/>
-                </a:solidFill>
-                <a:latin typeface="IntelOne Display Regular"/>
-                <a:cs typeface="IntelOne Display Regular"/>
-              </a:rPr>
-              <a:t> </a:t>
-            </a:r>
-            <a:r>
-              <a:rPr sz="1150" dirty="0">
-                <a:solidFill>
-                  <a:srgbClr val="1D1D1B"/>
-                </a:solidFill>
-                <a:latin typeface="IntelOne Display Regular"/>
-                <a:cs typeface="IntelOne Display Regular"/>
-              </a:rPr>
-              <a:t>znaków to</a:t>
-            </a:r>
-            <a:r>
-              <a:rPr sz="1150" spc="5" dirty="0">
-                <a:solidFill>
-                  <a:srgbClr val="1D1D1B"/>
-                </a:solidFill>
-                <a:latin typeface="IntelOne Display Regular"/>
-                <a:cs typeface="IntelOne Display Regular"/>
-              </a:rPr>
-              <a:t> </a:t>
-            </a:r>
-            <a:r>
-              <a:rPr sz="1150" dirty="0">
-                <a:solidFill>
-                  <a:srgbClr val="1D1D1B"/>
-                </a:solidFill>
-                <a:latin typeface="IntelOne Display Regular"/>
-                <a:cs typeface="IntelOne Display Regular"/>
-              </a:rPr>
-              <a:t>jest</a:t>
-            </a:r>
-            <a:r>
-              <a:rPr sz="1150" spc="5" dirty="0">
-                <a:solidFill>
-                  <a:srgbClr val="1D1D1B"/>
-                </a:solidFill>
-                <a:latin typeface="IntelOne Display Regular"/>
-                <a:cs typeface="IntelOne Display Regular"/>
-              </a:rPr>
-              <a:t> </a:t>
-            </a:r>
-            <a:r>
-              <a:rPr sz="1150" dirty="0">
-                <a:solidFill>
-                  <a:srgbClr val="1D1D1B"/>
-                </a:solidFill>
-                <a:latin typeface="IntelOne Display Regular"/>
-                <a:cs typeface="IntelOne Display Regular"/>
-              </a:rPr>
-              <a:t>właśnie</a:t>
-            </a:r>
-            <a:r>
-              <a:rPr sz="1150" spc="5" dirty="0">
-                <a:solidFill>
-                  <a:srgbClr val="1D1D1B"/>
-                </a:solidFill>
-                <a:latin typeface="IntelOne Display Regular"/>
-                <a:cs typeface="IntelOne Display Regular"/>
-              </a:rPr>
-              <a:t> </a:t>
-            </a:r>
-            <a:r>
-              <a:rPr sz="1150" dirty="0">
-                <a:solidFill>
-                  <a:srgbClr val="1D1D1B"/>
-                </a:solidFill>
-                <a:latin typeface="IntelOne Display Regular"/>
-                <a:cs typeface="IntelOne Display Regular"/>
-              </a:rPr>
-              <a:t>tyle.</a:t>
-            </a:r>
-            <a:r>
-              <a:rPr sz="1150" spc="5" dirty="0">
-                <a:solidFill>
-                  <a:srgbClr val="1D1D1B"/>
-                </a:solidFill>
-                <a:latin typeface="IntelOne Display Regular"/>
-                <a:cs typeface="IntelOne Display Regular"/>
-              </a:rPr>
-              <a:t> </a:t>
-            </a:r>
-            <a:r>
-              <a:rPr sz="1150" dirty="0">
-                <a:solidFill>
-                  <a:srgbClr val="1D1D1B"/>
-                </a:solidFill>
-                <a:latin typeface="IntelOne Display Regular"/>
-                <a:cs typeface="IntelOne Display Regular"/>
-              </a:rPr>
-              <a:t>1500</a:t>
-            </a:r>
-            <a:r>
-              <a:rPr sz="1150" spc="5" dirty="0">
-                <a:solidFill>
-                  <a:srgbClr val="1D1D1B"/>
-                </a:solidFill>
-                <a:latin typeface="IntelOne Display Regular"/>
-                <a:cs typeface="IntelOne Display Regular"/>
-              </a:rPr>
-              <a:t> </a:t>
-            </a:r>
-            <a:r>
-              <a:rPr sz="1150" dirty="0">
-                <a:solidFill>
-                  <a:srgbClr val="1D1D1B"/>
-                </a:solidFill>
-                <a:latin typeface="IntelOne Display Regular"/>
-                <a:cs typeface="IntelOne Display Regular"/>
-              </a:rPr>
-              <a:t>znaków</a:t>
-            </a:r>
-            <a:r>
-              <a:rPr sz="1150" spc="5" dirty="0">
-                <a:solidFill>
-                  <a:srgbClr val="1D1D1B"/>
-                </a:solidFill>
-                <a:latin typeface="IntelOne Display Regular"/>
-                <a:cs typeface="IntelOne Display Regular"/>
-              </a:rPr>
-              <a:t> </a:t>
-            </a:r>
-            <a:r>
-              <a:rPr sz="1150" dirty="0">
-                <a:solidFill>
-                  <a:srgbClr val="1D1D1B"/>
-                </a:solidFill>
-                <a:latin typeface="IntelOne Display Regular"/>
-                <a:cs typeface="IntelOne Display Regular"/>
-              </a:rPr>
-              <a:t>to</a:t>
-            </a:r>
-            <a:r>
-              <a:rPr sz="1150" spc="5" dirty="0">
-                <a:solidFill>
-                  <a:srgbClr val="1D1D1B"/>
-                </a:solidFill>
-                <a:latin typeface="IntelOne Display Regular"/>
-                <a:cs typeface="IntelOne Display Regular"/>
-              </a:rPr>
-              <a:t> </a:t>
-            </a:r>
-            <a:r>
-              <a:rPr sz="1150" dirty="0">
-                <a:solidFill>
-                  <a:srgbClr val="1D1D1B"/>
-                </a:solidFill>
-                <a:latin typeface="IntelOne Display Regular"/>
-                <a:cs typeface="IntelOne Display Regular"/>
-              </a:rPr>
-              <a:t>jest</a:t>
-            </a:r>
-            <a:r>
-              <a:rPr sz="1150" spc="5" dirty="0">
-                <a:solidFill>
-                  <a:srgbClr val="1D1D1B"/>
-                </a:solidFill>
-                <a:latin typeface="IntelOne Display Regular"/>
-                <a:cs typeface="IntelOne Display Regular"/>
-              </a:rPr>
-              <a:t> </a:t>
-            </a:r>
-            <a:r>
-              <a:rPr sz="1150" dirty="0">
-                <a:solidFill>
-                  <a:srgbClr val="1D1D1B"/>
-                </a:solidFill>
-                <a:latin typeface="IntelOne Display Regular"/>
-                <a:cs typeface="IntelOne Display Regular"/>
-              </a:rPr>
-              <a:t>właśnie</a:t>
-            </a:r>
-            <a:r>
-              <a:rPr sz="1150" spc="5" dirty="0">
-                <a:solidFill>
-                  <a:srgbClr val="1D1D1B"/>
-                </a:solidFill>
-                <a:latin typeface="IntelOne Display Regular"/>
-                <a:cs typeface="IntelOne Display Regular"/>
-              </a:rPr>
-              <a:t> </a:t>
-            </a:r>
-            <a:r>
-              <a:rPr sz="1150" dirty="0">
-                <a:solidFill>
-                  <a:srgbClr val="1D1D1B"/>
-                </a:solidFill>
-                <a:latin typeface="IntelOne Display Regular"/>
-                <a:cs typeface="IntelOne Display Regular"/>
-              </a:rPr>
-              <a:t>tyle.</a:t>
-            </a:r>
-            <a:r>
-              <a:rPr sz="1150" spc="5" dirty="0">
-                <a:solidFill>
-                  <a:srgbClr val="1D1D1B"/>
-                </a:solidFill>
-                <a:latin typeface="IntelOne Display Regular"/>
-                <a:cs typeface="IntelOne Display Regular"/>
-              </a:rPr>
-              <a:t> </a:t>
-            </a:r>
-            <a:r>
-              <a:rPr sz="1150" dirty="0">
-                <a:solidFill>
-                  <a:srgbClr val="1D1D1B"/>
-                </a:solidFill>
-                <a:latin typeface="IntelOne Display Regular"/>
-                <a:cs typeface="IntelOne Display Regular"/>
-              </a:rPr>
-              <a:t>1500</a:t>
-            </a:r>
-            <a:r>
-              <a:rPr sz="1150" spc="5" dirty="0">
-                <a:solidFill>
-                  <a:srgbClr val="1D1D1B"/>
-                </a:solidFill>
-                <a:latin typeface="IntelOne Display Regular"/>
-                <a:cs typeface="IntelOne Display Regular"/>
-              </a:rPr>
-              <a:t> </a:t>
-            </a:r>
-            <a:r>
-              <a:rPr sz="1150" dirty="0">
-                <a:solidFill>
-                  <a:srgbClr val="1D1D1B"/>
-                </a:solidFill>
-                <a:latin typeface="IntelOne Display Regular"/>
-                <a:cs typeface="IntelOne Display Regular"/>
-              </a:rPr>
-              <a:t>znaków</a:t>
-            </a:r>
-            <a:r>
-              <a:rPr sz="1150" spc="5" dirty="0">
-                <a:solidFill>
-                  <a:srgbClr val="1D1D1B"/>
-                </a:solidFill>
-                <a:latin typeface="IntelOne Display Regular"/>
-                <a:cs typeface="IntelOne Display Regular"/>
-              </a:rPr>
-              <a:t> </a:t>
-            </a:r>
-            <a:r>
-              <a:rPr sz="1150" dirty="0">
-                <a:solidFill>
-                  <a:srgbClr val="1D1D1B"/>
-                </a:solidFill>
-                <a:latin typeface="IntelOne Display Regular"/>
-                <a:cs typeface="IntelOne Display Regular"/>
-              </a:rPr>
-              <a:t>to</a:t>
-            </a:r>
-            <a:r>
-              <a:rPr sz="1150" spc="5" dirty="0">
-                <a:solidFill>
-                  <a:srgbClr val="1D1D1B"/>
-                </a:solidFill>
-                <a:latin typeface="IntelOne Display Regular"/>
-                <a:cs typeface="IntelOne Display Regular"/>
-              </a:rPr>
-              <a:t> </a:t>
-            </a:r>
-            <a:r>
-              <a:rPr sz="1150" dirty="0">
-                <a:solidFill>
-                  <a:srgbClr val="1D1D1B"/>
-                </a:solidFill>
-                <a:latin typeface="IntelOne Display Regular"/>
-                <a:cs typeface="IntelOne Display Regular"/>
-              </a:rPr>
-              <a:t>jest</a:t>
-            </a:r>
-            <a:r>
-              <a:rPr sz="1150" spc="5" dirty="0">
-                <a:solidFill>
-                  <a:srgbClr val="1D1D1B"/>
-                </a:solidFill>
-                <a:latin typeface="IntelOne Display Regular"/>
-                <a:cs typeface="IntelOne Display Regular"/>
-              </a:rPr>
-              <a:t> </a:t>
-            </a:r>
-            <a:r>
-              <a:rPr sz="1150" spc="-10" dirty="0">
-                <a:solidFill>
-                  <a:srgbClr val="1D1D1B"/>
-                </a:solidFill>
-                <a:latin typeface="IntelOne Display Regular"/>
-                <a:cs typeface="IntelOne Display Regular"/>
-              </a:rPr>
-              <a:t>właśnie </a:t>
-            </a:r>
-            <a:r>
-              <a:rPr sz="1150" dirty="0">
-                <a:solidFill>
-                  <a:srgbClr val="1D1D1B"/>
-                </a:solidFill>
-                <a:latin typeface="IntelOne Display Regular"/>
-                <a:cs typeface="IntelOne Display Regular"/>
-              </a:rPr>
-              <a:t>tyle.</a:t>
-            </a:r>
-            <a:r>
-              <a:rPr sz="1150" spc="5" dirty="0">
-                <a:solidFill>
-                  <a:srgbClr val="1D1D1B"/>
-                </a:solidFill>
-                <a:latin typeface="IntelOne Display Regular"/>
-                <a:cs typeface="IntelOne Display Regular"/>
-              </a:rPr>
-              <a:t> </a:t>
-            </a:r>
-            <a:r>
-              <a:rPr sz="1150" dirty="0">
-                <a:solidFill>
-                  <a:srgbClr val="1D1D1B"/>
-                </a:solidFill>
-                <a:latin typeface="IntelOne Display Regular"/>
-                <a:cs typeface="IntelOne Display Regular"/>
-              </a:rPr>
-              <a:t>1500</a:t>
-            </a:r>
-            <a:r>
-              <a:rPr sz="1150" spc="5" dirty="0">
-                <a:solidFill>
-                  <a:srgbClr val="1D1D1B"/>
-                </a:solidFill>
-                <a:latin typeface="IntelOne Display Regular"/>
-                <a:cs typeface="IntelOne Display Regular"/>
-              </a:rPr>
-              <a:t> </a:t>
-            </a:r>
-            <a:r>
-              <a:rPr sz="1150" dirty="0">
-                <a:solidFill>
-                  <a:srgbClr val="1D1D1B"/>
-                </a:solidFill>
-                <a:latin typeface="IntelOne Display Regular"/>
-                <a:cs typeface="IntelOne Display Regular"/>
-              </a:rPr>
-              <a:t>znaków</a:t>
-            </a:r>
-            <a:r>
-              <a:rPr sz="1150" spc="10" dirty="0">
-                <a:solidFill>
-                  <a:srgbClr val="1D1D1B"/>
-                </a:solidFill>
-                <a:latin typeface="IntelOne Display Regular"/>
-                <a:cs typeface="IntelOne Display Regular"/>
-              </a:rPr>
-              <a:t> </a:t>
-            </a:r>
-            <a:r>
-              <a:rPr sz="1150" dirty="0">
-                <a:solidFill>
-                  <a:srgbClr val="1D1D1B"/>
-                </a:solidFill>
-                <a:latin typeface="IntelOne Display Regular"/>
-                <a:cs typeface="IntelOne Display Regular"/>
-              </a:rPr>
-              <a:t>to</a:t>
-            </a:r>
-            <a:r>
-              <a:rPr sz="1150" spc="5" dirty="0">
-                <a:solidFill>
-                  <a:srgbClr val="1D1D1B"/>
-                </a:solidFill>
-                <a:latin typeface="IntelOne Display Regular"/>
-                <a:cs typeface="IntelOne Display Regular"/>
-              </a:rPr>
-              <a:t> </a:t>
-            </a:r>
-            <a:r>
-              <a:rPr sz="1150" dirty="0">
-                <a:solidFill>
-                  <a:srgbClr val="1D1D1B"/>
-                </a:solidFill>
-                <a:latin typeface="IntelOne Display Regular"/>
-                <a:cs typeface="IntelOne Display Regular"/>
-              </a:rPr>
-              <a:t>jest</a:t>
-            </a:r>
-            <a:r>
-              <a:rPr sz="1150" spc="5" dirty="0">
-                <a:solidFill>
-                  <a:srgbClr val="1D1D1B"/>
-                </a:solidFill>
-                <a:latin typeface="IntelOne Display Regular"/>
-                <a:cs typeface="IntelOne Display Regular"/>
-              </a:rPr>
-              <a:t> </a:t>
-            </a:r>
-            <a:r>
-              <a:rPr sz="1150" dirty="0">
-                <a:solidFill>
-                  <a:srgbClr val="1D1D1B"/>
-                </a:solidFill>
-                <a:latin typeface="IntelOne Display Regular"/>
-                <a:cs typeface="IntelOne Display Regular"/>
-              </a:rPr>
-              <a:t>właśnie</a:t>
-            </a:r>
-            <a:r>
-              <a:rPr sz="1150" spc="10" dirty="0">
-                <a:solidFill>
-                  <a:srgbClr val="1D1D1B"/>
-                </a:solidFill>
-                <a:latin typeface="IntelOne Display Regular"/>
-                <a:cs typeface="IntelOne Display Regular"/>
-              </a:rPr>
-              <a:t> </a:t>
-            </a:r>
-            <a:r>
-              <a:rPr sz="1150" dirty="0">
-                <a:solidFill>
-                  <a:srgbClr val="1D1D1B"/>
-                </a:solidFill>
-                <a:latin typeface="IntelOne Display Regular"/>
-                <a:cs typeface="IntelOne Display Regular"/>
-              </a:rPr>
-              <a:t>tyle.</a:t>
-            </a:r>
-            <a:r>
-              <a:rPr sz="1150" spc="5" dirty="0">
-                <a:solidFill>
-                  <a:srgbClr val="1D1D1B"/>
-                </a:solidFill>
-                <a:latin typeface="IntelOne Display Regular"/>
-                <a:cs typeface="IntelOne Display Regular"/>
-              </a:rPr>
-              <a:t> </a:t>
-            </a:r>
-            <a:r>
-              <a:rPr sz="1150" dirty="0">
-                <a:solidFill>
-                  <a:srgbClr val="1D1D1B"/>
-                </a:solidFill>
-                <a:latin typeface="IntelOne Display Regular"/>
-                <a:cs typeface="IntelOne Display Regular"/>
-              </a:rPr>
-              <a:t>1500</a:t>
-            </a:r>
-            <a:r>
-              <a:rPr sz="1150" spc="5" dirty="0">
-                <a:solidFill>
-                  <a:srgbClr val="1D1D1B"/>
-                </a:solidFill>
-                <a:latin typeface="IntelOne Display Regular"/>
-                <a:cs typeface="IntelOne Display Regular"/>
-              </a:rPr>
-              <a:t> </a:t>
-            </a:r>
-            <a:r>
-              <a:rPr sz="1150" dirty="0">
-                <a:solidFill>
-                  <a:srgbClr val="1D1D1B"/>
-                </a:solidFill>
-                <a:latin typeface="IntelOne Display Regular"/>
-                <a:cs typeface="IntelOne Display Regular"/>
-              </a:rPr>
-              <a:t>znaków</a:t>
-            </a:r>
-            <a:r>
-              <a:rPr sz="1150" spc="10" dirty="0">
-                <a:solidFill>
-                  <a:srgbClr val="1D1D1B"/>
-                </a:solidFill>
-                <a:latin typeface="IntelOne Display Regular"/>
-                <a:cs typeface="IntelOne Display Regular"/>
-              </a:rPr>
-              <a:t> </a:t>
-            </a:r>
-            <a:r>
-              <a:rPr sz="1150" dirty="0">
-                <a:solidFill>
-                  <a:srgbClr val="1D1D1B"/>
-                </a:solidFill>
-                <a:latin typeface="IntelOne Display Regular"/>
-                <a:cs typeface="IntelOne Display Regular"/>
-              </a:rPr>
-              <a:t>to</a:t>
-            </a:r>
-            <a:r>
-              <a:rPr sz="1150" spc="5" dirty="0">
-                <a:solidFill>
-                  <a:srgbClr val="1D1D1B"/>
-                </a:solidFill>
-                <a:latin typeface="IntelOne Display Regular"/>
-                <a:cs typeface="IntelOne Display Regular"/>
-              </a:rPr>
-              <a:t> </a:t>
-            </a:r>
-            <a:r>
-              <a:rPr sz="1150" dirty="0">
-                <a:solidFill>
-                  <a:srgbClr val="1D1D1B"/>
-                </a:solidFill>
-                <a:latin typeface="IntelOne Display Regular"/>
-                <a:cs typeface="IntelOne Display Regular"/>
-              </a:rPr>
-              <a:t>jest</a:t>
-            </a:r>
-            <a:r>
-              <a:rPr sz="1150" spc="10" dirty="0">
-                <a:solidFill>
-                  <a:srgbClr val="1D1D1B"/>
-                </a:solidFill>
-                <a:latin typeface="IntelOne Display Regular"/>
-                <a:cs typeface="IntelOne Display Regular"/>
-              </a:rPr>
-              <a:t> </a:t>
-            </a:r>
-            <a:r>
-              <a:rPr sz="1150" dirty="0">
-                <a:solidFill>
-                  <a:srgbClr val="1D1D1B"/>
-                </a:solidFill>
-                <a:latin typeface="IntelOne Display Regular"/>
-                <a:cs typeface="IntelOne Display Regular"/>
-              </a:rPr>
-              <a:t>właśnie</a:t>
-            </a:r>
-            <a:r>
-              <a:rPr sz="1150" spc="5" dirty="0">
-                <a:solidFill>
-                  <a:srgbClr val="1D1D1B"/>
-                </a:solidFill>
-                <a:latin typeface="IntelOne Display Regular"/>
-                <a:cs typeface="IntelOne Display Regular"/>
-              </a:rPr>
-              <a:t> </a:t>
-            </a:r>
-            <a:r>
-              <a:rPr sz="1150" dirty="0">
-                <a:solidFill>
-                  <a:srgbClr val="1D1D1B"/>
-                </a:solidFill>
-                <a:latin typeface="IntelOne Display Regular"/>
-                <a:cs typeface="IntelOne Display Regular"/>
-              </a:rPr>
-              <a:t>tyle.</a:t>
-            </a:r>
-            <a:r>
-              <a:rPr sz="1150" spc="5" dirty="0">
-                <a:solidFill>
-                  <a:srgbClr val="1D1D1B"/>
-                </a:solidFill>
-                <a:latin typeface="IntelOne Display Regular"/>
-                <a:cs typeface="IntelOne Display Regular"/>
-              </a:rPr>
-              <a:t> </a:t>
-            </a:r>
-            <a:r>
-              <a:rPr sz="1150" dirty="0">
-                <a:solidFill>
-                  <a:srgbClr val="1D1D1B"/>
-                </a:solidFill>
-                <a:latin typeface="IntelOne Display Regular"/>
-                <a:cs typeface="IntelOne Display Regular"/>
-              </a:rPr>
-              <a:t>1500</a:t>
-            </a:r>
-            <a:r>
-              <a:rPr sz="1150" spc="10" dirty="0">
-                <a:solidFill>
-                  <a:srgbClr val="1D1D1B"/>
-                </a:solidFill>
-                <a:latin typeface="IntelOne Display Regular"/>
-                <a:cs typeface="IntelOne Display Regular"/>
-              </a:rPr>
-              <a:t> </a:t>
-            </a:r>
-            <a:r>
-              <a:rPr sz="1150" dirty="0">
-                <a:solidFill>
-                  <a:srgbClr val="1D1D1B"/>
-                </a:solidFill>
-                <a:latin typeface="IntelOne Display Regular"/>
-                <a:cs typeface="IntelOne Display Regular"/>
-              </a:rPr>
-              <a:t>znaków</a:t>
-            </a:r>
-            <a:r>
-              <a:rPr sz="1150" spc="5" dirty="0">
-                <a:solidFill>
-                  <a:srgbClr val="1D1D1B"/>
-                </a:solidFill>
-                <a:latin typeface="IntelOne Display Regular"/>
-                <a:cs typeface="IntelOne Display Regular"/>
-              </a:rPr>
-              <a:t> </a:t>
-            </a:r>
-            <a:r>
-              <a:rPr sz="1150" dirty="0">
-                <a:solidFill>
-                  <a:srgbClr val="1D1D1B"/>
-                </a:solidFill>
-                <a:latin typeface="IntelOne Display Regular"/>
-                <a:cs typeface="IntelOne Display Regular"/>
-              </a:rPr>
-              <a:t>to</a:t>
-            </a:r>
-            <a:r>
-              <a:rPr sz="1150" spc="5" dirty="0">
-                <a:solidFill>
-                  <a:srgbClr val="1D1D1B"/>
-                </a:solidFill>
-                <a:latin typeface="IntelOne Display Regular"/>
-                <a:cs typeface="IntelOne Display Regular"/>
-              </a:rPr>
-              <a:t> </a:t>
-            </a:r>
-            <a:r>
-              <a:rPr sz="1150" spc="-20" dirty="0">
-                <a:solidFill>
-                  <a:srgbClr val="1D1D1B"/>
-                </a:solidFill>
-                <a:latin typeface="IntelOne Display Regular"/>
-                <a:cs typeface="IntelOne Display Regular"/>
-              </a:rPr>
-              <a:t>jest</a:t>
-            </a:r>
-            <a:r>
-              <a:rPr sz="1150" dirty="0">
-                <a:solidFill>
-                  <a:srgbClr val="1D1D1B"/>
-                </a:solidFill>
-                <a:latin typeface="IntelOne Display Regular"/>
-                <a:cs typeface="IntelOne Display Regular"/>
-              </a:rPr>
-              <a:t> właśnie</a:t>
-            </a:r>
-            <a:r>
-              <a:rPr sz="1150" spc="10" dirty="0">
-                <a:solidFill>
-                  <a:srgbClr val="1D1D1B"/>
-                </a:solidFill>
-                <a:latin typeface="IntelOne Display Regular"/>
-                <a:cs typeface="IntelOne Display Regular"/>
-              </a:rPr>
-              <a:t> </a:t>
-            </a:r>
-            <a:r>
-              <a:rPr sz="1150" dirty="0">
-                <a:solidFill>
-                  <a:srgbClr val="1D1D1B"/>
-                </a:solidFill>
-                <a:latin typeface="IntelOne Display Regular"/>
-                <a:cs typeface="IntelOne Display Regular"/>
-              </a:rPr>
-              <a:t>tyle.</a:t>
-            </a:r>
-            <a:r>
-              <a:rPr sz="1150" spc="10" dirty="0">
-                <a:solidFill>
-                  <a:srgbClr val="1D1D1B"/>
-                </a:solidFill>
-                <a:latin typeface="IntelOne Display Regular"/>
-                <a:cs typeface="IntelOne Display Regular"/>
-              </a:rPr>
-              <a:t> </a:t>
-            </a:r>
-            <a:r>
-              <a:rPr sz="1150" dirty="0">
-                <a:solidFill>
-                  <a:srgbClr val="1D1D1B"/>
-                </a:solidFill>
-                <a:latin typeface="IntelOne Display Regular"/>
-                <a:cs typeface="IntelOne Display Regular"/>
-              </a:rPr>
-              <a:t>1500</a:t>
-            </a:r>
-            <a:r>
-              <a:rPr sz="1150" spc="10" dirty="0">
-                <a:solidFill>
-                  <a:srgbClr val="1D1D1B"/>
-                </a:solidFill>
-                <a:latin typeface="IntelOne Display Regular"/>
-                <a:cs typeface="IntelOne Display Regular"/>
-              </a:rPr>
-              <a:t> </a:t>
-            </a:r>
-            <a:r>
-              <a:rPr sz="1150" dirty="0">
-                <a:solidFill>
-                  <a:srgbClr val="1D1D1B"/>
-                </a:solidFill>
-                <a:latin typeface="IntelOne Display Regular"/>
-                <a:cs typeface="IntelOne Display Regular"/>
-              </a:rPr>
-              <a:t>znaków</a:t>
-            </a:r>
-            <a:r>
-              <a:rPr sz="1150" spc="10" dirty="0">
-                <a:solidFill>
-                  <a:srgbClr val="1D1D1B"/>
-                </a:solidFill>
-                <a:latin typeface="IntelOne Display Regular"/>
-                <a:cs typeface="IntelOne Display Regular"/>
-              </a:rPr>
-              <a:t> </a:t>
-            </a:r>
-            <a:r>
-              <a:rPr sz="1150" dirty="0">
-                <a:solidFill>
-                  <a:srgbClr val="1D1D1B"/>
-                </a:solidFill>
-                <a:latin typeface="IntelOne Display Regular"/>
-                <a:cs typeface="IntelOne Display Regular"/>
-              </a:rPr>
-              <a:t>to</a:t>
-            </a:r>
-            <a:r>
-              <a:rPr sz="1150" spc="10" dirty="0">
-                <a:solidFill>
-                  <a:srgbClr val="1D1D1B"/>
-                </a:solidFill>
-                <a:latin typeface="IntelOne Display Regular"/>
-                <a:cs typeface="IntelOne Display Regular"/>
-              </a:rPr>
-              <a:t> </a:t>
-            </a:r>
-            <a:r>
-              <a:rPr sz="1150" dirty="0">
-                <a:solidFill>
-                  <a:srgbClr val="1D1D1B"/>
-                </a:solidFill>
-                <a:latin typeface="IntelOne Display Regular"/>
-                <a:cs typeface="IntelOne Display Regular"/>
-              </a:rPr>
-              <a:t>jest</a:t>
-            </a:r>
-            <a:r>
-              <a:rPr sz="1150" spc="10" dirty="0">
-                <a:solidFill>
-                  <a:srgbClr val="1D1D1B"/>
-                </a:solidFill>
-                <a:latin typeface="IntelOne Display Regular"/>
-                <a:cs typeface="IntelOne Display Regular"/>
-              </a:rPr>
-              <a:t> </a:t>
-            </a:r>
-            <a:r>
-              <a:rPr sz="1150" dirty="0">
-                <a:solidFill>
-                  <a:srgbClr val="1D1D1B"/>
-                </a:solidFill>
-                <a:latin typeface="IntelOne Display Regular"/>
-                <a:cs typeface="IntelOne Display Regular"/>
-              </a:rPr>
-              <a:t>właśnie</a:t>
-            </a:r>
-            <a:r>
-              <a:rPr sz="1150" spc="10" dirty="0">
-                <a:solidFill>
-                  <a:srgbClr val="1D1D1B"/>
-                </a:solidFill>
-                <a:latin typeface="IntelOne Display Regular"/>
-                <a:cs typeface="IntelOne Display Regular"/>
-              </a:rPr>
-              <a:t> </a:t>
-            </a:r>
-            <a:r>
-              <a:rPr sz="1150" dirty="0">
-                <a:solidFill>
-                  <a:srgbClr val="1D1D1B"/>
-                </a:solidFill>
-                <a:latin typeface="IntelOne Display Regular"/>
-                <a:cs typeface="IntelOne Display Regular"/>
-              </a:rPr>
-              <a:t>tyle.</a:t>
-            </a:r>
-            <a:r>
-              <a:rPr sz="1150" spc="10" dirty="0">
-                <a:solidFill>
-                  <a:srgbClr val="1D1D1B"/>
-                </a:solidFill>
-                <a:latin typeface="IntelOne Display Regular"/>
-                <a:cs typeface="IntelOne Display Regular"/>
-              </a:rPr>
-              <a:t> </a:t>
-            </a:r>
-            <a:r>
-              <a:rPr sz="1150" dirty="0">
-                <a:solidFill>
-                  <a:srgbClr val="1D1D1B"/>
-                </a:solidFill>
-                <a:latin typeface="IntelOne Display Regular"/>
-                <a:cs typeface="IntelOne Display Regular"/>
-              </a:rPr>
-              <a:t>1500</a:t>
-            </a:r>
-            <a:r>
-              <a:rPr sz="1150" spc="10" dirty="0">
-                <a:solidFill>
-                  <a:srgbClr val="1D1D1B"/>
-                </a:solidFill>
-                <a:latin typeface="IntelOne Display Regular"/>
-                <a:cs typeface="IntelOne Display Regular"/>
-              </a:rPr>
-              <a:t> </a:t>
-            </a:r>
-            <a:r>
-              <a:rPr sz="1150" dirty="0">
-                <a:solidFill>
-                  <a:srgbClr val="1D1D1B"/>
-                </a:solidFill>
-                <a:latin typeface="IntelOne Display Regular"/>
-                <a:cs typeface="IntelOne Display Regular"/>
-              </a:rPr>
-              <a:t>znaków</a:t>
-            </a:r>
-            <a:r>
-              <a:rPr sz="1150" spc="10" dirty="0">
-                <a:solidFill>
-                  <a:srgbClr val="1D1D1B"/>
-                </a:solidFill>
-                <a:latin typeface="IntelOne Display Regular"/>
-                <a:cs typeface="IntelOne Display Regular"/>
-              </a:rPr>
-              <a:t> </a:t>
-            </a:r>
-            <a:r>
-              <a:rPr sz="1150" dirty="0">
-                <a:solidFill>
-                  <a:srgbClr val="1D1D1B"/>
-                </a:solidFill>
-                <a:latin typeface="IntelOne Display Regular"/>
-                <a:cs typeface="IntelOne Display Regular"/>
-              </a:rPr>
-              <a:t>to</a:t>
-            </a:r>
-            <a:r>
-              <a:rPr sz="1150" spc="10" dirty="0">
-                <a:solidFill>
-                  <a:srgbClr val="1D1D1B"/>
-                </a:solidFill>
-                <a:latin typeface="IntelOne Display Regular"/>
-                <a:cs typeface="IntelOne Display Regular"/>
-              </a:rPr>
-              <a:t> </a:t>
-            </a:r>
-            <a:r>
-              <a:rPr sz="1150" dirty="0">
-                <a:solidFill>
-                  <a:srgbClr val="1D1D1B"/>
-                </a:solidFill>
-                <a:latin typeface="IntelOne Display Regular"/>
-                <a:cs typeface="IntelOne Display Regular"/>
-              </a:rPr>
-              <a:t>jest</a:t>
-            </a:r>
-            <a:r>
-              <a:rPr sz="1150" spc="10" dirty="0">
-                <a:solidFill>
-                  <a:srgbClr val="1D1D1B"/>
-                </a:solidFill>
-                <a:latin typeface="IntelOne Display Regular"/>
-                <a:cs typeface="IntelOne Display Regular"/>
-              </a:rPr>
-              <a:t> </a:t>
-            </a:r>
-            <a:r>
-              <a:rPr sz="1150" dirty="0">
-                <a:solidFill>
-                  <a:srgbClr val="1D1D1B"/>
-                </a:solidFill>
-                <a:latin typeface="IntelOne Display Regular"/>
-                <a:cs typeface="IntelOne Display Regular"/>
-              </a:rPr>
-              <a:t>właśnie</a:t>
-            </a:r>
-            <a:r>
-              <a:rPr sz="1150" spc="10" dirty="0">
-                <a:solidFill>
-                  <a:srgbClr val="1D1D1B"/>
-                </a:solidFill>
-                <a:latin typeface="IntelOne Display Regular"/>
-                <a:cs typeface="IntelOne Display Regular"/>
-              </a:rPr>
-              <a:t> </a:t>
-            </a:r>
-            <a:r>
-              <a:rPr sz="1150" dirty="0">
-                <a:solidFill>
-                  <a:srgbClr val="1D1D1B"/>
-                </a:solidFill>
-                <a:latin typeface="IntelOne Display Regular"/>
-                <a:cs typeface="IntelOne Display Regular"/>
-              </a:rPr>
-              <a:t>tyle.</a:t>
-            </a:r>
-            <a:r>
-              <a:rPr sz="1150" spc="10" dirty="0">
-                <a:solidFill>
-                  <a:srgbClr val="1D1D1B"/>
-                </a:solidFill>
-                <a:latin typeface="IntelOne Display Regular"/>
-                <a:cs typeface="IntelOne Display Regular"/>
-              </a:rPr>
-              <a:t> </a:t>
-            </a:r>
-            <a:r>
-              <a:rPr sz="1150" spc="-20" dirty="0">
-                <a:solidFill>
-                  <a:srgbClr val="1D1D1B"/>
-                </a:solidFill>
-                <a:latin typeface="IntelOne Display Regular"/>
-                <a:cs typeface="IntelOne Display Regular"/>
-              </a:rPr>
-              <a:t>1500</a:t>
-            </a:r>
-            <a:r>
-              <a:rPr sz="1150" spc="500" dirty="0">
-                <a:solidFill>
-                  <a:srgbClr val="1D1D1B"/>
-                </a:solidFill>
-                <a:latin typeface="IntelOne Display Regular"/>
-                <a:cs typeface="IntelOne Display Regular"/>
-              </a:rPr>
-              <a:t> </a:t>
-            </a:r>
-            <a:r>
-              <a:rPr sz="1150" dirty="0">
-                <a:solidFill>
-                  <a:srgbClr val="1D1D1B"/>
-                </a:solidFill>
-                <a:latin typeface="IntelOne Display Regular"/>
-                <a:cs typeface="IntelOne Display Regular"/>
-              </a:rPr>
-              <a:t>znaków to</a:t>
-            </a:r>
-            <a:r>
-              <a:rPr sz="1150" spc="5" dirty="0">
-                <a:solidFill>
-                  <a:srgbClr val="1D1D1B"/>
-                </a:solidFill>
-                <a:latin typeface="IntelOne Display Regular"/>
-                <a:cs typeface="IntelOne Display Regular"/>
-              </a:rPr>
-              <a:t> </a:t>
-            </a:r>
-            <a:r>
-              <a:rPr sz="1150" dirty="0">
-                <a:solidFill>
-                  <a:srgbClr val="1D1D1B"/>
-                </a:solidFill>
-                <a:latin typeface="IntelOne Display Regular"/>
-                <a:cs typeface="IntelOne Display Regular"/>
-              </a:rPr>
-              <a:t>jest</a:t>
-            </a:r>
-            <a:r>
-              <a:rPr sz="1150" spc="5" dirty="0">
-                <a:solidFill>
-                  <a:srgbClr val="1D1D1B"/>
-                </a:solidFill>
-                <a:latin typeface="IntelOne Display Regular"/>
-                <a:cs typeface="IntelOne Display Regular"/>
-              </a:rPr>
-              <a:t> </a:t>
-            </a:r>
-            <a:r>
-              <a:rPr sz="1150" dirty="0">
-                <a:solidFill>
-                  <a:srgbClr val="1D1D1B"/>
-                </a:solidFill>
-                <a:latin typeface="IntelOne Display Regular"/>
-                <a:cs typeface="IntelOne Display Regular"/>
-              </a:rPr>
-              <a:t>właśnie</a:t>
-            </a:r>
-            <a:r>
-              <a:rPr sz="1150" spc="5" dirty="0">
-                <a:solidFill>
-                  <a:srgbClr val="1D1D1B"/>
-                </a:solidFill>
-                <a:latin typeface="IntelOne Display Regular"/>
-                <a:cs typeface="IntelOne Display Regular"/>
-              </a:rPr>
-              <a:t> </a:t>
-            </a:r>
-            <a:r>
-              <a:rPr sz="1150" dirty="0">
-                <a:solidFill>
-                  <a:srgbClr val="1D1D1B"/>
-                </a:solidFill>
-                <a:latin typeface="IntelOne Display Regular"/>
-                <a:cs typeface="IntelOne Display Regular"/>
-              </a:rPr>
-              <a:t>tyle.</a:t>
-            </a:r>
-            <a:r>
-              <a:rPr sz="1150" spc="5" dirty="0">
-                <a:solidFill>
-                  <a:srgbClr val="1D1D1B"/>
-                </a:solidFill>
-                <a:latin typeface="IntelOne Display Regular"/>
-                <a:cs typeface="IntelOne Display Regular"/>
-              </a:rPr>
-              <a:t> </a:t>
-            </a:r>
-            <a:r>
-              <a:rPr sz="1150" dirty="0">
-                <a:solidFill>
-                  <a:srgbClr val="1D1D1B"/>
-                </a:solidFill>
-                <a:latin typeface="IntelOne Display Regular"/>
-                <a:cs typeface="IntelOne Display Regular"/>
-              </a:rPr>
-              <a:t>1500</a:t>
-            </a:r>
-            <a:r>
-              <a:rPr sz="1150" spc="5" dirty="0">
-                <a:solidFill>
-                  <a:srgbClr val="1D1D1B"/>
-                </a:solidFill>
-                <a:latin typeface="IntelOne Display Regular"/>
-                <a:cs typeface="IntelOne Display Regular"/>
-              </a:rPr>
-              <a:t> </a:t>
-            </a:r>
-            <a:r>
-              <a:rPr sz="1150" dirty="0">
-                <a:solidFill>
-                  <a:srgbClr val="1D1D1B"/>
-                </a:solidFill>
-                <a:latin typeface="IntelOne Display Regular"/>
-                <a:cs typeface="IntelOne Display Regular"/>
-              </a:rPr>
-              <a:t>znaków</a:t>
-            </a:r>
-            <a:r>
-              <a:rPr sz="1150" spc="5" dirty="0">
-                <a:solidFill>
-                  <a:srgbClr val="1D1D1B"/>
-                </a:solidFill>
-                <a:latin typeface="IntelOne Display Regular"/>
-                <a:cs typeface="IntelOne Display Regular"/>
-              </a:rPr>
-              <a:t> </a:t>
-            </a:r>
-            <a:r>
-              <a:rPr sz="1150" dirty="0">
-                <a:solidFill>
-                  <a:srgbClr val="1D1D1B"/>
-                </a:solidFill>
-                <a:latin typeface="IntelOne Display Regular"/>
-                <a:cs typeface="IntelOne Display Regular"/>
-              </a:rPr>
-              <a:t>to</a:t>
-            </a:r>
-            <a:r>
-              <a:rPr sz="1150" spc="5" dirty="0">
-                <a:solidFill>
-                  <a:srgbClr val="1D1D1B"/>
-                </a:solidFill>
-                <a:latin typeface="IntelOne Display Regular"/>
-                <a:cs typeface="IntelOne Display Regular"/>
-              </a:rPr>
-              <a:t> </a:t>
-            </a:r>
-            <a:r>
-              <a:rPr sz="1150" dirty="0">
-                <a:solidFill>
-                  <a:srgbClr val="1D1D1B"/>
-                </a:solidFill>
-                <a:latin typeface="IntelOne Display Regular"/>
-                <a:cs typeface="IntelOne Display Regular"/>
-              </a:rPr>
-              <a:t>jest</a:t>
-            </a:r>
-            <a:r>
-              <a:rPr sz="1150" spc="5" dirty="0">
-                <a:solidFill>
-                  <a:srgbClr val="1D1D1B"/>
-                </a:solidFill>
-                <a:latin typeface="IntelOne Display Regular"/>
-                <a:cs typeface="IntelOne Display Regular"/>
-              </a:rPr>
-              <a:t> </a:t>
-            </a:r>
-            <a:r>
-              <a:rPr sz="1150" dirty="0">
-                <a:solidFill>
-                  <a:srgbClr val="1D1D1B"/>
-                </a:solidFill>
-                <a:latin typeface="IntelOne Display Regular"/>
-                <a:cs typeface="IntelOne Display Regular"/>
-              </a:rPr>
-              <a:t>właśnie</a:t>
-            </a:r>
-            <a:r>
-              <a:rPr sz="1150" spc="5" dirty="0">
-                <a:solidFill>
-                  <a:srgbClr val="1D1D1B"/>
-                </a:solidFill>
-                <a:latin typeface="IntelOne Display Regular"/>
-                <a:cs typeface="IntelOne Display Regular"/>
-              </a:rPr>
-              <a:t> </a:t>
-            </a:r>
-            <a:r>
-              <a:rPr sz="1150" dirty="0">
-                <a:solidFill>
-                  <a:srgbClr val="1D1D1B"/>
-                </a:solidFill>
-                <a:latin typeface="IntelOne Display Regular"/>
-                <a:cs typeface="IntelOne Display Regular"/>
-              </a:rPr>
-              <a:t>tyle.</a:t>
-            </a:r>
-            <a:r>
-              <a:rPr sz="1150" spc="5" dirty="0">
-                <a:solidFill>
-                  <a:srgbClr val="1D1D1B"/>
-                </a:solidFill>
-                <a:latin typeface="IntelOne Display Regular"/>
-                <a:cs typeface="IntelOne Display Regular"/>
-              </a:rPr>
-              <a:t> </a:t>
-            </a:r>
-            <a:r>
-              <a:rPr sz="1150" dirty="0">
-                <a:solidFill>
-                  <a:srgbClr val="1D1D1B"/>
-                </a:solidFill>
-                <a:latin typeface="IntelOne Display Regular"/>
-                <a:cs typeface="IntelOne Display Regular"/>
-              </a:rPr>
-              <a:t>1500</a:t>
-            </a:r>
-            <a:r>
-              <a:rPr sz="1150" spc="5" dirty="0">
-                <a:solidFill>
-                  <a:srgbClr val="1D1D1B"/>
-                </a:solidFill>
-                <a:latin typeface="IntelOne Display Regular"/>
-                <a:cs typeface="IntelOne Display Regular"/>
-              </a:rPr>
-              <a:t> </a:t>
-            </a:r>
-            <a:r>
-              <a:rPr sz="1150" dirty="0">
-                <a:solidFill>
-                  <a:srgbClr val="1D1D1B"/>
-                </a:solidFill>
-                <a:latin typeface="IntelOne Display Regular"/>
-                <a:cs typeface="IntelOne Display Regular"/>
-              </a:rPr>
-              <a:t>znaków</a:t>
-            </a:r>
-            <a:r>
-              <a:rPr sz="1150" spc="5" dirty="0">
-                <a:solidFill>
-                  <a:srgbClr val="1D1D1B"/>
-                </a:solidFill>
-                <a:latin typeface="IntelOne Display Regular"/>
-                <a:cs typeface="IntelOne Display Regular"/>
-              </a:rPr>
-              <a:t> </a:t>
-            </a:r>
-            <a:r>
-              <a:rPr sz="1150" dirty="0">
-                <a:solidFill>
-                  <a:srgbClr val="1D1D1B"/>
-                </a:solidFill>
-                <a:latin typeface="IntelOne Display Regular"/>
-                <a:cs typeface="IntelOne Display Regular"/>
-              </a:rPr>
-              <a:t>to</a:t>
-            </a:r>
-            <a:r>
-              <a:rPr sz="1150" spc="5" dirty="0">
-                <a:solidFill>
-                  <a:srgbClr val="1D1D1B"/>
-                </a:solidFill>
-                <a:latin typeface="IntelOne Display Regular"/>
-                <a:cs typeface="IntelOne Display Regular"/>
-              </a:rPr>
-              <a:t> </a:t>
-            </a:r>
-            <a:r>
-              <a:rPr sz="1150" dirty="0">
-                <a:solidFill>
-                  <a:srgbClr val="1D1D1B"/>
-                </a:solidFill>
-                <a:latin typeface="IntelOne Display Regular"/>
-                <a:cs typeface="IntelOne Display Regular"/>
-              </a:rPr>
-              <a:t>jest</a:t>
-            </a:r>
-            <a:r>
-              <a:rPr sz="1150" spc="5" dirty="0">
-                <a:solidFill>
-                  <a:srgbClr val="1D1D1B"/>
-                </a:solidFill>
-                <a:latin typeface="IntelOne Display Regular"/>
-                <a:cs typeface="IntelOne Display Regular"/>
-              </a:rPr>
-              <a:t> </a:t>
-            </a:r>
-            <a:r>
-              <a:rPr sz="1150" spc="-10" dirty="0">
-                <a:solidFill>
-                  <a:srgbClr val="1D1D1B"/>
-                </a:solidFill>
-                <a:latin typeface="IntelOne Display Regular"/>
-                <a:cs typeface="IntelOne Display Regular"/>
-              </a:rPr>
-              <a:t>właśnie </a:t>
-            </a:r>
-            <a:r>
-              <a:rPr sz="1150" dirty="0">
-                <a:solidFill>
-                  <a:srgbClr val="1D1D1B"/>
-                </a:solidFill>
-                <a:latin typeface="IntelOne Display Regular"/>
-                <a:cs typeface="IntelOne Display Regular"/>
-              </a:rPr>
-              <a:t>tyle.</a:t>
-            </a:r>
-            <a:r>
-              <a:rPr sz="1150" spc="5" dirty="0">
-                <a:solidFill>
-                  <a:srgbClr val="1D1D1B"/>
-                </a:solidFill>
-                <a:latin typeface="IntelOne Display Regular"/>
-                <a:cs typeface="IntelOne Display Regular"/>
-              </a:rPr>
-              <a:t> </a:t>
-            </a:r>
-            <a:r>
-              <a:rPr sz="1150" dirty="0">
-                <a:solidFill>
-                  <a:srgbClr val="1D1D1B"/>
-                </a:solidFill>
-                <a:latin typeface="IntelOne Display Regular"/>
-                <a:cs typeface="IntelOne Display Regular"/>
-              </a:rPr>
-              <a:t>1500</a:t>
-            </a:r>
-            <a:r>
-              <a:rPr sz="1150" spc="5" dirty="0">
-                <a:solidFill>
-                  <a:srgbClr val="1D1D1B"/>
-                </a:solidFill>
-                <a:latin typeface="IntelOne Display Regular"/>
-                <a:cs typeface="IntelOne Display Regular"/>
-              </a:rPr>
-              <a:t> </a:t>
-            </a:r>
-            <a:r>
-              <a:rPr sz="1150" dirty="0">
-                <a:solidFill>
-                  <a:srgbClr val="1D1D1B"/>
-                </a:solidFill>
-                <a:latin typeface="IntelOne Display Regular"/>
-                <a:cs typeface="IntelOne Display Regular"/>
-              </a:rPr>
-              <a:t>znaków</a:t>
-            </a:r>
-            <a:r>
-              <a:rPr sz="1150" spc="10" dirty="0">
-                <a:solidFill>
-                  <a:srgbClr val="1D1D1B"/>
-                </a:solidFill>
-                <a:latin typeface="IntelOne Display Regular"/>
-                <a:cs typeface="IntelOne Display Regular"/>
-              </a:rPr>
-              <a:t> </a:t>
-            </a:r>
-            <a:r>
-              <a:rPr sz="1150" dirty="0">
-                <a:solidFill>
-                  <a:srgbClr val="1D1D1B"/>
-                </a:solidFill>
-                <a:latin typeface="IntelOne Display Regular"/>
-                <a:cs typeface="IntelOne Display Regular"/>
-              </a:rPr>
-              <a:t>to</a:t>
-            </a:r>
-            <a:r>
-              <a:rPr sz="1150" spc="5" dirty="0">
-                <a:solidFill>
-                  <a:srgbClr val="1D1D1B"/>
-                </a:solidFill>
-                <a:latin typeface="IntelOne Display Regular"/>
-                <a:cs typeface="IntelOne Display Regular"/>
-              </a:rPr>
-              <a:t> </a:t>
-            </a:r>
-            <a:r>
-              <a:rPr sz="1150" dirty="0">
-                <a:solidFill>
-                  <a:srgbClr val="1D1D1B"/>
-                </a:solidFill>
-                <a:latin typeface="IntelOne Display Regular"/>
-                <a:cs typeface="IntelOne Display Regular"/>
-              </a:rPr>
-              <a:t>jest</a:t>
-            </a:r>
-            <a:r>
-              <a:rPr sz="1150" spc="5" dirty="0">
-                <a:solidFill>
-                  <a:srgbClr val="1D1D1B"/>
-                </a:solidFill>
-                <a:latin typeface="IntelOne Display Regular"/>
-                <a:cs typeface="IntelOne Display Regular"/>
-              </a:rPr>
-              <a:t> </a:t>
-            </a:r>
-            <a:r>
-              <a:rPr sz="1150" dirty="0">
-                <a:solidFill>
-                  <a:srgbClr val="1D1D1B"/>
-                </a:solidFill>
-                <a:latin typeface="IntelOne Display Regular"/>
-                <a:cs typeface="IntelOne Display Regular"/>
-              </a:rPr>
-              <a:t>właśnie</a:t>
-            </a:r>
-            <a:r>
-              <a:rPr sz="1150" spc="10" dirty="0">
-                <a:solidFill>
-                  <a:srgbClr val="1D1D1B"/>
-                </a:solidFill>
-                <a:latin typeface="IntelOne Display Regular"/>
-                <a:cs typeface="IntelOne Display Regular"/>
-              </a:rPr>
-              <a:t> </a:t>
-            </a:r>
-            <a:r>
-              <a:rPr sz="1150" dirty="0">
-                <a:solidFill>
-                  <a:srgbClr val="1D1D1B"/>
-                </a:solidFill>
-                <a:latin typeface="IntelOne Display Regular"/>
-                <a:cs typeface="IntelOne Display Regular"/>
-              </a:rPr>
-              <a:t>tyle.</a:t>
-            </a:r>
-            <a:r>
-              <a:rPr sz="1150" spc="5" dirty="0">
-                <a:solidFill>
-                  <a:srgbClr val="1D1D1B"/>
-                </a:solidFill>
-                <a:latin typeface="IntelOne Display Regular"/>
-                <a:cs typeface="IntelOne Display Regular"/>
-              </a:rPr>
-              <a:t> </a:t>
-            </a:r>
-            <a:r>
-              <a:rPr sz="1150" dirty="0">
-                <a:solidFill>
-                  <a:srgbClr val="1D1D1B"/>
-                </a:solidFill>
-                <a:latin typeface="IntelOne Display Regular"/>
-                <a:cs typeface="IntelOne Display Regular"/>
-              </a:rPr>
-              <a:t>1500</a:t>
-            </a:r>
-            <a:r>
-              <a:rPr sz="1150" spc="5" dirty="0">
-                <a:solidFill>
-                  <a:srgbClr val="1D1D1B"/>
-                </a:solidFill>
-                <a:latin typeface="IntelOne Display Regular"/>
-                <a:cs typeface="IntelOne Display Regular"/>
-              </a:rPr>
-              <a:t> </a:t>
-            </a:r>
-            <a:r>
-              <a:rPr sz="1150" dirty="0">
-                <a:solidFill>
-                  <a:srgbClr val="1D1D1B"/>
-                </a:solidFill>
-                <a:latin typeface="IntelOne Display Regular"/>
-                <a:cs typeface="IntelOne Display Regular"/>
-              </a:rPr>
-              <a:t>znaków</a:t>
-            </a:r>
-            <a:r>
-              <a:rPr sz="1150" spc="10" dirty="0">
-                <a:solidFill>
-                  <a:srgbClr val="1D1D1B"/>
-                </a:solidFill>
-                <a:latin typeface="IntelOne Display Regular"/>
-                <a:cs typeface="IntelOne Display Regular"/>
-              </a:rPr>
-              <a:t> </a:t>
-            </a:r>
-            <a:r>
-              <a:rPr sz="1150" dirty="0">
-                <a:solidFill>
-                  <a:srgbClr val="1D1D1B"/>
-                </a:solidFill>
-                <a:latin typeface="IntelOne Display Regular"/>
-                <a:cs typeface="IntelOne Display Regular"/>
-              </a:rPr>
-              <a:t>to</a:t>
-            </a:r>
-            <a:r>
-              <a:rPr sz="1150" spc="5" dirty="0">
-                <a:solidFill>
-                  <a:srgbClr val="1D1D1B"/>
-                </a:solidFill>
-                <a:latin typeface="IntelOne Display Regular"/>
-                <a:cs typeface="IntelOne Display Regular"/>
-              </a:rPr>
-              <a:t> </a:t>
-            </a:r>
-            <a:r>
-              <a:rPr sz="1150" dirty="0">
-                <a:solidFill>
-                  <a:srgbClr val="1D1D1B"/>
-                </a:solidFill>
-                <a:latin typeface="IntelOne Display Regular"/>
-                <a:cs typeface="IntelOne Display Regular"/>
-              </a:rPr>
-              <a:t>jest</a:t>
-            </a:r>
-            <a:r>
-              <a:rPr sz="1150" spc="10" dirty="0">
-                <a:solidFill>
-                  <a:srgbClr val="1D1D1B"/>
-                </a:solidFill>
-                <a:latin typeface="IntelOne Display Regular"/>
-                <a:cs typeface="IntelOne Display Regular"/>
-              </a:rPr>
-              <a:t> </a:t>
-            </a:r>
-            <a:r>
-              <a:rPr sz="1150" dirty="0">
-                <a:solidFill>
-                  <a:srgbClr val="1D1D1B"/>
-                </a:solidFill>
-                <a:latin typeface="IntelOne Display Regular"/>
-                <a:cs typeface="IntelOne Display Regular"/>
-              </a:rPr>
-              <a:t>właśnie</a:t>
-            </a:r>
-            <a:r>
-              <a:rPr sz="1150" spc="5" dirty="0">
-                <a:solidFill>
-                  <a:srgbClr val="1D1D1B"/>
-                </a:solidFill>
-                <a:latin typeface="IntelOne Display Regular"/>
-                <a:cs typeface="IntelOne Display Regular"/>
-              </a:rPr>
-              <a:t> </a:t>
-            </a:r>
-            <a:r>
-              <a:rPr sz="1150" dirty="0">
-                <a:solidFill>
-                  <a:srgbClr val="1D1D1B"/>
-                </a:solidFill>
-                <a:latin typeface="IntelOne Display Regular"/>
-                <a:cs typeface="IntelOne Display Regular"/>
-              </a:rPr>
-              <a:t>tyle.</a:t>
-            </a:r>
-            <a:r>
-              <a:rPr sz="1150" spc="5" dirty="0">
-                <a:solidFill>
-                  <a:srgbClr val="1D1D1B"/>
-                </a:solidFill>
-                <a:latin typeface="IntelOne Display Regular"/>
-                <a:cs typeface="IntelOne Display Regular"/>
-              </a:rPr>
-              <a:t> </a:t>
-            </a:r>
-            <a:r>
-              <a:rPr sz="1150" dirty="0">
-                <a:solidFill>
-                  <a:srgbClr val="1D1D1B"/>
-                </a:solidFill>
-                <a:latin typeface="IntelOne Display Regular"/>
-                <a:cs typeface="IntelOne Display Regular"/>
-              </a:rPr>
-              <a:t>1500</a:t>
-            </a:r>
-            <a:r>
-              <a:rPr sz="1150" spc="10" dirty="0">
-                <a:solidFill>
-                  <a:srgbClr val="1D1D1B"/>
-                </a:solidFill>
-                <a:latin typeface="IntelOne Display Regular"/>
-                <a:cs typeface="IntelOne Display Regular"/>
-              </a:rPr>
-              <a:t> </a:t>
-            </a:r>
-            <a:r>
-              <a:rPr sz="1150" dirty="0">
-                <a:solidFill>
-                  <a:srgbClr val="1D1D1B"/>
-                </a:solidFill>
-                <a:latin typeface="IntelOne Display Regular"/>
-                <a:cs typeface="IntelOne Display Regular"/>
-              </a:rPr>
-              <a:t>znaków</a:t>
-            </a:r>
-            <a:r>
-              <a:rPr sz="1150" spc="5" dirty="0">
-                <a:solidFill>
-                  <a:srgbClr val="1D1D1B"/>
-                </a:solidFill>
-                <a:latin typeface="IntelOne Display Regular"/>
-                <a:cs typeface="IntelOne Display Regular"/>
-              </a:rPr>
-              <a:t> </a:t>
-            </a:r>
-            <a:r>
-              <a:rPr sz="1150" dirty="0">
-                <a:solidFill>
-                  <a:srgbClr val="1D1D1B"/>
-                </a:solidFill>
-                <a:latin typeface="IntelOne Display Regular"/>
-                <a:cs typeface="IntelOne Display Regular"/>
-              </a:rPr>
-              <a:t>to</a:t>
-            </a:r>
-            <a:r>
-              <a:rPr sz="1150" spc="5" dirty="0">
-                <a:solidFill>
-                  <a:srgbClr val="1D1D1B"/>
-                </a:solidFill>
-                <a:latin typeface="IntelOne Display Regular"/>
-                <a:cs typeface="IntelOne Display Regular"/>
-              </a:rPr>
-              <a:t> </a:t>
-            </a:r>
-            <a:r>
-              <a:rPr sz="1150" spc="-20" dirty="0">
-                <a:solidFill>
-                  <a:srgbClr val="1D1D1B"/>
-                </a:solidFill>
-                <a:latin typeface="IntelOne Display Regular"/>
-                <a:cs typeface="IntelOne Display Regular"/>
-              </a:rPr>
-              <a:t>jest</a:t>
-            </a:r>
-            <a:r>
-              <a:rPr sz="1150" dirty="0">
-                <a:solidFill>
-                  <a:srgbClr val="1D1D1B"/>
-                </a:solidFill>
-                <a:latin typeface="IntelOne Display Regular"/>
-                <a:cs typeface="IntelOne Display Regular"/>
-              </a:rPr>
-              <a:t> właśnie</a:t>
-            </a:r>
-            <a:r>
-              <a:rPr sz="1150" spc="10" dirty="0">
-                <a:solidFill>
-                  <a:srgbClr val="1D1D1B"/>
-                </a:solidFill>
-                <a:latin typeface="IntelOne Display Regular"/>
-                <a:cs typeface="IntelOne Display Regular"/>
-              </a:rPr>
-              <a:t> </a:t>
-            </a:r>
-            <a:r>
-              <a:rPr sz="1150" dirty="0">
-                <a:solidFill>
-                  <a:srgbClr val="1D1D1B"/>
-                </a:solidFill>
-                <a:latin typeface="IntelOne Display Regular"/>
-                <a:cs typeface="IntelOne Display Regular"/>
-              </a:rPr>
-              <a:t>tyle.</a:t>
-            </a:r>
-            <a:r>
-              <a:rPr sz="1150" spc="10" dirty="0">
-                <a:solidFill>
-                  <a:srgbClr val="1D1D1B"/>
-                </a:solidFill>
-                <a:latin typeface="IntelOne Display Regular"/>
-                <a:cs typeface="IntelOne Display Regular"/>
-              </a:rPr>
-              <a:t> </a:t>
-            </a:r>
-            <a:r>
-              <a:rPr sz="1150" dirty="0">
-                <a:solidFill>
-                  <a:srgbClr val="1D1D1B"/>
-                </a:solidFill>
-                <a:latin typeface="IntelOne Display Regular"/>
-                <a:cs typeface="IntelOne Display Regular"/>
-              </a:rPr>
-              <a:t>1500</a:t>
-            </a:r>
-            <a:r>
-              <a:rPr sz="1150" spc="10" dirty="0">
-                <a:solidFill>
-                  <a:srgbClr val="1D1D1B"/>
-                </a:solidFill>
-                <a:latin typeface="IntelOne Display Regular"/>
-                <a:cs typeface="IntelOne Display Regular"/>
-              </a:rPr>
-              <a:t> </a:t>
-            </a:r>
-            <a:r>
-              <a:rPr sz="1150" dirty="0">
-                <a:solidFill>
-                  <a:srgbClr val="1D1D1B"/>
-                </a:solidFill>
-                <a:latin typeface="IntelOne Display Regular"/>
-                <a:cs typeface="IntelOne Display Regular"/>
-              </a:rPr>
-              <a:t>znaków</a:t>
-            </a:r>
-            <a:r>
-              <a:rPr sz="1150" spc="10" dirty="0">
-                <a:solidFill>
-                  <a:srgbClr val="1D1D1B"/>
-                </a:solidFill>
-                <a:latin typeface="IntelOne Display Regular"/>
-                <a:cs typeface="IntelOne Display Regular"/>
-              </a:rPr>
-              <a:t> </a:t>
-            </a:r>
-            <a:r>
-              <a:rPr sz="1150" dirty="0">
-                <a:solidFill>
-                  <a:srgbClr val="1D1D1B"/>
-                </a:solidFill>
-                <a:latin typeface="IntelOne Display Regular"/>
-                <a:cs typeface="IntelOne Display Regular"/>
-              </a:rPr>
-              <a:t>to</a:t>
-            </a:r>
-            <a:r>
-              <a:rPr sz="1150" spc="10" dirty="0">
-                <a:solidFill>
-                  <a:srgbClr val="1D1D1B"/>
-                </a:solidFill>
-                <a:latin typeface="IntelOne Display Regular"/>
-                <a:cs typeface="IntelOne Display Regular"/>
-              </a:rPr>
-              <a:t> </a:t>
-            </a:r>
-            <a:r>
-              <a:rPr sz="1150" dirty="0">
-                <a:solidFill>
-                  <a:srgbClr val="1D1D1B"/>
-                </a:solidFill>
-                <a:latin typeface="IntelOne Display Regular"/>
-                <a:cs typeface="IntelOne Display Regular"/>
-              </a:rPr>
-              <a:t>jest</a:t>
-            </a:r>
-            <a:r>
-              <a:rPr sz="1150" spc="10" dirty="0">
-                <a:solidFill>
-                  <a:srgbClr val="1D1D1B"/>
-                </a:solidFill>
-                <a:latin typeface="IntelOne Display Regular"/>
-                <a:cs typeface="IntelOne Display Regular"/>
-              </a:rPr>
-              <a:t> </a:t>
-            </a:r>
-            <a:r>
-              <a:rPr sz="1150" dirty="0">
-                <a:solidFill>
-                  <a:srgbClr val="1D1D1B"/>
-                </a:solidFill>
-                <a:latin typeface="IntelOne Display Regular"/>
-                <a:cs typeface="IntelOne Display Regular"/>
-              </a:rPr>
-              <a:t>właśnie</a:t>
-            </a:r>
-            <a:r>
-              <a:rPr sz="1150" spc="10" dirty="0">
-                <a:solidFill>
-                  <a:srgbClr val="1D1D1B"/>
-                </a:solidFill>
-                <a:latin typeface="IntelOne Display Regular"/>
-                <a:cs typeface="IntelOne Display Regular"/>
-              </a:rPr>
-              <a:t> </a:t>
-            </a:r>
-            <a:r>
-              <a:rPr sz="1150" dirty="0">
-                <a:solidFill>
-                  <a:srgbClr val="1D1D1B"/>
-                </a:solidFill>
-                <a:latin typeface="IntelOne Display Regular"/>
-                <a:cs typeface="IntelOne Display Regular"/>
-              </a:rPr>
-              <a:t>tyle.</a:t>
-            </a:r>
-            <a:r>
-              <a:rPr sz="1150" spc="10" dirty="0">
-                <a:solidFill>
-                  <a:srgbClr val="1D1D1B"/>
-                </a:solidFill>
-                <a:latin typeface="IntelOne Display Regular"/>
-                <a:cs typeface="IntelOne Display Regular"/>
-              </a:rPr>
-              <a:t> </a:t>
-            </a:r>
-            <a:r>
-              <a:rPr sz="1150" dirty="0">
-                <a:solidFill>
-                  <a:srgbClr val="1D1D1B"/>
-                </a:solidFill>
-                <a:latin typeface="IntelOne Display Regular"/>
-                <a:cs typeface="IntelOne Display Regular"/>
-              </a:rPr>
-              <a:t>1500</a:t>
-            </a:r>
-            <a:r>
-              <a:rPr sz="1150" spc="10" dirty="0">
-                <a:solidFill>
-                  <a:srgbClr val="1D1D1B"/>
-                </a:solidFill>
-                <a:latin typeface="IntelOne Display Regular"/>
-                <a:cs typeface="IntelOne Display Regular"/>
-              </a:rPr>
-              <a:t> </a:t>
-            </a:r>
-            <a:r>
-              <a:rPr sz="1150" dirty="0">
-                <a:solidFill>
-                  <a:srgbClr val="1D1D1B"/>
-                </a:solidFill>
-                <a:latin typeface="IntelOne Display Regular"/>
-                <a:cs typeface="IntelOne Display Regular"/>
-              </a:rPr>
-              <a:t>znaków</a:t>
-            </a:r>
-            <a:r>
-              <a:rPr sz="1150" spc="10" dirty="0">
-                <a:solidFill>
-                  <a:srgbClr val="1D1D1B"/>
-                </a:solidFill>
-                <a:latin typeface="IntelOne Display Regular"/>
-                <a:cs typeface="IntelOne Display Regular"/>
-              </a:rPr>
-              <a:t> </a:t>
-            </a:r>
-            <a:r>
-              <a:rPr sz="1150" dirty="0">
-                <a:solidFill>
-                  <a:srgbClr val="1D1D1B"/>
-                </a:solidFill>
-                <a:latin typeface="IntelOne Display Regular"/>
-                <a:cs typeface="IntelOne Display Regular"/>
-              </a:rPr>
-              <a:t>to</a:t>
-            </a:r>
-            <a:r>
-              <a:rPr sz="1150" spc="10" dirty="0">
-                <a:solidFill>
-                  <a:srgbClr val="1D1D1B"/>
-                </a:solidFill>
-                <a:latin typeface="IntelOne Display Regular"/>
-                <a:cs typeface="IntelOne Display Regular"/>
-              </a:rPr>
-              <a:t> </a:t>
-            </a:r>
-            <a:r>
-              <a:rPr sz="1150" dirty="0">
-                <a:solidFill>
-                  <a:srgbClr val="1D1D1B"/>
-                </a:solidFill>
-                <a:latin typeface="IntelOne Display Regular"/>
-                <a:cs typeface="IntelOne Display Regular"/>
-              </a:rPr>
-              <a:t>jest</a:t>
-            </a:r>
-            <a:r>
-              <a:rPr sz="1150" spc="10" dirty="0">
-                <a:solidFill>
-                  <a:srgbClr val="1D1D1B"/>
-                </a:solidFill>
-                <a:latin typeface="IntelOne Display Regular"/>
-                <a:cs typeface="IntelOne Display Regular"/>
-              </a:rPr>
-              <a:t> </a:t>
-            </a:r>
-            <a:r>
-              <a:rPr sz="1150" dirty="0">
-                <a:solidFill>
-                  <a:srgbClr val="1D1D1B"/>
-                </a:solidFill>
-                <a:latin typeface="IntelOne Display Regular"/>
-                <a:cs typeface="IntelOne Display Regular"/>
-              </a:rPr>
-              <a:t>właśnie</a:t>
-            </a:r>
-            <a:r>
-              <a:rPr sz="1150" spc="10" dirty="0">
-                <a:solidFill>
-                  <a:srgbClr val="1D1D1B"/>
-                </a:solidFill>
-                <a:latin typeface="IntelOne Display Regular"/>
-                <a:cs typeface="IntelOne Display Regular"/>
-              </a:rPr>
-              <a:t> </a:t>
-            </a:r>
-            <a:r>
-              <a:rPr sz="1150" dirty="0">
-                <a:solidFill>
-                  <a:srgbClr val="1D1D1B"/>
-                </a:solidFill>
-                <a:latin typeface="IntelOne Display Regular"/>
-                <a:cs typeface="IntelOne Display Regular"/>
-              </a:rPr>
-              <a:t>tyle.</a:t>
-            </a:r>
-            <a:r>
-              <a:rPr sz="1150" spc="10" dirty="0">
-                <a:solidFill>
-                  <a:srgbClr val="1D1D1B"/>
-                </a:solidFill>
-                <a:latin typeface="IntelOne Display Regular"/>
-                <a:cs typeface="IntelOne Display Regular"/>
-              </a:rPr>
-              <a:t> </a:t>
-            </a:r>
-            <a:r>
-              <a:rPr sz="1150" spc="-20" dirty="0">
-                <a:solidFill>
-                  <a:srgbClr val="1D1D1B"/>
-                </a:solidFill>
-                <a:latin typeface="IntelOne Display Regular"/>
-                <a:cs typeface="IntelOne Display Regular"/>
-              </a:rPr>
-              <a:t>1500</a:t>
-            </a:r>
-            <a:r>
-              <a:rPr sz="1150" spc="500" dirty="0">
-                <a:solidFill>
-                  <a:srgbClr val="1D1D1B"/>
-                </a:solidFill>
-                <a:latin typeface="IntelOne Display Regular"/>
-                <a:cs typeface="IntelOne Display Regular"/>
-              </a:rPr>
-              <a:t> </a:t>
-            </a:r>
-            <a:r>
-              <a:rPr sz="1150" dirty="0">
-                <a:solidFill>
-                  <a:srgbClr val="1D1D1B"/>
-                </a:solidFill>
-                <a:latin typeface="IntelOne Display Regular"/>
-                <a:cs typeface="IntelOne Display Regular"/>
-              </a:rPr>
-              <a:t>znaków to</a:t>
-            </a:r>
-            <a:r>
-              <a:rPr sz="1150" spc="5" dirty="0">
-                <a:solidFill>
-                  <a:srgbClr val="1D1D1B"/>
-                </a:solidFill>
-                <a:latin typeface="IntelOne Display Regular"/>
-                <a:cs typeface="IntelOne Display Regular"/>
-              </a:rPr>
-              <a:t> </a:t>
-            </a:r>
-            <a:r>
-              <a:rPr sz="1150" dirty="0">
-                <a:solidFill>
-                  <a:srgbClr val="1D1D1B"/>
-                </a:solidFill>
-                <a:latin typeface="IntelOne Display Regular"/>
-                <a:cs typeface="IntelOne Display Regular"/>
-              </a:rPr>
-              <a:t>jest</a:t>
-            </a:r>
-            <a:r>
-              <a:rPr sz="1150" spc="5" dirty="0">
-                <a:solidFill>
-                  <a:srgbClr val="1D1D1B"/>
-                </a:solidFill>
-                <a:latin typeface="IntelOne Display Regular"/>
-                <a:cs typeface="IntelOne Display Regular"/>
-              </a:rPr>
-              <a:t> </a:t>
-            </a:r>
-            <a:r>
-              <a:rPr sz="1150" dirty="0">
-                <a:solidFill>
-                  <a:srgbClr val="1D1D1B"/>
-                </a:solidFill>
-                <a:latin typeface="IntelOne Display Regular"/>
-                <a:cs typeface="IntelOne Display Regular"/>
-              </a:rPr>
-              <a:t>właśnie</a:t>
-            </a:r>
-            <a:r>
-              <a:rPr sz="1150" spc="5" dirty="0">
-                <a:solidFill>
-                  <a:srgbClr val="1D1D1B"/>
-                </a:solidFill>
-                <a:latin typeface="IntelOne Display Regular"/>
-                <a:cs typeface="IntelOne Display Regular"/>
-              </a:rPr>
-              <a:t> </a:t>
-            </a:r>
-            <a:r>
-              <a:rPr sz="1150" dirty="0">
-                <a:solidFill>
-                  <a:srgbClr val="1D1D1B"/>
-                </a:solidFill>
-                <a:latin typeface="IntelOne Display Regular"/>
-                <a:cs typeface="IntelOne Display Regular"/>
-              </a:rPr>
-              <a:t>tyle.</a:t>
-            </a:r>
-            <a:r>
-              <a:rPr sz="1150" spc="5" dirty="0">
-                <a:solidFill>
-                  <a:srgbClr val="1D1D1B"/>
-                </a:solidFill>
-                <a:latin typeface="IntelOne Display Regular"/>
-                <a:cs typeface="IntelOne Display Regular"/>
-              </a:rPr>
-              <a:t> </a:t>
-            </a:r>
-            <a:r>
-              <a:rPr sz="1150" dirty="0">
-                <a:solidFill>
-                  <a:srgbClr val="1D1D1B"/>
-                </a:solidFill>
-                <a:latin typeface="IntelOne Display Regular"/>
-                <a:cs typeface="IntelOne Display Regular"/>
-              </a:rPr>
-              <a:t>1500</a:t>
-            </a:r>
-            <a:r>
-              <a:rPr sz="1150" spc="5" dirty="0">
-                <a:solidFill>
-                  <a:srgbClr val="1D1D1B"/>
-                </a:solidFill>
-                <a:latin typeface="IntelOne Display Regular"/>
-                <a:cs typeface="IntelOne Display Regular"/>
-              </a:rPr>
-              <a:t> </a:t>
-            </a:r>
-            <a:r>
-              <a:rPr sz="1150" dirty="0">
-                <a:solidFill>
-                  <a:srgbClr val="1D1D1B"/>
-                </a:solidFill>
-                <a:latin typeface="IntelOne Display Regular"/>
-                <a:cs typeface="IntelOne Display Regular"/>
-              </a:rPr>
-              <a:t>znaków</a:t>
-            </a:r>
-            <a:r>
-              <a:rPr sz="1150" spc="5" dirty="0">
-                <a:solidFill>
-                  <a:srgbClr val="1D1D1B"/>
-                </a:solidFill>
-                <a:latin typeface="IntelOne Display Regular"/>
-                <a:cs typeface="IntelOne Display Regular"/>
-              </a:rPr>
-              <a:t> </a:t>
-            </a:r>
-            <a:r>
-              <a:rPr sz="1150" dirty="0">
-                <a:solidFill>
-                  <a:srgbClr val="1D1D1B"/>
-                </a:solidFill>
-                <a:latin typeface="IntelOne Display Regular"/>
-                <a:cs typeface="IntelOne Display Regular"/>
-              </a:rPr>
-              <a:t>to</a:t>
-            </a:r>
-            <a:r>
-              <a:rPr sz="1150" spc="5" dirty="0">
-                <a:solidFill>
-                  <a:srgbClr val="1D1D1B"/>
-                </a:solidFill>
-                <a:latin typeface="IntelOne Display Regular"/>
-                <a:cs typeface="IntelOne Display Regular"/>
-              </a:rPr>
-              <a:t> </a:t>
-            </a:r>
-            <a:r>
-              <a:rPr sz="1150" dirty="0">
-                <a:solidFill>
-                  <a:srgbClr val="1D1D1B"/>
-                </a:solidFill>
-                <a:latin typeface="IntelOne Display Regular"/>
-                <a:cs typeface="IntelOne Display Regular"/>
-              </a:rPr>
-              <a:t>jest</a:t>
-            </a:r>
-            <a:r>
-              <a:rPr sz="1150" spc="5" dirty="0">
-                <a:solidFill>
-                  <a:srgbClr val="1D1D1B"/>
-                </a:solidFill>
-                <a:latin typeface="IntelOne Display Regular"/>
-                <a:cs typeface="IntelOne Display Regular"/>
-              </a:rPr>
-              <a:t> </a:t>
-            </a:r>
-            <a:r>
-              <a:rPr sz="1150" dirty="0">
-                <a:solidFill>
-                  <a:srgbClr val="1D1D1B"/>
-                </a:solidFill>
-                <a:latin typeface="IntelOne Display Regular"/>
-                <a:cs typeface="IntelOne Display Regular"/>
-              </a:rPr>
-              <a:t>właśnie</a:t>
-            </a:r>
-            <a:r>
-              <a:rPr sz="1150" spc="5" dirty="0">
-                <a:solidFill>
-                  <a:srgbClr val="1D1D1B"/>
-                </a:solidFill>
-                <a:latin typeface="IntelOne Display Regular"/>
-                <a:cs typeface="IntelOne Display Regular"/>
-              </a:rPr>
-              <a:t> </a:t>
-            </a:r>
-            <a:r>
-              <a:rPr sz="1150" dirty="0">
-                <a:solidFill>
-                  <a:srgbClr val="1D1D1B"/>
-                </a:solidFill>
-                <a:latin typeface="IntelOne Display Regular"/>
-                <a:cs typeface="IntelOne Display Regular"/>
-              </a:rPr>
-              <a:t>tyle.</a:t>
-            </a:r>
-            <a:r>
-              <a:rPr sz="1150" spc="5" dirty="0">
-                <a:solidFill>
-                  <a:srgbClr val="1D1D1B"/>
-                </a:solidFill>
-                <a:latin typeface="IntelOne Display Regular"/>
-                <a:cs typeface="IntelOne Display Regular"/>
-              </a:rPr>
-              <a:t> </a:t>
-            </a:r>
-            <a:r>
-              <a:rPr sz="1150" dirty="0">
-                <a:solidFill>
-                  <a:srgbClr val="1D1D1B"/>
-                </a:solidFill>
-                <a:latin typeface="IntelOne Display Regular"/>
-                <a:cs typeface="IntelOne Display Regular"/>
-              </a:rPr>
-              <a:t>1500</a:t>
-            </a:r>
-            <a:r>
-              <a:rPr sz="1150" spc="5" dirty="0">
-                <a:solidFill>
-                  <a:srgbClr val="1D1D1B"/>
-                </a:solidFill>
-                <a:latin typeface="IntelOne Display Regular"/>
-                <a:cs typeface="IntelOne Display Regular"/>
-              </a:rPr>
-              <a:t> </a:t>
-            </a:r>
-            <a:r>
-              <a:rPr sz="1150" dirty="0">
-                <a:solidFill>
-                  <a:srgbClr val="1D1D1B"/>
-                </a:solidFill>
-                <a:latin typeface="IntelOne Display Regular"/>
-                <a:cs typeface="IntelOne Display Regular"/>
-              </a:rPr>
-              <a:t>znaków</a:t>
-            </a:r>
-            <a:r>
-              <a:rPr sz="1150" spc="5" dirty="0">
-                <a:solidFill>
-                  <a:srgbClr val="1D1D1B"/>
-                </a:solidFill>
-                <a:latin typeface="IntelOne Display Regular"/>
-                <a:cs typeface="IntelOne Display Regular"/>
-              </a:rPr>
-              <a:t> </a:t>
-            </a:r>
-            <a:r>
-              <a:rPr sz="1150" dirty="0">
-                <a:solidFill>
-                  <a:srgbClr val="1D1D1B"/>
-                </a:solidFill>
-                <a:latin typeface="IntelOne Display Regular"/>
-                <a:cs typeface="IntelOne Display Regular"/>
-              </a:rPr>
-              <a:t>to</a:t>
-            </a:r>
-            <a:r>
-              <a:rPr sz="1150" spc="5" dirty="0">
-                <a:solidFill>
-                  <a:srgbClr val="1D1D1B"/>
-                </a:solidFill>
-                <a:latin typeface="IntelOne Display Regular"/>
-                <a:cs typeface="IntelOne Display Regular"/>
-              </a:rPr>
-              <a:t> </a:t>
-            </a:r>
-            <a:r>
-              <a:rPr sz="1150" dirty="0">
-                <a:solidFill>
-                  <a:srgbClr val="1D1D1B"/>
-                </a:solidFill>
-                <a:latin typeface="IntelOne Display Regular"/>
-                <a:cs typeface="IntelOne Display Regular"/>
-              </a:rPr>
-              <a:t>jest</a:t>
-            </a:r>
-            <a:r>
-              <a:rPr sz="1150" spc="5" dirty="0">
-                <a:solidFill>
-                  <a:srgbClr val="1D1D1B"/>
-                </a:solidFill>
-                <a:latin typeface="IntelOne Display Regular"/>
-                <a:cs typeface="IntelOne Display Regular"/>
-              </a:rPr>
-              <a:t> </a:t>
-            </a:r>
-            <a:r>
-              <a:rPr sz="1150" spc="-10" dirty="0">
-                <a:solidFill>
-                  <a:srgbClr val="1D1D1B"/>
-                </a:solidFill>
-                <a:latin typeface="IntelOne Display Regular"/>
-                <a:cs typeface="IntelOne Display Regular"/>
-              </a:rPr>
-              <a:t>właśnie </a:t>
-            </a:r>
-            <a:r>
-              <a:rPr sz="1150" dirty="0">
-                <a:solidFill>
-                  <a:srgbClr val="1D1D1B"/>
-                </a:solidFill>
-                <a:latin typeface="IntelOne Display Regular"/>
-                <a:cs typeface="IntelOne Display Regular"/>
-              </a:rPr>
-              <a:t>tyle.</a:t>
-            </a:r>
-            <a:r>
-              <a:rPr sz="1150" spc="5" dirty="0">
-                <a:solidFill>
-                  <a:srgbClr val="1D1D1B"/>
-                </a:solidFill>
-                <a:latin typeface="IntelOne Display Regular"/>
-                <a:cs typeface="IntelOne Display Regular"/>
-              </a:rPr>
-              <a:t> </a:t>
-            </a:r>
-            <a:r>
-              <a:rPr sz="1150" dirty="0">
-                <a:solidFill>
-                  <a:srgbClr val="1D1D1B"/>
-                </a:solidFill>
-                <a:latin typeface="IntelOne Display Regular"/>
-                <a:cs typeface="IntelOne Display Regular"/>
-              </a:rPr>
-              <a:t>1500</a:t>
-            </a:r>
-            <a:r>
-              <a:rPr sz="1150" spc="5" dirty="0">
-                <a:solidFill>
-                  <a:srgbClr val="1D1D1B"/>
-                </a:solidFill>
-                <a:latin typeface="IntelOne Display Regular"/>
-                <a:cs typeface="IntelOne Display Regular"/>
-              </a:rPr>
-              <a:t> </a:t>
-            </a:r>
-            <a:r>
-              <a:rPr sz="1150" dirty="0">
-                <a:solidFill>
-                  <a:srgbClr val="1D1D1B"/>
-                </a:solidFill>
-                <a:latin typeface="IntelOne Display Regular"/>
-                <a:cs typeface="IntelOne Display Regular"/>
-              </a:rPr>
-              <a:t>znaków</a:t>
-            </a:r>
-            <a:r>
-              <a:rPr sz="1150" spc="10" dirty="0">
-                <a:solidFill>
-                  <a:srgbClr val="1D1D1B"/>
-                </a:solidFill>
-                <a:latin typeface="IntelOne Display Regular"/>
-                <a:cs typeface="IntelOne Display Regular"/>
-              </a:rPr>
-              <a:t> </a:t>
-            </a:r>
-            <a:r>
-              <a:rPr sz="1150" dirty="0">
-                <a:solidFill>
-                  <a:srgbClr val="1D1D1B"/>
-                </a:solidFill>
-                <a:latin typeface="IntelOne Display Regular"/>
-                <a:cs typeface="IntelOne Display Regular"/>
-              </a:rPr>
-              <a:t>to</a:t>
-            </a:r>
-            <a:r>
-              <a:rPr sz="1150" spc="5" dirty="0">
-                <a:solidFill>
-                  <a:srgbClr val="1D1D1B"/>
-                </a:solidFill>
-                <a:latin typeface="IntelOne Display Regular"/>
-                <a:cs typeface="IntelOne Display Regular"/>
-              </a:rPr>
-              <a:t> </a:t>
-            </a:r>
-            <a:r>
-              <a:rPr sz="1150" dirty="0">
-                <a:solidFill>
-                  <a:srgbClr val="1D1D1B"/>
-                </a:solidFill>
-                <a:latin typeface="IntelOne Display Regular"/>
-                <a:cs typeface="IntelOne Display Regular"/>
-              </a:rPr>
-              <a:t>jest</a:t>
-            </a:r>
-            <a:r>
-              <a:rPr sz="1150" spc="5" dirty="0">
-                <a:solidFill>
-                  <a:srgbClr val="1D1D1B"/>
-                </a:solidFill>
-                <a:latin typeface="IntelOne Display Regular"/>
-                <a:cs typeface="IntelOne Display Regular"/>
-              </a:rPr>
-              <a:t> </a:t>
-            </a:r>
-            <a:r>
-              <a:rPr sz="1150" dirty="0">
-                <a:solidFill>
-                  <a:srgbClr val="1D1D1B"/>
-                </a:solidFill>
-                <a:latin typeface="IntelOne Display Regular"/>
-                <a:cs typeface="IntelOne Display Regular"/>
-              </a:rPr>
-              <a:t>właśnie</a:t>
-            </a:r>
-            <a:r>
-              <a:rPr sz="1150" spc="10" dirty="0">
-                <a:solidFill>
-                  <a:srgbClr val="1D1D1B"/>
-                </a:solidFill>
-                <a:latin typeface="IntelOne Display Regular"/>
-                <a:cs typeface="IntelOne Display Regular"/>
-              </a:rPr>
-              <a:t> </a:t>
-            </a:r>
-            <a:r>
-              <a:rPr sz="1150" dirty="0">
-                <a:solidFill>
-                  <a:srgbClr val="1D1D1B"/>
-                </a:solidFill>
-                <a:latin typeface="IntelOne Display Regular"/>
-                <a:cs typeface="IntelOne Display Regular"/>
-              </a:rPr>
-              <a:t>tyle.</a:t>
-            </a:r>
-            <a:r>
-              <a:rPr sz="1150" spc="5" dirty="0">
-                <a:solidFill>
-                  <a:srgbClr val="1D1D1B"/>
-                </a:solidFill>
-                <a:latin typeface="IntelOne Display Regular"/>
-                <a:cs typeface="IntelOne Display Regular"/>
-              </a:rPr>
-              <a:t> </a:t>
-            </a:r>
-            <a:r>
-              <a:rPr sz="1150" dirty="0">
-                <a:solidFill>
-                  <a:srgbClr val="1D1D1B"/>
-                </a:solidFill>
-                <a:latin typeface="IntelOne Display Regular"/>
-                <a:cs typeface="IntelOne Display Regular"/>
-              </a:rPr>
-              <a:t>1500</a:t>
-            </a:r>
-            <a:r>
-              <a:rPr sz="1150" spc="5" dirty="0">
-                <a:solidFill>
-                  <a:srgbClr val="1D1D1B"/>
-                </a:solidFill>
-                <a:latin typeface="IntelOne Display Regular"/>
-                <a:cs typeface="IntelOne Display Regular"/>
-              </a:rPr>
-              <a:t> </a:t>
-            </a:r>
-            <a:r>
-              <a:rPr sz="1150" dirty="0">
-                <a:solidFill>
-                  <a:srgbClr val="1D1D1B"/>
-                </a:solidFill>
-                <a:latin typeface="IntelOne Display Regular"/>
-                <a:cs typeface="IntelOne Display Regular"/>
-              </a:rPr>
-              <a:t>znaków</a:t>
-            </a:r>
-            <a:r>
-              <a:rPr sz="1150" spc="10" dirty="0">
-                <a:solidFill>
-                  <a:srgbClr val="1D1D1B"/>
-                </a:solidFill>
-                <a:latin typeface="IntelOne Display Regular"/>
-                <a:cs typeface="IntelOne Display Regular"/>
-              </a:rPr>
-              <a:t> </a:t>
-            </a:r>
-            <a:r>
-              <a:rPr sz="1150" dirty="0">
-                <a:solidFill>
-                  <a:srgbClr val="1D1D1B"/>
-                </a:solidFill>
-                <a:latin typeface="IntelOne Display Regular"/>
-                <a:cs typeface="IntelOne Display Regular"/>
-              </a:rPr>
-              <a:t>to</a:t>
-            </a:r>
-            <a:r>
-              <a:rPr sz="1150" spc="5" dirty="0">
-                <a:solidFill>
-                  <a:srgbClr val="1D1D1B"/>
-                </a:solidFill>
-                <a:latin typeface="IntelOne Display Regular"/>
-                <a:cs typeface="IntelOne Display Regular"/>
-              </a:rPr>
-              <a:t> </a:t>
-            </a:r>
-            <a:r>
-              <a:rPr sz="1150" dirty="0">
-                <a:solidFill>
-                  <a:srgbClr val="1D1D1B"/>
-                </a:solidFill>
-                <a:latin typeface="IntelOne Display Regular"/>
-                <a:cs typeface="IntelOne Display Regular"/>
-              </a:rPr>
-              <a:t>jest</a:t>
-            </a:r>
-            <a:r>
-              <a:rPr sz="1150" spc="10" dirty="0">
-                <a:solidFill>
-                  <a:srgbClr val="1D1D1B"/>
-                </a:solidFill>
-                <a:latin typeface="IntelOne Display Regular"/>
-                <a:cs typeface="IntelOne Display Regular"/>
-              </a:rPr>
-              <a:t> </a:t>
-            </a:r>
-            <a:r>
-              <a:rPr sz="1150" dirty="0">
-                <a:solidFill>
-                  <a:srgbClr val="1D1D1B"/>
-                </a:solidFill>
-                <a:latin typeface="IntelOne Display Regular"/>
-                <a:cs typeface="IntelOne Display Regular"/>
-              </a:rPr>
-              <a:t>właśnie</a:t>
-            </a:r>
-            <a:r>
-              <a:rPr sz="1150" spc="5" dirty="0">
-                <a:solidFill>
-                  <a:srgbClr val="1D1D1B"/>
-                </a:solidFill>
-                <a:latin typeface="IntelOne Display Regular"/>
-                <a:cs typeface="IntelOne Display Regular"/>
-              </a:rPr>
-              <a:t> </a:t>
-            </a:r>
-            <a:r>
-              <a:rPr sz="1150" dirty="0">
-                <a:solidFill>
-                  <a:srgbClr val="1D1D1B"/>
-                </a:solidFill>
-                <a:latin typeface="IntelOne Display Regular"/>
-                <a:cs typeface="IntelOne Display Regular"/>
-              </a:rPr>
-              <a:t>tyle.</a:t>
-            </a:r>
-            <a:r>
-              <a:rPr sz="1150" spc="5" dirty="0">
-                <a:solidFill>
-                  <a:srgbClr val="1D1D1B"/>
-                </a:solidFill>
-                <a:latin typeface="IntelOne Display Regular"/>
-                <a:cs typeface="IntelOne Display Regular"/>
-              </a:rPr>
-              <a:t> </a:t>
-            </a:r>
-            <a:r>
-              <a:rPr sz="1150" dirty="0">
-                <a:solidFill>
-                  <a:srgbClr val="1D1D1B"/>
-                </a:solidFill>
-                <a:latin typeface="IntelOne Display Regular"/>
-                <a:cs typeface="IntelOne Display Regular"/>
-              </a:rPr>
-              <a:t>1500</a:t>
-            </a:r>
-            <a:r>
-              <a:rPr sz="1150" spc="10" dirty="0">
-                <a:solidFill>
-                  <a:srgbClr val="1D1D1B"/>
-                </a:solidFill>
-                <a:latin typeface="IntelOne Display Regular"/>
-                <a:cs typeface="IntelOne Display Regular"/>
-              </a:rPr>
-              <a:t> </a:t>
-            </a:r>
-            <a:r>
-              <a:rPr sz="1150" dirty="0">
-                <a:solidFill>
-                  <a:srgbClr val="1D1D1B"/>
-                </a:solidFill>
-                <a:latin typeface="IntelOne Display Regular"/>
-                <a:cs typeface="IntelOne Display Regular"/>
-              </a:rPr>
-              <a:t>znaków</a:t>
-            </a:r>
-            <a:r>
-              <a:rPr sz="1150" spc="5" dirty="0">
-                <a:solidFill>
-                  <a:srgbClr val="1D1D1B"/>
-                </a:solidFill>
-                <a:latin typeface="IntelOne Display Regular"/>
-                <a:cs typeface="IntelOne Display Regular"/>
-              </a:rPr>
-              <a:t> </a:t>
-            </a:r>
-            <a:r>
-              <a:rPr sz="1150" dirty="0">
-                <a:solidFill>
-                  <a:srgbClr val="1D1D1B"/>
-                </a:solidFill>
-                <a:latin typeface="IntelOne Display Regular"/>
-                <a:cs typeface="IntelOne Display Regular"/>
-              </a:rPr>
-              <a:t>to</a:t>
-            </a:r>
-            <a:r>
-              <a:rPr sz="1150" spc="5" dirty="0">
-                <a:solidFill>
-                  <a:srgbClr val="1D1D1B"/>
-                </a:solidFill>
-                <a:latin typeface="IntelOne Display Regular"/>
-                <a:cs typeface="IntelOne Display Regular"/>
-              </a:rPr>
-              <a:t> </a:t>
-            </a:r>
-            <a:r>
-              <a:rPr sz="1150" spc="-20" dirty="0">
-                <a:solidFill>
-                  <a:srgbClr val="1D1D1B"/>
-                </a:solidFill>
-                <a:latin typeface="IntelOne Display Regular"/>
-                <a:cs typeface="IntelOne Display Regular"/>
-              </a:rPr>
-              <a:t>jest</a:t>
-            </a:r>
-            <a:r>
-              <a:rPr sz="1150" dirty="0">
-                <a:solidFill>
-                  <a:srgbClr val="1D1D1B"/>
-                </a:solidFill>
-                <a:latin typeface="IntelOne Display Regular"/>
-                <a:cs typeface="IntelOne Display Regular"/>
-              </a:rPr>
-              <a:t> właśnie</a:t>
-            </a:r>
-            <a:r>
-              <a:rPr sz="1150" spc="10" dirty="0">
-                <a:solidFill>
-                  <a:srgbClr val="1D1D1B"/>
-                </a:solidFill>
-                <a:latin typeface="IntelOne Display Regular"/>
-                <a:cs typeface="IntelOne Display Regular"/>
-              </a:rPr>
-              <a:t> </a:t>
-            </a:r>
-            <a:r>
-              <a:rPr sz="1150" dirty="0">
-                <a:solidFill>
-                  <a:srgbClr val="1D1D1B"/>
-                </a:solidFill>
-                <a:latin typeface="IntelOne Display Regular"/>
-                <a:cs typeface="IntelOne Display Regular"/>
-              </a:rPr>
-              <a:t>tyle.</a:t>
-            </a:r>
-            <a:r>
-              <a:rPr sz="1150" spc="10" dirty="0">
-                <a:solidFill>
-                  <a:srgbClr val="1D1D1B"/>
-                </a:solidFill>
-                <a:latin typeface="IntelOne Display Regular"/>
-                <a:cs typeface="IntelOne Display Regular"/>
-              </a:rPr>
-              <a:t> </a:t>
-            </a:r>
-            <a:r>
-              <a:rPr sz="1150" dirty="0">
-                <a:solidFill>
-                  <a:srgbClr val="1D1D1B"/>
-                </a:solidFill>
-                <a:latin typeface="IntelOne Display Regular"/>
-                <a:cs typeface="IntelOne Display Regular"/>
-              </a:rPr>
-              <a:t>1500</a:t>
-            </a:r>
-            <a:r>
-              <a:rPr sz="1150" spc="10" dirty="0">
-                <a:solidFill>
-                  <a:srgbClr val="1D1D1B"/>
-                </a:solidFill>
-                <a:latin typeface="IntelOne Display Regular"/>
-                <a:cs typeface="IntelOne Display Regular"/>
-              </a:rPr>
-              <a:t> </a:t>
-            </a:r>
-            <a:r>
-              <a:rPr sz="1150" dirty="0">
-                <a:solidFill>
-                  <a:srgbClr val="1D1D1B"/>
-                </a:solidFill>
-                <a:latin typeface="IntelOne Display Regular"/>
-                <a:cs typeface="IntelOne Display Regular"/>
-              </a:rPr>
-              <a:t>znaków</a:t>
-            </a:r>
-            <a:r>
-              <a:rPr sz="1150" spc="10" dirty="0">
-                <a:solidFill>
-                  <a:srgbClr val="1D1D1B"/>
-                </a:solidFill>
-                <a:latin typeface="IntelOne Display Regular"/>
-                <a:cs typeface="IntelOne Display Regular"/>
-              </a:rPr>
-              <a:t> </a:t>
-            </a:r>
-            <a:r>
-              <a:rPr sz="1150" dirty="0">
-                <a:solidFill>
-                  <a:srgbClr val="1D1D1B"/>
-                </a:solidFill>
-                <a:latin typeface="IntelOne Display Regular"/>
-                <a:cs typeface="IntelOne Display Regular"/>
-              </a:rPr>
-              <a:t>to</a:t>
-            </a:r>
-            <a:r>
-              <a:rPr sz="1150" spc="10" dirty="0">
-                <a:solidFill>
-                  <a:srgbClr val="1D1D1B"/>
-                </a:solidFill>
-                <a:latin typeface="IntelOne Display Regular"/>
-                <a:cs typeface="IntelOne Display Regular"/>
-              </a:rPr>
-              <a:t> </a:t>
-            </a:r>
-            <a:r>
-              <a:rPr sz="1150" dirty="0">
-                <a:solidFill>
-                  <a:srgbClr val="1D1D1B"/>
-                </a:solidFill>
-                <a:latin typeface="IntelOne Display Regular"/>
-                <a:cs typeface="IntelOne Display Regular"/>
-              </a:rPr>
-              <a:t>jest</a:t>
-            </a:r>
-            <a:r>
-              <a:rPr sz="1150" spc="10" dirty="0">
-                <a:solidFill>
-                  <a:srgbClr val="1D1D1B"/>
-                </a:solidFill>
-                <a:latin typeface="IntelOne Display Regular"/>
-                <a:cs typeface="IntelOne Display Regular"/>
-              </a:rPr>
-              <a:t> </a:t>
-            </a:r>
-            <a:r>
-              <a:rPr sz="1150" dirty="0">
-                <a:solidFill>
-                  <a:srgbClr val="1D1D1B"/>
-                </a:solidFill>
-                <a:latin typeface="IntelOne Display Regular"/>
-                <a:cs typeface="IntelOne Display Regular"/>
-              </a:rPr>
-              <a:t>właśnie</a:t>
-            </a:r>
-            <a:r>
-              <a:rPr sz="1150" spc="10" dirty="0">
-                <a:solidFill>
-                  <a:srgbClr val="1D1D1B"/>
-                </a:solidFill>
-                <a:latin typeface="IntelOne Display Regular"/>
-                <a:cs typeface="IntelOne Display Regular"/>
-              </a:rPr>
-              <a:t> </a:t>
-            </a:r>
-            <a:r>
-              <a:rPr sz="1150" dirty="0">
-                <a:solidFill>
-                  <a:srgbClr val="1D1D1B"/>
-                </a:solidFill>
-                <a:latin typeface="IntelOne Display Regular"/>
-                <a:cs typeface="IntelOne Display Regular"/>
-              </a:rPr>
-              <a:t>tyle.</a:t>
-            </a:r>
-            <a:r>
-              <a:rPr sz="1150" spc="10" dirty="0">
-                <a:solidFill>
-                  <a:srgbClr val="1D1D1B"/>
-                </a:solidFill>
-                <a:latin typeface="IntelOne Display Regular"/>
-                <a:cs typeface="IntelOne Display Regular"/>
-              </a:rPr>
-              <a:t> </a:t>
-            </a:r>
-            <a:r>
-              <a:rPr sz="1150" dirty="0">
-                <a:solidFill>
-                  <a:srgbClr val="1D1D1B"/>
-                </a:solidFill>
-                <a:latin typeface="IntelOne Display Regular"/>
-                <a:cs typeface="IntelOne Display Regular"/>
-              </a:rPr>
-              <a:t>1500</a:t>
-            </a:r>
-            <a:r>
-              <a:rPr sz="1150" spc="10" dirty="0">
-                <a:solidFill>
-                  <a:srgbClr val="1D1D1B"/>
-                </a:solidFill>
-                <a:latin typeface="IntelOne Display Regular"/>
-                <a:cs typeface="IntelOne Display Regular"/>
-              </a:rPr>
-              <a:t> </a:t>
-            </a:r>
-            <a:r>
-              <a:rPr sz="1150" dirty="0">
-                <a:solidFill>
-                  <a:srgbClr val="1D1D1B"/>
-                </a:solidFill>
-                <a:latin typeface="IntelOne Display Regular"/>
-                <a:cs typeface="IntelOne Display Regular"/>
-              </a:rPr>
-              <a:t>znaków</a:t>
-            </a:r>
-            <a:r>
-              <a:rPr sz="1150" spc="10" dirty="0">
-                <a:solidFill>
-                  <a:srgbClr val="1D1D1B"/>
-                </a:solidFill>
-                <a:latin typeface="IntelOne Display Regular"/>
-                <a:cs typeface="IntelOne Display Regular"/>
-              </a:rPr>
-              <a:t> </a:t>
-            </a:r>
-            <a:r>
-              <a:rPr sz="1150" dirty="0">
-                <a:solidFill>
-                  <a:srgbClr val="1D1D1B"/>
-                </a:solidFill>
-                <a:latin typeface="IntelOne Display Regular"/>
-                <a:cs typeface="IntelOne Display Regular"/>
-              </a:rPr>
-              <a:t>to</a:t>
-            </a:r>
-            <a:r>
-              <a:rPr sz="1150" spc="10" dirty="0">
-                <a:solidFill>
-                  <a:srgbClr val="1D1D1B"/>
-                </a:solidFill>
-                <a:latin typeface="IntelOne Display Regular"/>
-                <a:cs typeface="IntelOne Display Regular"/>
-              </a:rPr>
-              <a:t> </a:t>
-            </a:r>
-            <a:r>
-              <a:rPr sz="1150" dirty="0">
-                <a:solidFill>
-                  <a:srgbClr val="1D1D1B"/>
-                </a:solidFill>
-                <a:latin typeface="IntelOne Display Regular"/>
-                <a:cs typeface="IntelOne Display Regular"/>
-              </a:rPr>
-              <a:t>jest</a:t>
-            </a:r>
-            <a:r>
-              <a:rPr sz="1150" spc="10" dirty="0">
-                <a:solidFill>
-                  <a:srgbClr val="1D1D1B"/>
-                </a:solidFill>
-                <a:latin typeface="IntelOne Display Regular"/>
-                <a:cs typeface="IntelOne Display Regular"/>
-              </a:rPr>
-              <a:t> </a:t>
-            </a:r>
-            <a:r>
-              <a:rPr sz="1150" dirty="0">
-                <a:solidFill>
-                  <a:srgbClr val="1D1D1B"/>
-                </a:solidFill>
-                <a:latin typeface="IntelOne Display Regular"/>
-                <a:cs typeface="IntelOne Display Regular"/>
-              </a:rPr>
-              <a:t>właśnie</a:t>
-            </a:r>
-            <a:r>
-              <a:rPr sz="1150" spc="10" dirty="0">
-                <a:solidFill>
-                  <a:srgbClr val="1D1D1B"/>
-                </a:solidFill>
-                <a:latin typeface="IntelOne Display Regular"/>
-                <a:cs typeface="IntelOne Display Regular"/>
-              </a:rPr>
-              <a:t> </a:t>
-            </a:r>
-            <a:r>
-              <a:rPr sz="1150" dirty="0">
-                <a:solidFill>
-                  <a:srgbClr val="1D1D1B"/>
-                </a:solidFill>
-                <a:latin typeface="IntelOne Display Regular"/>
-                <a:cs typeface="IntelOne Display Regular"/>
-              </a:rPr>
-              <a:t>tyle.</a:t>
-            </a:r>
-            <a:r>
-              <a:rPr sz="1150" spc="10" dirty="0">
-                <a:solidFill>
-                  <a:srgbClr val="1D1D1B"/>
-                </a:solidFill>
-                <a:latin typeface="IntelOne Display Regular"/>
-                <a:cs typeface="IntelOne Display Regular"/>
-              </a:rPr>
-              <a:t> </a:t>
-            </a:r>
-            <a:r>
-              <a:rPr sz="1150" spc="-20" dirty="0">
-                <a:solidFill>
-                  <a:srgbClr val="1D1D1B"/>
-                </a:solidFill>
-                <a:latin typeface="IntelOne Display Regular"/>
-                <a:cs typeface="IntelOne Display Regular"/>
-              </a:rPr>
-              <a:t>1500</a:t>
-            </a:r>
-            <a:r>
-              <a:rPr sz="1150" spc="500" dirty="0">
-                <a:solidFill>
-                  <a:srgbClr val="1D1D1B"/>
-                </a:solidFill>
-                <a:latin typeface="IntelOne Display Regular"/>
-                <a:cs typeface="IntelOne Display Regular"/>
-              </a:rPr>
-              <a:t> </a:t>
-            </a:r>
-            <a:r>
-              <a:rPr sz="1150" dirty="0">
-                <a:solidFill>
-                  <a:srgbClr val="1D1D1B"/>
-                </a:solidFill>
-                <a:latin typeface="IntelOne Display Regular"/>
-                <a:cs typeface="IntelOne Display Regular"/>
-              </a:rPr>
-              <a:t>znaków to</a:t>
-            </a:r>
-            <a:r>
-              <a:rPr sz="1150" spc="5" dirty="0">
-                <a:solidFill>
-                  <a:srgbClr val="1D1D1B"/>
-                </a:solidFill>
-                <a:latin typeface="IntelOne Display Regular"/>
-                <a:cs typeface="IntelOne Display Regular"/>
-              </a:rPr>
-              <a:t> </a:t>
-            </a:r>
-            <a:r>
-              <a:rPr sz="1150" dirty="0">
-                <a:solidFill>
-                  <a:srgbClr val="1D1D1B"/>
-                </a:solidFill>
-                <a:latin typeface="IntelOne Display Regular"/>
-                <a:cs typeface="IntelOne Display Regular"/>
-              </a:rPr>
-              <a:t>jest</a:t>
-            </a:r>
-            <a:r>
-              <a:rPr sz="1150" spc="5" dirty="0">
-                <a:solidFill>
-                  <a:srgbClr val="1D1D1B"/>
-                </a:solidFill>
-                <a:latin typeface="IntelOne Display Regular"/>
-                <a:cs typeface="IntelOne Display Regular"/>
-              </a:rPr>
-              <a:t> </a:t>
-            </a:r>
-            <a:r>
-              <a:rPr sz="1150" dirty="0">
-                <a:solidFill>
-                  <a:srgbClr val="1D1D1B"/>
-                </a:solidFill>
-                <a:latin typeface="IntelOne Display Regular"/>
-                <a:cs typeface="IntelOne Display Regular"/>
-              </a:rPr>
-              <a:t>właśnie</a:t>
-            </a:r>
-            <a:r>
-              <a:rPr sz="1150" spc="5" dirty="0">
-                <a:solidFill>
-                  <a:srgbClr val="1D1D1B"/>
-                </a:solidFill>
-                <a:latin typeface="IntelOne Display Regular"/>
-                <a:cs typeface="IntelOne Display Regular"/>
-              </a:rPr>
-              <a:t> </a:t>
-            </a:r>
-            <a:r>
-              <a:rPr sz="1150" dirty="0">
-                <a:solidFill>
-                  <a:srgbClr val="1D1D1B"/>
-                </a:solidFill>
-                <a:latin typeface="IntelOne Display Regular"/>
-                <a:cs typeface="IntelOne Display Regular"/>
-              </a:rPr>
-              <a:t>tyle.</a:t>
-            </a:r>
-            <a:r>
-              <a:rPr sz="1150" spc="5" dirty="0">
-                <a:solidFill>
-                  <a:srgbClr val="1D1D1B"/>
-                </a:solidFill>
-                <a:latin typeface="IntelOne Display Regular"/>
-                <a:cs typeface="IntelOne Display Regular"/>
-              </a:rPr>
-              <a:t> </a:t>
-            </a:r>
-            <a:r>
-              <a:rPr sz="1150" dirty="0">
-                <a:solidFill>
-                  <a:srgbClr val="1D1D1B"/>
-                </a:solidFill>
-                <a:latin typeface="IntelOne Display Regular"/>
-                <a:cs typeface="IntelOne Display Regular"/>
-              </a:rPr>
-              <a:t>1500</a:t>
-            </a:r>
-            <a:r>
-              <a:rPr sz="1150" spc="5" dirty="0">
-                <a:solidFill>
-                  <a:srgbClr val="1D1D1B"/>
-                </a:solidFill>
-                <a:latin typeface="IntelOne Display Regular"/>
-                <a:cs typeface="IntelOne Display Regular"/>
-              </a:rPr>
-              <a:t> </a:t>
-            </a:r>
-            <a:r>
-              <a:rPr sz="1150" dirty="0">
-                <a:solidFill>
-                  <a:srgbClr val="1D1D1B"/>
-                </a:solidFill>
-                <a:latin typeface="IntelOne Display Regular"/>
-                <a:cs typeface="IntelOne Display Regular"/>
-              </a:rPr>
-              <a:t>znaków</a:t>
-            </a:r>
-            <a:r>
-              <a:rPr sz="1150" spc="5" dirty="0">
-                <a:solidFill>
-                  <a:srgbClr val="1D1D1B"/>
-                </a:solidFill>
-                <a:latin typeface="IntelOne Display Regular"/>
-                <a:cs typeface="IntelOne Display Regular"/>
-              </a:rPr>
-              <a:t> </a:t>
-            </a:r>
-            <a:r>
-              <a:rPr sz="1150" dirty="0">
-                <a:solidFill>
-                  <a:srgbClr val="1D1D1B"/>
-                </a:solidFill>
-                <a:latin typeface="IntelOne Display Regular"/>
-                <a:cs typeface="IntelOne Display Regular"/>
-              </a:rPr>
-              <a:t>to</a:t>
-            </a:r>
-            <a:r>
-              <a:rPr sz="1150" spc="5" dirty="0">
-                <a:solidFill>
-                  <a:srgbClr val="1D1D1B"/>
-                </a:solidFill>
-                <a:latin typeface="IntelOne Display Regular"/>
-                <a:cs typeface="IntelOne Display Regular"/>
-              </a:rPr>
-              <a:t> </a:t>
-            </a:r>
-            <a:r>
-              <a:rPr sz="1150" dirty="0">
-                <a:solidFill>
-                  <a:srgbClr val="1D1D1B"/>
-                </a:solidFill>
-                <a:latin typeface="IntelOne Display Regular"/>
-                <a:cs typeface="IntelOne Display Regular"/>
-              </a:rPr>
-              <a:t>jest</a:t>
-            </a:r>
-            <a:r>
-              <a:rPr sz="1150" spc="5" dirty="0">
-                <a:solidFill>
-                  <a:srgbClr val="1D1D1B"/>
-                </a:solidFill>
-                <a:latin typeface="IntelOne Display Regular"/>
-                <a:cs typeface="IntelOne Display Regular"/>
-              </a:rPr>
-              <a:t> </a:t>
-            </a:r>
-            <a:r>
-              <a:rPr sz="1150" dirty="0">
-                <a:solidFill>
-                  <a:srgbClr val="1D1D1B"/>
-                </a:solidFill>
-                <a:latin typeface="IntelOne Display Regular"/>
-                <a:cs typeface="IntelOne Display Regular"/>
-              </a:rPr>
-              <a:t>właśnie</a:t>
-            </a:r>
-            <a:r>
-              <a:rPr sz="1150" spc="5" dirty="0">
-                <a:solidFill>
-                  <a:srgbClr val="1D1D1B"/>
-                </a:solidFill>
-                <a:latin typeface="IntelOne Display Regular"/>
-                <a:cs typeface="IntelOne Display Regular"/>
-              </a:rPr>
-              <a:t> </a:t>
-            </a:r>
-            <a:r>
-              <a:rPr sz="1150" dirty="0">
-                <a:solidFill>
-                  <a:srgbClr val="1D1D1B"/>
-                </a:solidFill>
-                <a:latin typeface="IntelOne Display Regular"/>
-                <a:cs typeface="IntelOne Display Regular"/>
-              </a:rPr>
-              <a:t>tyle.</a:t>
-            </a:r>
-            <a:r>
-              <a:rPr sz="1150" spc="5" dirty="0">
-                <a:solidFill>
-                  <a:srgbClr val="1D1D1B"/>
-                </a:solidFill>
-                <a:latin typeface="IntelOne Display Regular"/>
-                <a:cs typeface="IntelOne Display Regular"/>
-              </a:rPr>
-              <a:t> </a:t>
-            </a:r>
-            <a:r>
-              <a:rPr sz="1150" dirty="0">
-                <a:solidFill>
-                  <a:srgbClr val="1D1D1B"/>
-                </a:solidFill>
-                <a:latin typeface="IntelOne Display Regular"/>
-                <a:cs typeface="IntelOne Display Regular"/>
-              </a:rPr>
-              <a:t>1500</a:t>
-            </a:r>
-            <a:r>
-              <a:rPr sz="1150" spc="5" dirty="0">
-                <a:solidFill>
-                  <a:srgbClr val="1D1D1B"/>
-                </a:solidFill>
-                <a:latin typeface="IntelOne Display Regular"/>
-                <a:cs typeface="IntelOne Display Regular"/>
-              </a:rPr>
-              <a:t> </a:t>
-            </a:r>
-            <a:r>
-              <a:rPr sz="1150" dirty="0">
-                <a:solidFill>
-                  <a:srgbClr val="1D1D1B"/>
-                </a:solidFill>
-                <a:latin typeface="IntelOne Display Regular"/>
-                <a:cs typeface="IntelOne Display Regular"/>
-              </a:rPr>
-              <a:t>znaków</a:t>
-            </a:r>
-            <a:r>
-              <a:rPr sz="1150" spc="5" dirty="0">
-                <a:solidFill>
-                  <a:srgbClr val="1D1D1B"/>
-                </a:solidFill>
-                <a:latin typeface="IntelOne Display Regular"/>
-                <a:cs typeface="IntelOne Display Regular"/>
-              </a:rPr>
-              <a:t> </a:t>
-            </a:r>
-            <a:r>
-              <a:rPr sz="1150" dirty="0">
-                <a:solidFill>
-                  <a:srgbClr val="1D1D1B"/>
-                </a:solidFill>
-                <a:latin typeface="IntelOne Display Regular"/>
-                <a:cs typeface="IntelOne Display Regular"/>
-              </a:rPr>
-              <a:t>to</a:t>
-            </a:r>
-            <a:r>
-              <a:rPr sz="1150" spc="5" dirty="0">
-                <a:solidFill>
-                  <a:srgbClr val="1D1D1B"/>
-                </a:solidFill>
-                <a:latin typeface="IntelOne Display Regular"/>
-                <a:cs typeface="IntelOne Display Regular"/>
-              </a:rPr>
-              <a:t> </a:t>
-            </a:r>
-            <a:r>
-              <a:rPr sz="1150" dirty="0">
-                <a:solidFill>
-                  <a:srgbClr val="1D1D1B"/>
-                </a:solidFill>
-                <a:latin typeface="IntelOne Display Regular"/>
-                <a:cs typeface="IntelOne Display Regular"/>
-              </a:rPr>
-              <a:t>jest</a:t>
-            </a:r>
-            <a:r>
-              <a:rPr sz="1150" spc="5" dirty="0">
-                <a:solidFill>
-                  <a:srgbClr val="1D1D1B"/>
-                </a:solidFill>
-                <a:latin typeface="IntelOne Display Regular"/>
-                <a:cs typeface="IntelOne Display Regular"/>
-              </a:rPr>
-              <a:t> </a:t>
-            </a:r>
-            <a:r>
-              <a:rPr sz="1150" spc="-10" dirty="0">
-                <a:solidFill>
-                  <a:srgbClr val="1D1D1B"/>
-                </a:solidFill>
-                <a:latin typeface="IntelOne Display Regular"/>
-                <a:cs typeface="IntelOne Display Regular"/>
-              </a:rPr>
-              <a:t>właśnie </a:t>
-            </a:r>
-            <a:r>
-              <a:rPr sz="1150" dirty="0">
-                <a:solidFill>
-                  <a:srgbClr val="1D1D1B"/>
-                </a:solidFill>
-                <a:latin typeface="IntelOne Display Regular"/>
-                <a:cs typeface="IntelOne Display Regular"/>
-              </a:rPr>
-              <a:t>tyle.</a:t>
-            </a:r>
-            <a:r>
-              <a:rPr sz="1150" spc="5" dirty="0">
-                <a:solidFill>
-                  <a:srgbClr val="1D1D1B"/>
-                </a:solidFill>
-                <a:latin typeface="IntelOne Display Regular"/>
-                <a:cs typeface="IntelOne Display Regular"/>
-              </a:rPr>
-              <a:t> </a:t>
-            </a:r>
-            <a:r>
-              <a:rPr sz="1150" dirty="0">
-                <a:solidFill>
-                  <a:srgbClr val="1D1D1B"/>
-                </a:solidFill>
-                <a:latin typeface="IntelOne Display Regular"/>
-                <a:cs typeface="IntelOne Display Regular"/>
-              </a:rPr>
-              <a:t>1500</a:t>
-            </a:r>
-            <a:r>
-              <a:rPr sz="1150" spc="5" dirty="0">
-                <a:solidFill>
-                  <a:srgbClr val="1D1D1B"/>
-                </a:solidFill>
-                <a:latin typeface="IntelOne Display Regular"/>
-                <a:cs typeface="IntelOne Display Regular"/>
-              </a:rPr>
-              <a:t> </a:t>
-            </a:r>
-            <a:r>
-              <a:rPr sz="1150" dirty="0">
-                <a:solidFill>
-                  <a:srgbClr val="1D1D1B"/>
-                </a:solidFill>
-                <a:latin typeface="IntelOne Display Regular"/>
-                <a:cs typeface="IntelOne Display Regular"/>
-              </a:rPr>
-              <a:t>znaków</a:t>
-            </a:r>
-            <a:r>
-              <a:rPr sz="1150" spc="10" dirty="0">
-                <a:solidFill>
-                  <a:srgbClr val="1D1D1B"/>
-                </a:solidFill>
-                <a:latin typeface="IntelOne Display Regular"/>
-                <a:cs typeface="IntelOne Display Regular"/>
-              </a:rPr>
-              <a:t> </a:t>
-            </a:r>
-            <a:r>
-              <a:rPr sz="1150" dirty="0">
-                <a:solidFill>
-                  <a:srgbClr val="1D1D1B"/>
-                </a:solidFill>
-                <a:latin typeface="IntelOne Display Regular"/>
-                <a:cs typeface="IntelOne Display Regular"/>
-              </a:rPr>
-              <a:t>to</a:t>
-            </a:r>
-            <a:r>
-              <a:rPr sz="1150" spc="5" dirty="0">
-                <a:solidFill>
-                  <a:srgbClr val="1D1D1B"/>
-                </a:solidFill>
-                <a:latin typeface="IntelOne Display Regular"/>
-                <a:cs typeface="IntelOne Display Regular"/>
-              </a:rPr>
-              <a:t> </a:t>
-            </a:r>
-            <a:r>
-              <a:rPr sz="1150" dirty="0">
-                <a:solidFill>
-                  <a:srgbClr val="1D1D1B"/>
-                </a:solidFill>
-                <a:latin typeface="IntelOne Display Regular"/>
-                <a:cs typeface="IntelOne Display Regular"/>
-              </a:rPr>
-              <a:t>jest</a:t>
-            </a:r>
-            <a:r>
-              <a:rPr sz="1150" spc="5" dirty="0">
-                <a:solidFill>
-                  <a:srgbClr val="1D1D1B"/>
-                </a:solidFill>
-                <a:latin typeface="IntelOne Display Regular"/>
-                <a:cs typeface="IntelOne Display Regular"/>
-              </a:rPr>
-              <a:t> </a:t>
-            </a:r>
-            <a:r>
-              <a:rPr sz="1150" dirty="0">
-                <a:solidFill>
-                  <a:srgbClr val="1D1D1B"/>
-                </a:solidFill>
-                <a:latin typeface="IntelOne Display Regular"/>
-                <a:cs typeface="IntelOne Display Regular"/>
-              </a:rPr>
-              <a:t>właśnie</a:t>
-            </a:r>
-            <a:r>
-              <a:rPr sz="1150" spc="10" dirty="0">
-                <a:solidFill>
-                  <a:srgbClr val="1D1D1B"/>
-                </a:solidFill>
-                <a:latin typeface="IntelOne Display Regular"/>
-                <a:cs typeface="IntelOne Display Regular"/>
-              </a:rPr>
-              <a:t> </a:t>
-            </a:r>
-            <a:r>
-              <a:rPr sz="1150" dirty="0">
-                <a:solidFill>
-                  <a:srgbClr val="1D1D1B"/>
-                </a:solidFill>
-                <a:latin typeface="IntelOne Display Regular"/>
-                <a:cs typeface="IntelOne Display Regular"/>
-              </a:rPr>
-              <a:t>tyle.</a:t>
-            </a:r>
-            <a:r>
-              <a:rPr sz="1150" spc="5" dirty="0">
-                <a:solidFill>
-                  <a:srgbClr val="1D1D1B"/>
-                </a:solidFill>
-                <a:latin typeface="IntelOne Display Regular"/>
-                <a:cs typeface="IntelOne Display Regular"/>
-              </a:rPr>
-              <a:t> </a:t>
-            </a:r>
-            <a:r>
-              <a:rPr sz="1150" dirty="0">
-                <a:solidFill>
-                  <a:srgbClr val="1D1D1B"/>
-                </a:solidFill>
-                <a:latin typeface="IntelOne Display Regular"/>
-                <a:cs typeface="IntelOne Display Regular"/>
-              </a:rPr>
-              <a:t>1500</a:t>
-            </a:r>
-            <a:r>
-              <a:rPr sz="1150" spc="5" dirty="0">
-                <a:solidFill>
-                  <a:srgbClr val="1D1D1B"/>
-                </a:solidFill>
-                <a:latin typeface="IntelOne Display Regular"/>
-                <a:cs typeface="IntelOne Display Regular"/>
-              </a:rPr>
-              <a:t> </a:t>
-            </a:r>
-            <a:r>
-              <a:rPr sz="1150" dirty="0">
-                <a:solidFill>
-                  <a:srgbClr val="1D1D1B"/>
-                </a:solidFill>
-                <a:latin typeface="IntelOne Display Regular"/>
-                <a:cs typeface="IntelOne Display Regular"/>
-              </a:rPr>
-              <a:t>znaków</a:t>
-            </a:r>
-            <a:r>
-              <a:rPr sz="1150" spc="10" dirty="0">
-                <a:solidFill>
-                  <a:srgbClr val="1D1D1B"/>
-                </a:solidFill>
-                <a:latin typeface="IntelOne Display Regular"/>
-                <a:cs typeface="IntelOne Display Regular"/>
-              </a:rPr>
-              <a:t> </a:t>
-            </a:r>
-            <a:r>
-              <a:rPr sz="1150" dirty="0">
-                <a:solidFill>
-                  <a:srgbClr val="1D1D1B"/>
-                </a:solidFill>
-                <a:latin typeface="IntelOne Display Regular"/>
-                <a:cs typeface="IntelOne Display Regular"/>
-              </a:rPr>
-              <a:t>to</a:t>
-            </a:r>
-            <a:r>
-              <a:rPr sz="1150" spc="5" dirty="0">
-                <a:solidFill>
-                  <a:srgbClr val="1D1D1B"/>
-                </a:solidFill>
-                <a:latin typeface="IntelOne Display Regular"/>
-                <a:cs typeface="IntelOne Display Regular"/>
-              </a:rPr>
-              <a:t> </a:t>
-            </a:r>
-            <a:r>
-              <a:rPr sz="1150" dirty="0">
-                <a:solidFill>
-                  <a:srgbClr val="1D1D1B"/>
-                </a:solidFill>
-                <a:latin typeface="IntelOne Display Regular"/>
-                <a:cs typeface="IntelOne Display Regular"/>
-              </a:rPr>
-              <a:t>jest</a:t>
-            </a:r>
-            <a:r>
-              <a:rPr sz="1150" spc="10" dirty="0">
-                <a:solidFill>
-                  <a:srgbClr val="1D1D1B"/>
-                </a:solidFill>
-                <a:latin typeface="IntelOne Display Regular"/>
-                <a:cs typeface="IntelOne Display Regular"/>
-              </a:rPr>
-              <a:t> </a:t>
-            </a:r>
-            <a:r>
-              <a:rPr sz="1150" dirty="0">
-                <a:solidFill>
-                  <a:srgbClr val="1D1D1B"/>
-                </a:solidFill>
-                <a:latin typeface="IntelOne Display Regular"/>
-                <a:cs typeface="IntelOne Display Regular"/>
-              </a:rPr>
-              <a:t>właśnie</a:t>
-            </a:r>
-            <a:r>
-              <a:rPr sz="1150" spc="5" dirty="0">
-                <a:solidFill>
-                  <a:srgbClr val="1D1D1B"/>
-                </a:solidFill>
-                <a:latin typeface="IntelOne Display Regular"/>
-                <a:cs typeface="IntelOne Display Regular"/>
-              </a:rPr>
-              <a:t> </a:t>
-            </a:r>
-            <a:r>
-              <a:rPr sz="1150" dirty="0">
-                <a:solidFill>
-                  <a:srgbClr val="1D1D1B"/>
-                </a:solidFill>
-                <a:latin typeface="IntelOne Display Regular"/>
-                <a:cs typeface="IntelOne Display Regular"/>
-              </a:rPr>
-              <a:t>tyle.</a:t>
-            </a:r>
-            <a:r>
-              <a:rPr sz="1150" spc="5" dirty="0">
-                <a:solidFill>
-                  <a:srgbClr val="1D1D1B"/>
-                </a:solidFill>
-                <a:latin typeface="IntelOne Display Regular"/>
-                <a:cs typeface="IntelOne Display Regular"/>
-              </a:rPr>
-              <a:t> </a:t>
-            </a:r>
-            <a:r>
-              <a:rPr sz="1150" dirty="0">
-                <a:solidFill>
-                  <a:srgbClr val="1D1D1B"/>
-                </a:solidFill>
-                <a:latin typeface="IntelOne Display Regular"/>
-                <a:cs typeface="IntelOne Display Regular"/>
-              </a:rPr>
-              <a:t>1500</a:t>
-            </a:r>
-            <a:r>
-              <a:rPr sz="1150" spc="10" dirty="0">
-                <a:solidFill>
-                  <a:srgbClr val="1D1D1B"/>
-                </a:solidFill>
-                <a:latin typeface="IntelOne Display Regular"/>
-                <a:cs typeface="IntelOne Display Regular"/>
-              </a:rPr>
-              <a:t> </a:t>
-            </a:r>
-            <a:r>
-              <a:rPr sz="1150" dirty="0">
-                <a:solidFill>
-                  <a:srgbClr val="1D1D1B"/>
-                </a:solidFill>
-                <a:latin typeface="IntelOne Display Regular"/>
-                <a:cs typeface="IntelOne Display Regular"/>
-              </a:rPr>
-              <a:t>znaków</a:t>
-            </a:r>
-            <a:r>
-              <a:rPr sz="1150" spc="5" dirty="0">
-                <a:solidFill>
-                  <a:srgbClr val="1D1D1B"/>
-                </a:solidFill>
-                <a:latin typeface="IntelOne Display Regular"/>
-                <a:cs typeface="IntelOne Display Regular"/>
-              </a:rPr>
-              <a:t> </a:t>
-            </a:r>
-            <a:r>
-              <a:rPr sz="1150" dirty="0">
-                <a:solidFill>
-                  <a:srgbClr val="1D1D1B"/>
-                </a:solidFill>
-                <a:latin typeface="IntelOne Display Regular"/>
-                <a:cs typeface="IntelOne Display Regular"/>
-              </a:rPr>
-              <a:t>to</a:t>
-            </a:r>
-            <a:r>
-              <a:rPr sz="1150" spc="5" dirty="0">
-                <a:solidFill>
-                  <a:srgbClr val="1D1D1B"/>
-                </a:solidFill>
-                <a:latin typeface="IntelOne Display Regular"/>
-                <a:cs typeface="IntelOne Display Regular"/>
-              </a:rPr>
-              <a:t> </a:t>
-            </a:r>
-            <a:r>
-              <a:rPr sz="1150" spc="-20" dirty="0">
-                <a:solidFill>
-                  <a:srgbClr val="1D1D1B"/>
-                </a:solidFill>
-                <a:latin typeface="IntelOne Display Regular"/>
-                <a:cs typeface="IntelOne Display Regular"/>
-              </a:rPr>
-              <a:t>jest</a:t>
-            </a:r>
-            <a:r>
-              <a:rPr sz="1150" dirty="0">
-                <a:solidFill>
-                  <a:srgbClr val="1D1D1B"/>
-                </a:solidFill>
-                <a:latin typeface="IntelOne Display Regular"/>
-                <a:cs typeface="IntelOne Display Regular"/>
-              </a:rPr>
-              <a:t> właśnie</a:t>
-            </a:r>
-            <a:r>
-              <a:rPr sz="1150" spc="5" dirty="0">
-                <a:solidFill>
-                  <a:srgbClr val="1D1D1B"/>
-                </a:solidFill>
-                <a:latin typeface="IntelOne Display Regular"/>
-                <a:cs typeface="IntelOne Display Regular"/>
-              </a:rPr>
-              <a:t> </a:t>
-            </a:r>
-            <a:r>
-              <a:rPr sz="1150" dirty="0">
-                <a:solidFill>
-                  <a:srgbClr val="1D1D1B"/>
-                </a:solidFill>
-                <a:latin typeface="IntelOne Display Regular"/>
-                <a:cs typeface="IntelOne Display Regular"/>
-              </a:rPr>
-              <a:t>tyle.</a:t>
-            </a:r>
-            <a:r>
-              <a:rPr sz="1150" spc="10" dirty="0">
-                <a:solidFill>
-                  <a:srgbClr val="1D1D1B"/>
-                </a:solidFill>
-                <a:latin typeface="IntelOne Display Regular"/>
-                <a:cs typeface="IntelOne Display Regular"/>
-              </a:rPr>
-              <a:t> </a:t>
-            </a:r>
-            <a:r>
-              <a:rPr sz="1150" dirty="0">
-                <a:solidFill>
-                  <a:srgbClr val="1D1D1B"/>
-                </a:solidFill>
-                <a:latin typeface="IntelOne Display Regular"/>
-                <a:cs typeface="IntelOne Display Regular"/>
-              </a:rPr>
-              <a:t>1500</a:t>
-            </a:r>
-            <a:r>
-              <a:rPr sz="1150" spc="10" dirty="0">
-                <a:solidFill>
-                  <a:srgbClr val="1D1D1B"/>
-                </a:solidFill>
-                <a:latin typeface="IntelOne Display Regular"/>
-                <a:cs typeface="IntelOne Display Regular"/>
-              </a:rPr>
-              <a:t> </a:t>
-            </a:r>
-            <a:r>
-              <a:rPr sz="1150" dirty="0">
-                <a:solidFill>
-                  <a:srgbClr val="1D1D1B"/>
-                </a:solidFill>
-                <a:latin typeface="IntelOne Display Regular"/>
-                <a:cs typeface="IntelOne Display Regular"/>
-              </a:rPr>
-              <a:t>znaków</a:t>
-            </a:r>
-            <a:r>
-              <a:rPr sz="1150" spc="10" dirty="0">
-                <a:solidFill>
-                  <a:srgbClr val="1D1D1B"/>
-                </a:solidFill>
-                <a:latin typeface="IntelOne Display Regular"/>
-                <a:cs typeface="IntelOne Display Regular"/>
-              </a:rPr>
-              <a:t> </a:t>
-            </a:r>
-            <a:r>
-              <a:rPr sz="1150" dirty="0">
-                <a:solidFill>
-                  <a:srgbClr val="1D1D1B"/>
-                </a:solidFill>
-                <a:latin typeface="IntelOne Display Regular"/>
-                <a:cs typeface="IntelOne Display Regular"/>
-              </a:rPr>
-              <a:t>to</a:t>
-            </a:r>
-            <a:r>
-              <a:rPr sz="1150" spc="10" dirty="0">
-                <a:solidFill>
-                  <a:srgbClr val="1D1D1B"/>
-                </a:solidFill>
-                <a:latin typeface="IntelOne Display Regular"/>
-                <a:cs typeface="IntelOne Display Regular"/>
-              </a:rPr>
-              <a:t> </a:t>
-            </a:r>
-            <a:r>
-              <a:rPr sz="1150" dirty="0">
-                <a:solidFill>
-                  <a:srgbClr val="1D1D1B"/>
-                </a:solidFill>
-                <a:latin typeface="IntelOne Display Regular"/>
-                <a:cs typeface="IntelOne Display Regular"/>
-              </a:rPr>
-              <a:t>właśnie</a:t>
-            </a:r>
-            <a:r>
-              <a:rPr sz="1150" spc="10" dirty="0">
-                <a:solidFill>
-                  <a:srgbClr val="1D1D1B"/>
-                </a:solidFill>
-                <a:latin typeface="IntelOne Display Regular"/>
-                <a:cs typeface="IntelOne Display Regular"/>
-              </a:rPr>
-              <a:t> </a:t>
-            </a:r>
-            <a:r>
-              <a:rPr sz="1150" dirty="0">
-                <a:solidFill>
-                  <a:srgbClr val="1D1D1B"/>
-                </a:solidFill>
-                <a:latin typeface="IntelOne Display Regular"/>
-                <a:cs typeface="IntelOne Display Regular"/>
-              </a:rPr>
-              <a:t>tyle.</a:t>
-            </a:r>
-            <a:r>
-              <a:rPr sz="1150" spc="10" dirty="0">
-                <a:solidFill>
-                  <a:srgbClr val="1D1D1B"/>
-                </a:solidFill>
-                <a:latin typeface="IntelOne Display Regular"/>
-                <a:cs typeface="IntelOne Display Regular"/>
-              </a:rPr>
-              <a:t> </a:t>
-            </a:r>
-            <a:r>
-              <a:rPr sz="1150" dirty="0">
-                <a:solidFill>
-                  <a:srgbClr val="1D1D1B"/>
-                </a:solidFill>
-                <a:latin typeface="IntelOne Display Regular"/>
-                <a:cs typeface="IntelOne Display Regular"/>
-              </a:rPr>
-              <a:t>1500</a:t>
-            </a:r>
-            <a:r>
-              <a:rPr sz="1150" spc="10" dirty="0">
-                <a:solidFill>
-                  <a:srgbClr val="1D1D1B"/>
-                </a:solidFill>
-                <a:latin typeface="IntelOne Display Regular"/>
-                <a:cs typeface="IntelOne Display Regular"/>
-              </a:rPr>
-              <a:t> </a:t>
-            </a:r>
-            <a:r>
-              <a:rPr sz="1150" dirty="0">
-                <a:solidFill>
-                  <a:srgbClr val="1D1D1B"/>
-                </a:solidFill>
-                <a:latin typeface="IntelOne Display Regular"/>
-                <a:cs typeface="IntelOne Display Regular"/>
-              </a:rPr>
-              <a:t>znaków</a:t>
-            </a:r>
-            <a:r>
-              <a:rPr sz="1150" spc="10" dirty="0">
-                <a:solidFill>
-                  <a:srgbClr val="1D1D1B"/>
-                </a:solidFill>
-                <a:latin typeface="IntelOne Display Regular"/>
-                <a:cs typeface="IntelOne Display Regular"/>
-              </a:rPr>
-              <a:t> </a:t>
-            </a:r>
-            <a:r>
-              <a:rPr sz="1150" dirty="0">
-                <a:solidFill>
-                  <a:srgbClr val="1D1D1B"/>
-                </a:solidFill>
-                <a:latin typeface="IntelOne Display Regular"/>
-                <a:cs typeface="IntelOne Display Regular"/>
-              </a:rPr>
-              <a:t>to</a:t>
-            </a:r>
-            <a:r>
-              <a:rPr sz="1150" spc="10" dirty="0">
-                <a:solidFill>
-                  <a:srgbClr val="1D1D1B"/>
-                </a:solidFill>
-                <a:latin typeface="IntelOne Display Regular"/>
-                <a:cs typeface="IntelOne Display Regular"/>
-              </a:rPr>
-              <a:t> </a:t>
-            </a:r>
-            <a:r>
-              <a:rPr sz="1150" dirty="0">
-                <a:solidFill>
-                  <a:srgbClr val="1D1D1B"/>
-                </a:solidFill>
-                <a:latin typeface="IntelOne Display Regular"/>
-                <a:cs typeface="IntelOne Display Regular"/>
-              </a:rPr>
-              <a:t>jest</a:t>
-            </a:r>
-            <a:r>
-              <a:rPr sz="1150" spc="10" dirty="0">
-                <a:solidFill>
-                  <a:srgbClr val="1D1D1B"/>
-                </a:solidFill>
-                <a:latin typeface="IntelOne Display Regular"/>
-                <a:cs typeface="IntelOne Display Regular"/>
-              </a:rPr>
-              <a:t> </a:t>
-            </a:r>
-            <a:r>
-              <a:rPr sz="1150" dirty="0">
-                <a:solidFill>
-                  <a:srgbClr val="1D1D1B"/>
-                </a:solidFill>
-                <a:latin typeface="IntelOne Display Regular"/>
-                <a:cs typeface="IntelOne Display Regular"/>
-              </a:rPr>
-              <a:t>właśnie</a:t>
-            </a:r>
-            <a:r>
-              <a:rPr sz="1150" spc="10" dirty="0">
-                <a:solidFill>
-                  <a:srgbClr val="1D1D1B"/>
-                </a:solidFill>
-                <a:latin typeface="IntelOne Display Regular"/>
-                <a:cs typeface="IntelOne Display Regular"/>
-              </a:rPr>
-              <a:t> </a:t>
-            </a:r>
-            <a:r>
-              <a:rPr sz="1150" spc="-10" dirty="0">
-                <a:solidFill>
-                  <a:srgbClr val="1D1D1B"/>
-                </a:solidFill>
-                <a:latin typeface="IntelOne Display Regular"/>
-                <a:cs typeface="IntelOne Display Regular"/>
-              </a:rPr>
-              <a:t>tyle.</a:t>
-            </a:r>
-            <a:endParaRPr sz="1150" dirty="0">
-              <a:latin typeface="IntelOne Display Regular"/>
-              <a:cs typeface="IntelOne Display Regular"/>
+              <a:rPr lang="pl-PL" sz="1100" dirty="0">
+                <a:effectLst/>
+                <a:latin typeface="Calibri" panose="020F0502020204030204" pitchFamily="34" charset="0"/>
+                <a:ea typeface="Calibri" panose="020F0502020204030204" pitchFamily="34" charset="0"/>
+                <a:cs typeface="Arial" panose="020B0604020202020204" pitchFamily="34" charset="0"/>
+              </a:rPr>
+              <a:t>Na etapie tworzenia sieci neuronowej testowaliśmy różne konfiguracje i ułożenia warstw oraz tensorów. </a:t>
+            </a:r>
+            <a:endParaRPr lang="en-US" sz="1100" dirty="0">
+              <a:effectLst/>
+              <a:latin typeface="Calibri" panose="020F0502020204030204" pitchFamily="34" charset="0"/>
+              <a:ea typeface="Calibri" panose="020F0502020204030204" pitchFamily="34" charset="0"/>
+              <a:cs typeface="Arial" panose="020B0604020202020204" pitchFamily="34" charset="0"/>
             </a:endParaRPr>
           </a:p>
-        </p:txBody>
-      </p:sp>
-      <p:sp>
-        <p:nvSpPr>
-          <p:cNvPr id="34" name="object 34"/>
-          <p:cNvSpPr txBox="1"/>
-          <p:nvPr/>
-        </p:nvSpPr>
-        <p:spPr>
-          <a:xfrm>
-            <a:off x="9466928" y="16991124"/>
-            <a:ext cx="2287270" cy="381000"/>
-          </a:xfrm>
-          <a:prstGeom prst="rect">
-            <a:avLst/>
-          </a:prstGeom>
-        </p:spPr>
-        <p:txBody>
-          <a:bodyPr vert="horz" wrap="square" lIns="0" tIns="12065" rIns="0" bIns="0" rtlCol="0">
-            <a:spAutoFit/>
-          </a:bodyPr>
-          <a:lstStyle/>
           <a:p>
-            <a:pPr marL="12700" marR="5080" indent="125730">
+            <a:pPr>
               <a:lnSpc>
-                <a:spcPct val="101400"/>
+                <a:spcPct val="107000"/>
               </a:lnSpc>
-              <a:spcBef>
-                <a:spcPts val="95"/>
-              </a:spcBef>
+              <a:spcAft>
+                <a:spcPts val="800"/>
+              </a:spcAft>
             </a:pPr>
             <a:r>
-              <a:rPr sz="1150" dirty="0">
-                <a:solidFill>
-                  <a:srgbClr val="1D1D1B"/>
-                </a:solidFill>
-                <a:latin typeface="IntelOne Display Regular"/>
-                <a:cs typeface="IntelOne Display Regular"/>
-              </a:rPr>
-              <a:t>Tutaj</a:t>
-            </a:r>
-            <a:r>
-              <a:rPr sz="1150" spc="-40" dirty="0">
-                <a:solidFill>
-                  <a:srgbClr val="1D1D1B"/>
-                </a:solidFill>
-                <a:latin typeface="IntelOne Display Regular"/>
-                <a:cs typeface="IntelOne Display Regular"/>
-              </a:rPr>
-              <a:t> </a:t>
-            </a:r>
-            <a:r>
-              <a:rPr sz="1150" dirty="0">
-                <a:solidFill>
-                  <a:srgbClr val="1D1D1B"/>
-                </a:solidFill>
-                <a:latin typeface="IntelOne Display Regular"/>
-                <a:cs typeface="IntelOne Display Regular"/>
-              </a:rPr>
-              <a:t>wstaw</a:t>
-            </a:r>
-            <a:r>
-              <a:rPr sz="1150" spc="-45" dirty="0">
-                <a:solidFill>
-                  <a:srgbClr val="1D1D1B"/>
-                </a:solidFill>
-                <a:latin typeface="IntelOne Display Regular"/>
-                <a:cs typeface="IntelOne Display Regular"/>
-              </a:rPr>
-              <a:t> </a:t>
-            </a:r>
-            <a:r>
-              <a:rPr sz="1150" spc="-10" dirty="0">
-                <a:solidFill>
-                  <a:srgbClr val="1D1D1B"/>
-                </a:solidFill>
-                <a:latin typeface="IntelOne Display Regular"/>
-                <a:cs typeface="IntelOne Display Regular"/>
-              </a:rPr>
-              <a:t>Twoją</a:t>
-            </a:r>
-            <a:r>
-              <a:rPr sz="1150" spc="-40" dirty="0">
-                <a:solidFill>
-                  <a:srgbClr val="1D1D1B"/>
-                </a:solidFill>
-                <a:latin typeface="IntelOne Display Regular"/>
-                <a:cs typeface="IntelOne Display Regular"/>
-              </a:rPr>
-              <a:t> </a:t>
-            </a:r>
-            <a:r>
-              <a:rPr sz="1150" dirty="0">
-                <a:solidFill>
-                  <a:srgbClr val="1D1D1B"/>
-                </a:solidFill>
-                <a:latin typeface="IntelOne Display Regular"/>
-                <a:cs typeface="IntelOne Display Regular"/>
-              </a:rPr>
-              <a:t>graﬁkę</a:t>
-            </a:r>
-            <a:r>
-              <a:rPr sz="1150" spc="-35" dirty="0">
-                <a:solidFill>
-                  <a:srgbClr val="1D1D1B"/>
-                </a:solidFill>
-                <a:latin typeface="IntelOne Display Regular"/>
-                <a:cs typeface="IntelOne Display Regular"/>
-              </a:rPr>
-              <a:t> </a:t>
-            </a:r>
-            <a:r>
-              <a:rPr sz="1150" spc="-10" dirty="0">
-                <a:solidFill>
-                  <a:srgbClr val="1D1D1B"/>
-                </a:solidFill>
-                <a:latin typeface="IntelOne Display Regular"/>
-                <a:cs typeface="IntelOne Display Regular"/>
-              </a:rPr>
-              <a:t>(zdję- </a:t>
-            </a:r>
-            <a:r>
-              <a:rPr sz="1150" dirty="0">
-                <a:solidFill>
-                  <a:srgbClr val="1D1D1B"/>
-                </a:solidFill>
-                <a:latin typeface="IntelOne Display Regular"/>
-                <a:cs typeface="IntelOne Display Regular"/>
-              </a:rPr>
-              <a:t>cie,zrzut</a:t>
-            </a:r>
-            <a:r>
-              <a:rPr sz="1150" spc="20" dirty="0">
-                <a:solidFill>
-                  <a:srgbClr val="1D1D1B"/>
-                </a:solidFill>
-                <a:latin typeface="IntelOne Display Regular"/>
-                <a:cs typeface="IntelOne Display Regular"/>
-              </a:rPr>
-              <a:t> </a:t>
-            </a:r>
-            <a:r>
-              <a:rPr sz="1150" dirty="0">
-                <a:solidFill>
-                  <a:srgbClr val="1D1D1B"/>
-                </a:solidFill>
-                <a:latin typeface="IntelOne Display Regular"/>
-                <a:cs typeface="IntelOne Display Regular"/>
-              </a:rPr>
-              <a:t>ekranu,</a:t>
-            </a:r>
-            <a:r>
-              <a:rPr sz="1150" spc="25" dirty="0">
-                <a:solidFill>
-                  <a:srgbClr val="1D1D1B"/>
-                </a:solidFill>
-                <a:latin typeface="IntelOne Display Regular"/>
-                <a:cs typeface="IntelOne Display Regular"/>
-              </a:rPr>
-              <a:t> </a:t>
-            </a:r>
-            <a:r>
-              <a:rPr sz="1150" dirty="0">
-                <a:solidFill>
-                  <a:srgbClr val="1D1D1B"/>
-                </a:solidFill>
-                <a:latin typeface="IntelOne Display Regular"/>
-                <a:cs typeface="IntelOne Display Regular"/>
-              </a:rPr>
-              <a:t>wykres,</a:t>
-            </a:r>
-            <a:r>
-              <a:rPr sz="1150" spc="25" dirty="0">
-                <a:solidFill>
-                  <a:srgbClr val="1D1D1B"/>
-                </a:solidFill>
-                <a:latin typeface="IntelOne Display Regular"/>
-                <a:cs typeface="IntelOne Display Regular"/>
-              </a:rPr>
-              <a:t> </a:t>
-            </a:r>
-            <a:r>
-              <a:rPr sz="1150" dirty="0">
-                <a:solidFill>
-                  <a:srgbClr val="1D1D1B"/>
-                </a:solidFill>
-                <a:latin typeface="IntelOne Display Regular"/>
-                <a:cs typeface="IntelOne Display Regular"/>
-              </a:rPr>
-              <a:t>tabelę,</a:t>
-            </a:r>
-            <a:r>
-              <a:rPr sz="1150" spc="20" dirty="0">
-                <a:solidFill>
-                  <a:srgbClr val="1D1D1B"/>
-                </a:solidFill>
-                <a:latin typeface="IntelOne Display Regular"/>
-                <a:cs typeface="IntelOne Display Regular"/>
-              </a:rPr>
-              <a:t> </a:t>
-            </a:r>
-            <a:r>
-              <a:rPr sz="1150" spc="-10" dirty="0">
-                <a:solidFill>
-                  <a:srgbClr val="1D1D1B"/>
-                </a:solidFill>
-                <a:latin typeface="IntelOne Display Regular"/>
-                <a:cs typeface="IntelOne Display Regular"/>
-              </a:rPr>
-              <a:t>itd.)</a:t>
-            </a:r>
-            <a:endParaRPr sz="1150">
-              <a:latin typeface="IntelOne Display Regular"/>
-              <a:cs typeface="IntelOne Display Regular"/>
+              <a:rPr lang="pl-PL" sz="1100" dirty="0">
+                <a:effectLst/>
+                <a:latin typeface="Calibri" panose="020F0502020204030204" pitchFamily="34" charset="0"/>
+                <a:ea typeface="Calibri" panose="020F0502020204030204" pitchFamily="34" charset="0"/>
+                <a:cs typeface="Arial" panose="020B0604020202020204" pitchFamily="34" charset="0"/>
+              </a:rPr>
+              <a:t>Na wykresie powyżej widać modele jedno i dwuwarstwowe.</a:t>
+            </a:r>
+            <a:endParaRPr lang="en-US" sz="1100" dirty="0">
+              <a:effectLst/>
+              <a:latin typeface="Calibri" panose="020F0502020204030204" pitchFamily="34" charset="0"/>
+              <a:ea typeface="Calibri" panose="020F0502020204030204" pitchFamily="34" charset="0"/>
+              <a:cs typeface="Arial" panose="020B0604020202020204" pitchFamily="34" charset="0"/>
             </a:endParaRPr>
           </a:p>
-        </p:txBody>
-      </p:sp>
-      <p:sp>
-        <p:nvSpPr>
-          <p:cNvPr id="35" name="object 35"/>
-          <p:cNvSpPr txBox="1"/>
-          <p:nvPr/>
-        </p:nvSpPr>
-        <p:spPr>
-          <a:xfrm>
-            <a:off x="7673750" y="16094090"/>
-            <a:ext cx="1311275" cy="203200"/>
-          </a:xfrm>
-          <a:prstGeom prst="rect">
-            <a:avLst/>
-          </a:prstGeom>
-        </p:spPr>
-        <p:txBody>
-          <a:bodyPr vert="horz" wrap="square" lIns="0" tIns="14604" rIns="0" bIns="0" rtlCol="0">
-            <a:spAutoFit/>
-          </a:bodyPr>
-          <a:lstStyle/>
           <a:p>
-            <a:pPr marL="12700">
+            <a:pPr>
               <a:lnSpc>
-                <a:spcPct val="100000"/>
+                <a:spcPct val="107000"/>
               </a:lnSpc>
-              <a:spcBef>
-                <a:spcPts val="114"/>
-              </a:spcBef>
+              <a:spcAft>
+                <a:spcPts val="800"/>
+              </a:spcAft>
             </a:pPr>
             <a:r>
-              <a:rPr sz="1150" spc="-20" dirty="0">
-                <a:solidFill>
-                  <a:srgbClr val="1D1D1B"/>
-                </a:solidFill>
-                <a:latin typeface="IntelOne Display Regular"/>
-                <a:cs typeface="IntelOne Display Regular"/>
-              </a:rPr>
-              <a:t>Tu</a:t>
-            </a:r>
-            <a:r>
-              <a:rPr sz="1150" spc="5" dirty="0">
-                <a:solidFill>
-                  <a:srgbClr val="1D1D1B"/>
-                </a:solidFill>
-                <a:latin typeface="IntelOne Display Regular"/>
-                <a:cs typeface="IntelOne Display Regular"/>
-              </a:rPr>
-              <a:t> </a:t>
-            </a:r>
-            <a:r>
-              <a:rPr sz="1150" dirty="0">
-                <a:solidFill>
-                  <a:srgbClr val="1D1D1B"/>
-                </a:solidFill>
-                <a:latin typeface="IntelOne Display Regular"/>
-                <a:cs typeface="IntelOne Display Regular"/>
-              </a:rPr>
-              <a:t>wpisz</a:t>
-            </a:r>
-            <a:r>
-              <a:rPr sz="1150" spc="10" dirty="0">
-                <a:solidFill>
-                  <a:srgbClr val="1D1D1B"/>
-                </a:solidFill>
-                <a:latin typeface="IntelOne Display Regular"/>
-                <a:cs typeface="IntelOne Display Regular"/>
-              </a:rPr>
-              <a:t> </a:t>
-            </a:r>
-            <a:r>
-              <a:rPr sz="1150" dirty="0">
-                <a:solidFill>
-                  <a:srgbClr val="1D1D1B"/>
-                </a:solidFill>
-                <a:latin typeface="IntelOne Display Regular"/>
-                <a:cs typeface="IntelOne Display Regular"/>
-              </a:rPr>
-              <a:t>tytuł</a:t>
-            </a:r>
-            <a:r>
-              <a:rPr sz="1150" spc="5" dirty="0">
-                <a:solidFill>
-                  <a:srgbClr val="1D1D1B"/>
-                </a:solidFill>
-                <a:latin typeface="IntelOne Display Regular"/>
-                <a:cs typeface="IntelOne Display Regular"/>
-              </a:rPr>
-              <a:t> </a:t>
-            </a:r>
-            <a:r>
-              <a:rPr sz="1150" spc="-10" dirty="0">
-                <a:solidFill>
-                  <a:srgbClr val="1D1D1B"/>
-                </a:solidFill>
-                <a:latin typeface="IntelOne Display Regular"/>
-                <a:cs typeface="IntelOne Display Regular"/>
-              </a:rPr>
-              <a:t>graﬁki</a:t>
-            </a:r>
-            <a:endParaRPr sz="1150" dirty="0">
-              <a:latin typeface="IntelOne Display Regular"/>
-              <a:cs typeface="IntelOne Display Regular"/>
+              <a:rPr lang="pl-PL" sz="1100" dirty="0">
+                <a:effectLst/>
+                <a:latin typeface="Calibri" panose="020F0502020204030204" pitchFamily="34" charset="0"/>
+                <a:ea typeface="Calibri" panose="020F0502020204030204" pitchFamily="34" charset="0"/>
+                <a:cs typeface="Arial" panose="020B0604020202020204" pitchFamily="34" charset="0"/>
+              </a:rPr>
+              <a:t>Oś Y przedstawia skuteczność sieci dla danych testowych, natomiast oś X to ilość generacji.</a:t>
+            </a:r>
+            <a:endParaRPr lang="en-US" sz="1100" dirty="0">
+              <a:effectLst/>
+              <a:latin typeface="Calibri" panose="020F0502020204030204" pitchFamily="34" charset="0"/>
+              <a:ea typeface="Calibri" panose="020F0502020204030204" pitchFamily="34" charset="0"/>
+              <a:cs typeface="Arial" panose="020B0604020202020204" pitchFamily="34" charset="0"/>
             </a:endParaRPr>
           </a:p>
-        </p:txBody>
-      </p:sp>
-      <p:sp>
-        <p:nvSpPr>
-          <p:cNvPr id="36" name="object 36"/>
-          <p:cNvSpPr txBox="1"/>
-          <p:nvPr/>
-        </p:nvSpPr>
-        <p:spPr>
-          <a:xfrm>
-            <a:off x="7673750" y="18115857"/>
-            <a:ext cx="466725" cy="203200"/>
-          </a:xfrm>
-          <a:prstGeom prst="rect">
-            <a:avLst/>
-          </a:prstGeom>
-        </p:spPr>
-        <p:txBody>
-          <a:bodyPr vert="horz" wrap="square" lIns="0" tIns="14604" rIns="0" bIns="0" rtlCol="0">
-            <a:spAutoFit/>
-          </a:bodyPr>
-          <a:lstStyle/>
           <a:p>
-            <a:pPr marL="12700">
+            <a:pPr>
               <a:lnSpc>
-                <a:spcPct val="100000"/>
+                <a:spcPct val="107000"/>
               </a:lnSpc>
-              <a:spcBef>
-                <a:spcPts val="114"/>
-              </a:spcBef>
+              <a:spcAft>
+                <a:spcPts val="800"/>
+              </a:spcAft>
             </a:pPr>
             <a:r>
-              <a:rPr sz="1150" spc="-10" dirty="0">
-                <a:solidFill>
-                  <a:srgbClr val="1D1D1B"/>
-                </a:solidFill>
-                <a:latin typeface="IntelOne Display Regular"/>
-                <a:cs typeface="IntelOne Display Regular"/>
-              </a:rPr>
-              <a:t>Źródło</a:t>
-            </a:r>
-            <a:endParaRPr sz="1150">
-              <a:latin typeface="IntelOne Display Regular"/>
-              <a:cs typeface="IntelOne Display Regular"/>
+              <a:rPr lang="pl-PL" sz="1100" dirty="0">
+                <a:effectLst/>
+                <a:latin typeface="Calibri" panose="020F0502020204030204" pitchFamily="34" charset="0"/>
+                <a:ea typeface="Calibri" panose="020F0502020204030204" pitchFamily="34" charset="0"/>
+                <a:cs typeface="Arial" panose="020B0604020202020204" pitchFamily="34" charset="0"/>
+              </a:rPr>
+              <a:t>Wykresy sieci ’8 4 </a:t>
+            </a:r>
+            <a:r>
+              <a:rPr lang="pl-PL" sz="1100" dirty="0" err="1">
+                <a:effectLst/>
+                <a:latin typeface="Calibri" panose="020F0502020204030204" pitchFamily="34" charset="0"/>
+                <a:ea typeface="Calibri" panose="020F0502020204030204" pitchFamily="34" charset="0"/>
+                <a:cs typeface="Arial" panose="020B0604020202020204" pitchFamily="34" charset="0"/>
+              </a:rPr>
+              <a:t>Dense</a:t>
+            </a:r>
+            <a:r>
+              <a:rPr lang="pl-PL" sz="1100" dirty="0">
+                <a:effectLst/>
+                <a:latin typeface="Calibri" panose="020F0502020204030204" pitchFamily="34" charset="0"/>
+                <a:ea typeface="Calibri" panose="020F0502020204030204" pitchFamily="34" charset="0"/>
+                <a:cs typeface="Arial" panose="020B0604020202020204" pitchFamily="34" charset="0"/>
+              </a:rPr>
+              <a:t>’, ’128 </a:t>
+            </a:r>
+            <a:r>
+              <a:rPr lang="pl-PL" sz="1100" dirty="0" err="1">
+                <a:effectLst/>
+                <a:latin typeface="Calibri" panose="020F0502020204030204" pitchFamily="34" charset="0"/>
+                <a:ea typeface="Calibri" panose="020F0502020204030204" pitchFamily="34" charset="0"/>
+                <a:cs typeface="Arial" panose="020B0604020202020204" pitchFamily="34" charset="0"/>
+              </a:rPr>
+              <a:t>Dense</a:t>
+            </a:r>
+            <a:r>
+              <a:rPr lang="pl-PL" sz="1100" dirty="0">
+                <a:effectLst/>
+                <a:latin typeface="Calibri" panose="020F0502020204030204" pitchFamily="34" charset="0"/>
+                <a:ea typeface="Calibri" panose="020F0502020204030204" pitchFamily="34" charset="0"/>
+                <a:cs typeface="Arial" panose="020B0604020202020204" pitchFamily="34" charset="0"/>
+              </a:rPr>
+              <a:t>’ oraz ’64 32 </a:t>
+            </a:r>
+            <a:r>
+              <a:rPr lang="pl-PL" sz="1100" dirty="0" err="1">
+                <a:effectLst/>
+                <a:latin typeface="Calibri" panose="020F0502020204030204" pitchFamily="34" charset="0"/>
+                <a:ea typeface="Calibri" panose="020F0502020204030204" pitchFamily="34" charset="0"/>
+                <a:cs typeface="Arial" panose="020B0604020202020204" pitchFamily="34" charset="0"/>
+              </a:rPr>
+              <a:t>Dense</a:t>
+            </a:r>
+            <a:r>
+              <a:rPr lang="pl-PL" sz="1100" dirty="0">
+                <a:effectLst/>
+                <a:latin typeface="Calibri" panose="020F0502020204030204" pitchFamily="34" charset="0"/>
+                <a:ea typeface="Calibri" panose="020F0502020204030204" pitchFamily="34" charset="0"/>
+                <a:cs typeface="Arial" panose="020B0604020202020204" pitchFamily="34" charset="0"/>
+              </a:rPr>
+              <a:t>’ pokazują, że wraz z kolejnymi generacjami modelu dokładność maleje, co oznacza przetrenowanie sieci ’</a:t>
+            </a:r>
+            <a:r>
+              <a:rPr lang="pl-PL" sz="1100" dirty="0" err="1">
+                <a:effectLst/>
+                <a:latin typeface="Calibri" panose="020F0502020204030204" pitchFamily="34" charset="0"/>
+                <a:ea typeface="Calibri" panose="020F0502020204030204" pitchFamily="34" charset="0"/>
+                <a:cs typeface="Arial" panose="020B0604020202020204" pitchFamily="34" charset="0"/>
+              </a:rPr>
+              <a:t>overfitting</a:t>
+            </a:r>
+            <a:r>
+              <a:rPr lang="pl-PL" sz="1100" dirty="0">
+                <a:effectLst/>
+                <a:latin typeface="Calibri" panose="020F0502020204030204" pitchFamily="34" charset="0"/>
+                <a:ea typeface="Calibri" panose="020F0502020204030204" pitchFamily="34" charset="0"/>
+                <a:cs typeface="Arial" panose="020B0604020202020204" pitchFamily="34" charset="0"/>
+              </a:rPr>
+              <a:t>’.</a:t>
+            </a:r>
+            <a:endParaRPr lang="en-US" sz="1100" dirty="0">
+              <a:effectLst/>
+              <a:latin typeface="Calibri" panose="020F0502020204030204" pitchFamily="34" charset="0"/>
+              <a:ea typeface="Calibri" panose="020F0502020204030204" pitchFamily="34" charset="0"/>
+              <a:cs typeface="Arial" panose="020B0604020202020204" pitchFamily="34" charset="0"/>
+            </a:endParaRPr>
+          </a:p>
+          <a:p>
+            <a:pPr>
+              <a:lnSpc>
+                <a:spcPct val="107000"/>
+              </a:lnSpc>
+              <a:spcAft>
+                <a:spcPts val="800"/>
+              </a:spcAft>
+            </a:pPr>
+            <a:r>
+              <a:rPr lang="pl-PL" sz="1100" dirty="0">
+                <a:effectLst/>
+                <a:latin typeface="Calibri" panose="020F0502020204030204" pitchFamily="34" charset="0"/>
+                <a:ea typeface="Calibri" panose="020F0502020204030204" pitchFamily="34" charset="0"/>
+                <a:cs typeface="Arial" panose="020B0604020202020204" pitchFamily="34" charset="0"/>
+              </a:rPr>
+              <a:t>Model ’16 8 </a:t>
+            </a:r>
+            <a:r>
+              <a:rPr lang="pl-PL" sz="1100" dirty="0" err="1">
+                <a:effectLst/>
+                <a:latin typeface="Calibri" panose="020F0502020204030204" pitchFamily="34" charset="0"/>
+                <a:ea typeface="Calibri" panose="020F0502020204030204" pitchFamily="34" charset="0"/>
+                <a:cs typeface="Arial" panose="020B0604020202020204" pitchFamily="34" charset="0"/>
+              </a:rPr>
+              <a:t>Dense</a:t>
+            </a:r>
+            <a:r>
+              <a:rPr lang="pl-PL" sz="1100" dirty="0">
+                <a:effectLst/>
+                <a:latin typeface="Calibri" panose="020F0502020204030204" pitchFamily="34" charset="0"/>
+                <a:ea typeface="Calibri" panose="020F0502020204030204" pitchFamily="34" charset="0"/>
+                <a:cs typeface="Arial" panose="020B0604020202020204" pitchFamily="34" charset="0"/>
+              </a:rPr>
+              <a:t>’ nie wykazuje znaczących oznak przetrenowania, jednakże prezentowana przez niego dokładność odbiega nieco od najwyższej uzyskanej przez model ’32 </a:t>
+            </a:r>
+            <a:r>
+              <a:rPr lang="pl-PL" sz="1100" dirty="0" err="1">
+                <a:effectLst/>
+                <a:latin typeface="Calibri" panose="020F0502020204030204" pitchFamily="34" charset="0"/>
+                <a:ea typeface="Calibri" panose="020F0502020204030204" pitchFamily="34" charset="0"/>
+                <a:cs typeface="Arial" panose="020B0604020202020204" pitchFamily="34" charset="0"/>
+              </a:rPr>
+              <a:t>Dense</a:t>
+            </a:r>
+            <a:r>
+              <a:rPr lang="pl-PL" sz="1100" dirty="0">
+                <a:effectLst/>
+                <a:latin typeface="Calibri" panose="020F0502020204030204" pitchFamily="34" charset="0"/>
+                <a:ea typeface="Calibri" panose="020F0502020204030204" pitchFamily="34" charset="0"/>
+                <a:cs typeface="Arial" panose="020B0604020202020204" pitchFamily="34" charset="0"/>
+              </a:rPr>
+              <a:t>’.</a:t>
+            </a:r>
+            <a:endParaRPr lang="en-US" sz="1100" dirty="0">
+              <a:effectLst/>
+              <a:latin typeface="Calibri" panose="020F0502020204030204" pitchFamily="34" charset="0"/>
+              <a:ea typeface="Calibri" panose="020F0502020204030204" pitchFamily="34" charset="0"/>
+              <a:cs typeface="Arial" panose="020B0604020202020204" pitchFamily="34" charset="0"/>
+            </a:endParaRPr>
+          </a:p>
+          <a:p>
+            <a:pPr>
+              <a:lnSpc>
+                <a:spcPct val="107000"/>
+              </a:lnSpc>
+              <a:spcAft>
+                <a:spcPts val="800"/>
+              </a:spcAft>
+            </a:pPr>
+            <a:r>
+              <a:rPr lang="pl-PL" sz="1100" dirty="0">
+                <a:effectLst/>
+                <a:latin typeface="Calibri" panose="020F0502020204030204" pitchFamily="34" charset="0"/>
+                <a:ea typeface="Calibri" panose="020F0502020204030204" pitchFamily="34" charset="0"/>
+                <a:cs typeface="Arial" panose="020B0604020202020204" pitchFamily="34" charset="0"/>
+              </a:rPr>
+              <a:t>Po przeprowadzeniu wielu prób (na wykresie pokazaliśmy tylko wybrane, najlepsze modele), zdecydowaliśmy się na użycie sieci z pojedynczą warstwą </a:t>
+            </a:r>
+            <a:r>
+              <a:rPr lang="pl-PL" sz="1100" dirty="0" err="1">
+                <a:effectLst/>
+                <a:latin typeface="Calibri" panose="020F0502020204030204" pitchFamily="34" charset="0"/>
+                <a:ea typeface="Calibri" panose="020F0502020204030204" pitchFamily="34" charset="0"/>
+                <a:cs typeface="Arial" panose="020B0604020202020204" pitchFamily="34" charset="0"/>
+              </a:rPr>
+              <a:t>Dense</a:t>
+            </a:r>
+            <a:r>
+              <a:rPr lang="pl-PL" sz="1100" dirty="0">
+                <a:effectLst/>
+                <a:latin typeface="Calibri" panose="020F0502020204030204" pitchFamily="34" charset="0"/>
+                <a:ea typeface="Calibri" panose="020F0502020204030204" pitchFamily="34" charset="0"/>
+                <a:cs typeface="Arial" panose="020B0604020202020204" pitchFamily="34" charset="0"/>
+              </a:rPr>
+              <a:t> o rozmiarze 32 tensory.</a:t>
+            </a:r>
+            <a:endParaRPr lang="pl-PL" sz="1100" dirty="0">
+              <a:latin typeface="Calibri" panose="020F0502020204030204" pitchFamily="34" charset="0"/>
+              <a:ea typeface="Calibri" panose="020F0502020204030204" pitchFamily="34" charset="0"/>
+              <a:cs typeface="Arial" panose="020B0604020202020204" pitchFamily="34" charset="0"/>
             </a:endParaRPr>
           </a:p>
         </p:txBody>
@@ -16349,8 +13513,8 @@
         </p:nvSpPr>
         <p:spPr>
           <a:xfrm>
-            <a:off x="279212" y="4807452"/>
-            <a:ext cx="4162097" cy="646331"/>
+            <a:off x="222417" y="4807452"/>
+            <a:ext cx="2965638" cy="646331"/>
           </a:xfrm>
           <a:prstGeom prst="rect">
             <a:avLst/>
@@ -16365,7 +13529,14 @@
           <a:p>
             <a:r>
               <a:rPr lang="pl-PL" dirty="0"/>
-              <a:t>Jakub Stanula – Kaczka, Wiktor Koźlik, Piotr Chajec</a:t>
+              <a:t>Jakub Stanula – Kaczka, </a:t>
+            </a:r>
+            <a:br>
+              <a:rPr lang="pl-PL" dirty="0"/>
+            </a:br>
+            <a:r>
+              <a:rPr lang="pl-PL" dirty="0"/>
+              <a:t>Wiktor Koźlik, Piotr Chajec</a:t>
             </a:r>
             <a:endParaRPr lang="en-US" dirty="0"/>
           </a:p>
@@ -16385,7 +13556,7 @@
         </p:nvSpPr>
         <p:spPr>
           <a:xfrm>
-            <a:off x="5002494" y="4779861"/>
+            <a:off x="5037850" y="4779984"/>
             <a:ext cx="3750201" cy="646331"/>
           </a:xfrm>
           <a:prstGeom prst="rect">
@@ -16443,6 +13614,547 @@
           </a:p>
         </p:txBody>
       </p:sp>
+      <p:pic>
+        <p:nvPicPr>
+          <p:cNvPr id="41" name="Obraz 40">
+            <a:extLst>
+              <a:ext uri="{FF2B5EF4-FFF2-40B4-BE49-F238E27FC236}">
+                <a16:creationId xmlns:a16="http://schemas.microsoft.com/office/drawing/2014/main" id="{1AA66A90-5489-EFA6-D5CD-947FA3B981FF}"/>
+              </a:ext>
+            </a:extLst>
+          </p:cNvPr>
+          <p:cNvPicPr>
+            <a:picLocks noChangeAspect="1"/>
+          </p:cNvPicPr>
+          <p:nvPr/>
+        </p:nvPicPr>
+        <p:blipFill>
+          <a:blip r:embed="rId2">
+            <a:extLst>
+              <a:ext uri="{28A0092B-C50C-407E-A947-70E740481C1C}">
+                <a14:useLocalDpi xmlns:a14="http://schemas.microsoft.com/office/drawing/2010/main" val="0"/>
+              </a:ext>
+            </a:extLst>
+          </a:blip>
+          <a:stretch>
+            <a:fillRect/>
+          </a:stretch>
+        </p:blipFill>
+        <p:spPr>
+          <a:xfrm>
+            <a:off x="595970" y="9983293"/>
+            <a:ext cx="6299200" cy="4724400"/>
+          </a:xfrm>
+          <a:prstGeom prst="rect">
+            <a:avLst/>
+          </a:prstGeom>
+        </p:spPr>
+      </p:pic>
+      <p:pic>
+        <p:nvPicPr>
+          <p:cNvPr id="42" name="Obraz 41">
+            <a:extLst>
+              <a:ext uri="{FF2B5EF4-FFF2-40B4-BE49-F238E27FC236}">
+                <a16:creationId xmlns:a16="http://schemas.microsoft.com/office/drawing/2014/main" id="{37BCD19A-D88D-27BA-2561-F80ED8E24B4D}"/>
+              </a:ext>
+            </a:extLst>
+          </p:cNvPr>
+          <p:cNvPicPr>
+            <a:picLocks noChangeAspect="1"/>
+          </p:cNvPicPr>
+          <p:nvPr/>
+        </p:nvPicPr>
+        <p:blipFill rotWithShape="1">
+          <a:blip r:embed="rId3" cstate="print">
+            <a:extLst>
+              <a:ext uri="{28A0092B-C50C-407E-A947-70E740481C1C}">
+                <a14:useLocalDpi xmlns:a14="http://schemas.microsoft.com/office/drawing/2010/main" val="0"/>
+              </a:ext>
+            </a:extLst>
+          </a:blip>
+          <a:srcRect r="5631"/>
+          <a:stretch/>
+        </p:blipFill>
+        <p:spPr>
+          <a:xfrm>
+            <a:off x="7370708" y="7509419"/>
+            <a:ext cx="6334760" cy="3775954"/>
+          </a:xfrm>
+          <a:prstGeom prst="roundRect">
+            <a:avLst>
+              <a:gd name="adj" fmla="val 8594"/>
+            </a:avLst>
+          </a:prstGeom>
+          <a:solidFill>
+            <a:srgbClr val="FFFFFF">
+              <a:shade val="85000"/>
+            </a:srgbClr>
+          </a:solidFill>
+          <a:ln w="22225">
+            <a:solidFill>
+              <a:schemeClr val="bg1"/>
+            </a:solidFill>
+          </a:ln>
+          <a:effectLst/>
+        </p:spPr>
+      </p:pic>
+      <p:sp>
+        <p:nvSpPr>
+          <p:cNvPr id="43" name="object 25">
+            <a:extLst>
+              <a:ext uri="{FF2B5EF4-FFF2-40B4-BE49-F238E27FC236}">
+                <a16:creationId xmlns:a16="http://schemas.microsoft.com/office/drawing/2014/main" id="{424E9E39-F9F6-FA0D-16EF-A8BDDA2074E0}"/>
+              </a:ext>
+            </a:extLst>
+          </p:cNvPr>
+          <p:cNvSpPr txBox="1"/>
+          <p:nvPr/>
+        </p:nvSpPr>
+        <p:spPr>
+          <a:xfrm rot="5400000">
+            <a:off x="12919370" y="10266811"/>
+            <a:ext cx="1311275" cy="191718"/>
+          </a:xfrm>
+          <a:prstGeom prst="rect">
+            <a:avLst/>
+          </a:prstGeom>
+        </p:spPr>
+        <p:txBody>
+          <a:bodyPr vert="horz" wrap="square" lIns="0" tIns="14604" rIns="0" bIns="0" rtlCol="0">
+            <a:spAutoFit/>
+          </a:bodyPr>
+          <a:lstStyle/>
+          <a:p>
+            <a:pPr marL="12700">
+              <a:lnSpc>
+                <a:spcPct val="100000"/>
+              </a:lnSpc>
+              <a:spcBef>
+                <a:spcPts val="114"/>
+              </a:spcBef>
+            </a:pPr>
+            <a:r>
+              <a:rPr lang="pl-PL" sz="1150" spc="-10" dirty="0">
+                <a:solidFill>
+                  <a:schemeClr val="tx1">
+                    <a:lumMod val="65000"/>
+                    <a:lumOff val="35000"/>
+                  </a:schemeClr>
+                </a:solidFill>
+                <a:latin typeface="IntelOne Display Regular"/>
+                <a:cs typeface="IntelOne Display Regular"/>
+              </a:rPr>
+              <a:t>Źródło: www.inc.com</a:t>
+            </a:r>
+            <a:endParaRPr sz="1150" dirty="0">
+              <a:solidFill>
+                <a:schemeClr val="tx1">
+                  <a:lumMod val="65000"/>
+                  <a:lumOff val="35000"/>
+                </a:schemeClr>
+              </a:solidFill>
+              <a:latin typeface="IntelOne Display Regular"/>
+              <a:cs typeface="IntelOne Display Regular"/>
+            </a:endParaRPr>
+          </a:p>
+        </p:txBody>
+      </p:sp>
+      <p:sp>
+        <p:nvSpPr>
+          <p:cNvPr id="44" name="object 24">
+            <a:extLst>
+              <a:ext uri="{FF2B5EF4-FFF2-40B4-BE49-F238E27FC236}">
+                <a16:creationId xmlns:a16="http://schemas.microsoft.com/office/drawing/2014/main" id="{9EA75865-2604-5A19-F6C4-B8CE9F3BCDF9}"/>
+              </a:ext>
+            </a:extLst>
+          </p:cNvPr>
+          <p:cNvSpPr txBox="1"/>
+          <p:nvPr/>
+        </p:nvSpPr>
+        <p:spPr>
+          <a:xfrm>
+            <a:off x="7588250" y="7657727"/>
+            <a:ext cx="2590800" cy="3059170"/>
+          </a:xfrm>
+          <a:prstGeom prst="rect">
+            <a:avLst/>
+          </a:prstGeom>
+        </p:spPr>
+        <p:txBody>
+          <a:bodyPr vert="horz" wrap="square" lIns="0" tIns="14604" rIns="0" bIns="0" rtlCol="0">
+            <a:spAutoFit/>
+          </a:bodyPr>
+          <a:lstStyle/>
+          <a:p>
+            <a:pPr marL="12700">
+              <a:lnSpc>
+                <a:spcPct val="100000"/>
+              </a:lnSpc>
+              <a:spcBef>
+                <a:spcPts val="114"/>
+              </a:spcBef>
+            </a:pPr>
+            <a:r>
+              <a:rPr lang="pl-PL" sz="2400" b="1" spc="-20" dirty="0">
+                <a:solidFill>
+                  <a:schemeClr val="bg1"/>
+                </a:solidFill>
+                <a:effectLst>
+                  <a:outerShdw blurRad="38100" dist="38100" dir="2700000" algn="tl">
+                    <a:srgbClr val="000000">
+                      <a:alpha val="43137"/>
+                    </a:srgbClr>
+                  </a:outerShdw>
+                </a:effectLst>
+                <a:latin typeface="IntelOne Display Regular"/>
+                <a:cs typeface="IntelOne Display Regular"/>
+              </a:rPr>
+              <a:t>Wulgaryzmy</a:t>
+            </a:r>
+          </a:p>
+          <a:p>
+            <a:pPr marL="12700">
+              <a:lnSpc>
+                <a:spcPct val="100000"/>
+              </a:lnSpc>
+              <a:spcBef>
+                <a:spcPts val="114"/>
+              </a:spcBef>
+            </a:pPr>
+            <a:r>
+              <a:rPr lang="pl-PL" sz="2400" b="1" spc="-20" dirty="0" err="1">
+                <a:solidFill>
+                  <a:schemeClr val="bg1"/>
+                </a:solidFill>
+                <a:effectLst>
+                  <a:outerShdw blurRad="38100" dist="38100" dir="2700000" algn="tl">
+                    <a:srgbClr val="000000">
+                      <a:alpha val="43137"/>
+                    </a:srgbClr>
+                  </a:outerShdw>
+                </a:effectLst>
+                <a:latin typeface="IntelOne Display Regular"/>
+                <a:cs typeface="IntelOne Display Regular"/>
+              </a:rPr>
+              <a:t>Fake</a:t>
+            </a:r>
+            <a:r>
+              <a:rPr lang="pl-PL" sz="2400" b="1" spc="-20" dirty="0">
+                <a:solidFill>
+                  <a:schemeClr val="bg1"/>
+                </a:solidFill>
+                <a:effectLst>
+                  <a:outerShdw blurRad="38100" dist="38100" dir="2700000" algn="tl">
+                    <a:srgbClr val="000000">
+                      <a:alpha val="43137"/>
+                    </a:srgbClr>
+                  </a:outerShdw>
+                </a:effectLst>
+                <a:latin typeface="IntelOne Display Regular"/>
+                <a:cs typeface="IntelOne Display Regular"/>
+              </a:rPr>
+              <a:t> newsy</a:t>
+            </a:r>
+          </a:p>
+          <a:p>
+            <a:pPr marL="12700">
+              <a:lnSpc>
+                <a:spcPct val="100000"/>
+              </a:lnSpc>
+              <a:spcBef>
+                <a:spcPts val="114"/>
+              </a:spcBef>
+            </a:pPr>
+            <a:r>
+              <a:rPr lang="pl-PL" sz="2400" b="1" spc="-20" dirty="0">
+                <a:solidFill>
+                  <a:schemeClr val="bg1"/>
+                </a:solidFill>
+                <a:effectLst>
+                  <a:outerShdw blurRad="38100" dist="38100" dir="2700000" algn="tl">
+                    <a:srgbClr val="000000">
+                      <a:alpha val="43137"/>
+                    </a:srgbClr>
+                  </a:outerShdw>
+                </a:effectLst>
+                <a:latin typeface="IntelOne Display Regular"/>
+                <a:cs typeface="IntelOne Display Regular"/>
+              </a:rPr>
+              <a:t>Agresja</a:t>
+            </a:r>
+          </a:p>
+          <a:p>
+            <a:pPr marL="12700">
+              <a:spcBef>
+                <a:spcPts val="114"/>
+              </a:spcBef>
+            </a:pPr>
+            <a:r>
+              <a:rPr lang="pl-PL" sz="2400" b="1" spc="-20" dirty="0">
+                <a:solidFill>
+                  <a:schemeClr val="bg1"/>
+                </a:solidFill>
+                <a:effectLst>
+                  <a:outerShdw blurRad="38100" dist="38100" dir="2700000" algn="tl">
+                    <a:srgbClr val="000000">
+                      <a:alpha val="43137"/>
+                    </a:srgbClr>
+                  </a:outerShdw>
+                </a:effectLst>
+                <a:latin typeface="IntelOne Display Regular"/>
+                <a:cs typeface="IntelOne Display Regular"/>
+              </a:rPr>
+              <a:t>Hejt</a:t>
+            </a:r>
+          </a:p>
+          <a:p>
+            <a:pPr marL="12700">
+              <a:spcBef>
+                <a:spcPts val="114"/>
+              </a:spcBef>
+            </a:pPr>
+            <a:r>
+              <a:rPr lang="pl-PL" sz="2400" b="1" spc="-20" dirty="0">
+                <a:solidFill>
+                  <a:schemeClr val="bg1"/>
+                </a:solidFill>
+                <a:effectLst>
+                  <a:outerShdw blurRad="38100" dist="38100" dir="2700000" algn="tl">
+                    <a:srgbClr val="000000">
+                      <a:alpha val="43137"/>
+                    </a:srgbClr>
+                  </a:outerShdw>
+                </a:effectLst>
+                <a:latin typeface="IntelOne Display Regular"/>
+                <a:cs typeface="IntelOne Display Regular"/>
+              </a:rPr>
+              <a:t>…</a:t>
+            </a:r>
+          </a:p>
+          <a:p>
+            <a:pPr marL="12700">
+              <a:lnSpc>
+                <a:spcPct val="100000"/>
+              </a:lnSpc>
+              <a:spcBef>
+                <a:spcPts val="114"/>
+              </a:spcBef>
+            </a:pPr>
+            <a:endParaRPr lang="pl-PL" sz="2400" b="1" spc="-20" dirty="0">
+              <a:solidFill>
+                <a:schemeClr val="bg1"/>
+              </a:solidFill>
+              <a:effectLst>
+                <a:outerShdw blurRad="38100" dist="38100" dir="2700000" algn="tl">
+                  <a:srgbClr val="000000">
+                    <a:alpha val="43137"/>
+                  </a:srgbClr>
+                </a:outerShdw>
+              </a:effectLst>
+              <a:latin typeface="IntelOne Display Regular"/>
+              <a:cs typeface="IntelOne Display Regular"/>
+            </a:endParaRPr>
+          </a:p>
+          <a:p>
+            <a:pPr marL="12700">
+              <a:lnSpc>
+                <a:spcPct val="100000"/>
+              </a:lnSpc>
+              <a:spcBef>
+                <a:spcPts val="114"/>
+              </a:spcBef>
+            </a:pPr>
+            <a:endParaRPr lang="pl-PL" sz="2400" b="1" spc="-20" dirty="0">
+              <a:solidFill>
+                <a:schemeClr val="bg1"/>
+              </a:solidFill>
+              <a:effectLst>
+                <a:outerShdw blurRad="38100" dist="38100" dir="2700000" algn="tl">
+                  <a:srgbClr val="000000">
+                    <a:alpha val="43137"/>
+                  </a:srgbClr>
+                </a:outerShdw>
+              </a:effectLst>
+              <a:latin typeface="IntelOne Display Regular"/>
+              <a:cs typeface="IntelOne Display Regular"/>
+            </a:endParaRPr>
+          </a:p>
+          <a:p>
+            <a:pPr marL="12700">
+              <a:lnSpc>
+                <a:spcPct val="100000"/>
+              </a:lnSpc>
+              <a:spcBef>
+                <a:spcPts val="114"/>
+              </a:spcBef>
+            </a:pPr>
+            <a:endParaRPr sz="2400" b="1" dirty="0">
+              <a:solidFill>
+                <a:schemeClr val="bg1"/>
+              </a:solidFill>
+              <a:effectLst>
+                <a:outerShdw blurRad="38100" dist="38100" dir="2700000" algn="tl">
+                  <a:srgbClr val="000000">
+                    <a:alpha val="43137"/>
+                  </a:srgbClr>
+                </a:outerShdw>
+              </a:effectLst>
+              <a:latin typeface="IntelOne Display Regular"/>
+              <a:cs typeface="IntelOne Display Regular"/>
+            </a:endParaRPr>
+          </a:p>
+        </p:txBody>
+      </p:sp>
+      <p:pic>
+        <p:nvPicPr>
+          <p:cNvPr id="46" name="Obraz 45">
+            <a:extLst>
+              <a:ext uri="{FF2B5EF4-FFF2-40B4-BE49-F238E27FC236}">
+                <a16:creationId xmlns:a16="http://schemas.microsoft.com/office/drawing/2014/main" id="{672ADDF7-342B-A17B-D7FE-E51BE3A7E8C3}"/>
+              </a:ext>
+            </a:extLst>
+          </p:cNvPr>
+          <p:cNvPicPr>
+            <a:picLocks noChangeAspect="1"/>
+          </p:cNvPicPr>
+          <p:nvPr/>
+        </p:nvPicPr>
+        <p:blipFill>
+          <a:blip r:embed="rId4" cstate="print">
+            <a:extLst>
+              <a:ext uri="{28A0092B-C50C-407E-A947-70E740481C1C}">
+                <a14:useLocalDpi xmlns:a14="http://schemas.microsoft.com/office/drawing/2010/main" val="0"/>
+              </a:ext>
+            </a:extLst>
+          </a:blip>
+          <a:stretch>
+            <a:fillRect/>
+          </a:stretch>
+        </p:blipFill>
+        <p:spPr>
+          <a:xfrm>
+            <a:off x="12226800" y="18967450"/>
+            <a:ext cx="609600" cy="609600"/>
+          </a:xfrm>
+          <a:prstGeom prst="rect">
+            <a:avLst/>
+          </a:prstGeom>
+        </p:spPr>
+      </p:pic>
+      <p:sp>
+        <p:nvSpPr>
+          <p:cNvPr id="47" name="pole tekstowe 46">
+            <a:extLst>
+              <a:ext uri="{FF2B5EF4-FFF2-40B4-BE49-F238E27FC236}">
+                <a16:creationId xmlns:a16="http://schemas.microsoft.com/office/drawing/2014/main" id="{ADE1F2F1-F98A-E35D-2F30-E9CD18F9EB41}"/>
+              </a:ext>
+            </a:extLst>
+          </p:cNvPr>
+          <p:cNvSpPr txBox="1"/>
+          <p:nvPr/>
+        </p:nvSpPr>
+        <p:spPr>
+          <a:xfrm>
+            <a:off x="8431056" y="19087584"/>
+            <a:ext cx="2869597" cy="369332"/>
+          </a:xfrm>
+          <a:prstGeom prst="rect">
+            <a:avLst/>
+          </a:prstGeom>
+          <a:noFill/>
+        </p:spPr>
+        <p:txBody>
+          <a:bodyPr wrap="square" rtlCol="0">
+            <a:spAutoFit/>
+          </a:bodyPr>
+          <a:lstStyle/>
+          <a:p>
+            <a:r>
+              <a:rPr lang="pl-PL" b="1" dirty="0"/>
+              <a:t>Zobacz i przetestuj sam!</a:t>
+            </a:r>
+            <a:endParaRPr lang="en-US" b="1" dirty="0"/>
+          </a:p>
+        </p:txBody>
+      </p:sp>
+      <p:sp>
+        <p:nvSpPr>
+          <p:cNvPr id="51" name="pole tekstowe 50">
+            <a:extLst>
+              <a:ext uri="{FF2B5EF4-FFF2-40B4-BE49-F238E27FC236}">
+                <a16:creationId xmlns:a16="http://schemas.microsoft.com/office/drawing/2014/main" id="{F0EBE534-755A-FCC4-4260-FA0486DCA61F}"/>
+              </a:ext>
+            </a:extLst>
+          </p:cNvPr>
+          <p:cNvSpPr txBox="1"/>
+          <p:nvPr/>
+        </p:nvSpPr>
+        <p:spPr>
+          <a:xfrm>
+            <a:off x="12254935" y="18153021"/>
+            <a:ext cx="1303562" cy="261610"/>
+          </a:xfrm>
+          <a:prstGeom prst="rect">
+            <a:avLst/>
+          </a:prstGeom>
+          <a:noFill/>
+        </p:spPr>
+        <p:txBody>
+          <a:bodyPr wrap="none" rtlCol="0">
+            <a:spAutoFit/>
+          </a:bodyPr>
+          <a:lstStyle/>
+          <a:p>
+            <a:r>
+              <a:rPr lang="pl-PL" sz="1050" dirty="0">
+                <a:solidFill>
+                  <a:schemeClr val="bg1">
+                    <a:lumMod val="65000"/>
+                  </a:schemeClr>
+                </a:solidFill>
+              </a:rPr>
+              <a:t>źródło: reddit.com</a:t>
+            </a:r>
+            <a:endParaRPr lang="en-US" sz="1050" dirty="0">
+              <a:solidFill>
+                <a:schemeClr val="bg1">
+                  <a:lumMod val="65000"/>
+                </a:schemeClr>
+              </a:solidFill>
+            </a:endParaRPr>
+          </a:p>
+        </p:txBody>
+      </p:sp>
+      <p:pic>
+        <p:nvPicPr>
+          <p:cNvPr id="53" name="Obraz 52">
+            <a:extLst>
+              <a:ext uri="{FF2B5EF4-FFF2-40B4-BE49-F238E27FC236}">
+                <a16:creationId xmlns:a16="http://schemas.microsoft.com/office/drawing/2014/main" id="{79105139-2CB7-A4E3-8AFD-69FE77B63DBE}"/>
+              </a:ext>
+            </a:extLst>
+          </p:cNvPr>
+          <p:cNvPicPr>
+            <a:picLocks noChangeAspect="1"/>
+          </p:cNvPicPr>
+          <p:nvPr/>
+        </p:nvPicPr>
+        <p:blipFill>
+          <a:blip r:embed="rId5"/>
+          <a:stretch>
+            <a:fillRect/>
+          </a:stretch>
+        </p:blipFill>
+        <p:spPr>
+          <a:xfrm>
+            <a:off x="8364180" y="16089434"/>
+            <a:ext cx="4391741" cy="2100398"/>
+          </a:xfrm>
+          <a:prstGeom prst="rect">
+            <a:avLst/>
+          </a:prstGeom>
+        </p:spPr>
+      </p:pic>
     </p:spTree>
   </p:cSld>
   <p:clrMapOvr>
